--- a/supports/support_presentation_agile_got.pptx
+++ b/supports/support_presentation_agile_got.pptx
@@ -1,23 +1,24 @@
 
 <file path=ppt/presentation.xml><?xml version="1.0" encoding="utf-8"?>
-<p:presentation xmlns:a="http://schemas.openxmlformats.org/drawingml/2006/main" xmlns:r="http://schemas.openxmlformats.org/officeDocument/2006/relationships" xmlns:p="http://schemas.openxmlformats.org/presentationml/2006/main" xmlns:m="http://schemas.openxmlformats.org/officeDocument/2006/math" xmlns:a14="http://schemas.microsoft.com/office/drawing/2010/main">
+<p:presentation xmlns:a="http://schemas.openxmlformats.org/drawingml/2006/main" xmlns:r="http://schemas.openxmlformats.org/officeDocument/2006/relationships" xmlns:p="http://schemas.openxmlformats.org/presentationml/2006/main">
   <p:sldMasterIdLst>
-    <p:sldMasterId id="2147483648" r:id="rId5"/>
+    <p:sldMasterId id="2147483648" r:id="rId1"/>
   </p:sldMasterIdLst>
   <p:notesMasterIdLst>
-    <p:notesMasterId r:id="rId7"/>
+    <p:notesMasterId r:id="rId13"/>
   </p:notesMasterIdLst>
   <p:sldIdLst>
-    <p:sldId id="256" r:id="rId8"/>
-    <p:sldId id="257" r:id="rId9"/>
-    <p:sldId id="258" r:id="rId10"/>
-    <p:sldId id="259" r:id="rId11"/>
-    <p:sldId id="260" r:id="rId12"/>
-    <p:sldId id="261" r:id="rId13"/>
-    <p:sldId id="262" r:id="rId14"/>
-    <p:sldId id="263" r:id="rId15"/>
-    <p:sldId id="264" r:id="rId16"/>
-    <p:sldId id="265" r:id="rId17"/>
+    <p:sldId id="256" r:id="rId2"/>
+    <p:sldId id="257" r:id="rId3"/>
+    <p:sldId id="258" r:id="rId4"/>
+    <p:sldId id="259" r:id="rId5"/>
+    <p:sldId id="260" r:id="rId6"/>
+    <p:sldId id="261" r:id="rId7"/>
+    <p:sldId id="266" r:id="rId8"/>
+    <p:sldId id="262" r:id="rId9"/>
+    <p:sldId id="263" r:id="rId10"/>
+    <p:sldId id="264" r:id="rId11"/>
+    <p:sldId id="265" r:id="rId12"/>
   </p:sldIdLst>
   <p:sldSz cx="12192000" cy="6858000"/>
   <p:notesSz cx="6858000" cy="9144000"/>
@@ -37,7 +38,7 @@
       <a:buFontTx/>
       <a:buNone/>
       <a:tabLst/>
-      <a:defRPr b="0" baseline="0" cap="none" i="0" spc="0" strike="noStrike" sz="1800" u="none" kumimoji="0" normalizeH="0">
+      <a:defRPr kumimoji="0" sz="1800" b="0" i="0" u="none" strike="noStrike" cap="none" spc="0" normalizeH="0" baseline="0">
         <a:ln>
           <a:noFill/>
         </a:ln>
@@ -63,7 +64,7 @@
       <a:buFontTx/>
       <a:buNone/>
       <a:tabLst/>
-      <a:defRPr b="0" baseline="0" cap="none" i="0" spc="0" strike="noStrike" sz="1800" u="none" kumimoji="0" normalizeH="0">
+      <a:defRPr kumimoji="0" sz="1800" b="0" i="0" u="none" strike="noStrike" cap="none" spc="0" normalizeH="0" baseline="0">
         <a:ln>
           <a:noFill/>
         </a:ln>
@@ -93,7 +94,7 @@
       <a:buFontTx/>
       <a:buNone/>
       <a:tabLst/>
-      <a:defRPr b="0" baseline="0" cap="none" i="0" spc="0" strike="noStrike" sz="1800" u="none" kumimoji="0" normalizeH="0">
+      <a:defRPr kumimoji="0" sz="1800" b="0" i="0" u="none" strike="noStrike" cap="none" spc="0" normalizeH="0" baseline="0">
         <a:ln>
           <a:noFill/>
         </a:ln>
@@ -123,7 +124,7 @@
       <a:buFontTx/>
       <a:buNone/>
       <a:tabLst/>
-      <a:defRPr b="0" baseline="0" cap="none" i="0" spc="0" strike="noStrike" sz="1800" u="none" kumimoji="0" normalizeH="0">
+      <a:defRPr kumimoji="0" sz="1800" b="0" i="0" u="none" strike="noStrike" cap="none" spc="0" normalizeH="0" baseline="0">
         <a:ln>
           <a:noFill/>
         </a:ln>
@@ -153,7 +154,7 @@
       <a:buFontTx/>
       <a:buNone/>
       <a:tabLst/>
-      <a:defRPr b="0" baseline="0" cap="none" i="0" spc="0" strike="noStrike" sz="1800" u="none" kumimoji="0" normalizeH="0">
+      <a:defRPr kumimoji="0" sz="1800" b="0" i="0" u="none" strike="noStrike" cap="none" spc="0" normalizeH="0" baseline="0">
         <a:ln>
           <a:noFill/>
         </a:ln>
@@ -183,7 +184,7 @@
       <a:buFontTx/>
       <a:buNone/>
       <a:tabLst/>
-      <a:defRPr b="0" baseline="0" cap="none" i="0" spc="0" strike="noStrike" sz="1800" u="none" kumimoji="0" normalizeH="0">
+      <a:defRPr kumimoji="0" sz="1800" b="0" i="0" u="none" strike="noStrike" cap="none" spc="0" normalizeH="0" baseline="0">
         <a:ln>
           <a:noFill/>
         </a:ln>
@@ -213,7 +214,7 @@
       <a:buFontTx/>
       <a:buNone/>
       <a:tabLst/>
-      <a:defRPr b="0" baseline="0" cap="none" i="0" spc="0" strike="noStrike" sz="1800" u="none" kumimoji="0" normalizeH="0">
+      <a:defRPr kumimoji="0" sz="1800" b="0" i="0" u="none" strike="noStrike" cap="none" spc="0" normalizeH="0" baseline="0">
         <a:ln>
           <a:noFill/>
         </a:ln>
@@ -243,7 +244,7 @@
       <a:buFontTx/>
       <a:buNone/>
       <a:tabLst/>
-      <a:defRPr b="0" baseline="0" cap="none" i="0" spc="0" strike="noStrike" sz="1800" u="none" kumimoji="0" normalizeH="0">
+      <a:defRPr kumimoji="0" sz="1800" b="0" i="0" u="none" strike="noStrike" cap="none" spc="0" normalizeH="0" baseline="0">
         <a:ln>
           <a:noFill/>
         </a:ln>
@@ -273,7 +274,7 @@
       <a:buFontTx/>
       <a:buNone/>
       <a:tabLst/>
-      <a:defRPr b="0" baseline="0" cap="none" i="0" spc="0" strike="noStrike" sz="1800" u="none" kumimoji="0" normalizeH="0">
+      <a:defRPr kumimoji="0" sz="1800" b="0" i="0" u="none" strike="noStrike" cap="none" spc="0" normalizeH="0" baseline="0">
         <a:ln>
           <a:noFill/>
         </a:ln>
@@ -303,7 +304,7 @@
       <a:buFontTx/>
       <a:buNone/>
       <a:tabLst/>
-      <a:defRPr b="0" baseline="0" cap="none" i="0" spc="0" strike="noStrike" sz="1800" u="none" kumimoji="0" normalizeH="0">
+      <a:defRPr kumimoji="0" sz="1800" b="0" i="0" u="none" strike="noStrike" cap="none" spc="0" normalizeH="0" baseline="0">
         <a:ln>
           <a:noFill/>
         </a:ln>
@@ -322,13 +323,14 @@
 </p:presentation>
 </file>
 
-<file path=ppt/commentAuthors.xml><?xml version="1.0" encoding="utf-8"?>
-<p:cmAuthorLst xmlns:a="http://schemas.openxmlformats.org/drawingml/2006/main" xmlns:r="http://schemas.openxmlformats.org/officeDocument/2006/relationships" xmlns:p="http://schemas.openxmlformats.org/presentationml/2006/main" xmlns:m="http://schemas.openxmlformats.org/officeDocument/2006/math" xmlns:a14="http://schemas.microsoft.com/office/drawing/2010/main"/>
-</file>
-
 <file path=ppt/notesMasters/notesMaster1.xml><?xml version="1.0" encoding="utf-8"?>
-<p:notesMaster xmlns:a="http://schemas.openxmlformats.org/drawingml/2006/main" xmlns:r="http://schemas.openxmlformats.org/officeDocument/2006/relationships" xmlns:p="http://schemas.openxmlformats.org/presentationml/2006/main" xmlns:m="http://schemas.openxmlformats.org/officeDocument/2006/math" xmlns:a14="http://schemas.microsoft.com/office/drawing/2010/main">
+<p:notesMaster xmlns:a="http://schemas.openxmlformats.org/drawingml/2006/main" xmlns:r="http://schemas.openxmlformats.org/officeDocument/2006/relationships" xmlns:p="http://schemas.openxmlformats.org/presentationml/2006/main">
   <p:cSld>
+    <p:bg>
+      <p:bgRef idx="1001">
+        <a:schemeClr val="bg1"/>
+      </p:bgRef>
+    </p:bg>
     <p:spTree>
       <p:nvGrpSpPr>
         <p:cNvPr id="1" name=""/>
@@ -346,7 +348,9 @@
       <p:sp>
         <p:nvSpPr>
           <p:cNvPr id="129" name="Shape 129"/>
-          <p:cNvSpPr/>
+          <p:cNvSpPr>
+            <a:spLocks noGrp="1" noRot="1" noChangeAspect="1"/>
+          </p:cNvSpPr>
           <p:nvPr>
             <p:ph type="sldImg"/>
           </p:nvPr>
@@ -364,14 +368,16 @@
           <a:bodyPr/>
           <a:lstStyle/>
           <a:p>
-            <a:pPr/>
+            <a:endParaRPr/>
           </a:p>
         </p:txBody>
       </p:sp>
       <p:sp>
         <p:nvSpPr>
           <p:cNvPr id="130" name="Shape 130"/>
-          <p:cNvSpPr/>
+          <p:cNvSpPr>
+            <a:spLocks noGrp="1"/>
+          </p:cNvSpPr>
           <p:nvPr>
             <p:ph type="body" sz="quarter" idx="1"/>
           </p:nvPr>
@@ -389,7 +395,7 @@
           <a:bodyPr/>
           <a:lstStyle/>
           <a:p>
-            <a:pPr/>
+            <a:endParaRPr/>
           </a:p>
         </p:txBody>
       </p:sp>
@@ -474,7 +480,7 @@
 </file>
 
 <file path=ppt/notesSlides/notesSlide1.xml><?xml version="1.0" encoding="utf-8"?>
-<p:notes xmlns:a="http://schemas.openxmlformats.org/drawingml/2006/main" xmlns:r="http://schemas.openxmlformats.org/officeDocument/2006/relationships" xmlns:p="http://schemas.openxmlformats.org/presentationml/2006/main" xmlns:m="http://schemas.openxmlformats.org/officeDocument/2006/math" xmlns:a14="http://schemas.microsoft.com/office/drawing/2010/main" showMasterSp="1" showMasterPhAnim="1">
+<p:notes xmlns:a="http://schemas.openxmlformats.org/drawingml/2006/main" xmlns:r="http://schemas.openxmlformats.org/officeDocument/2006/relationships" xmlns:p="http://schemas.openxmlformats.org/presentationml/2006/main">
   <p:cSld>
     <p:spTree>
       <p:nvGrpSpPr>
@@ -493,7 +499,9 @@
       <p:sp>
         <p:nvSpPr>
           <p:cNvPr id="170" name="Shape 170"/>
-          <p:cNvSpPr/>
+          <p:cNvSpPr>
+            <a:spLocks noGrp="1" noRot="1" noChangeAspect="1"/>
+          </p:cNvSpPr>
           <p:nvPr>
             <p:ph type="sldImg"/>
           </p:nvPr>
@@ -507,14 +515,16 @@
           <a:bodyPr/>
           <a:lstStyle/>
           <a:p>
-            <a:pPr/>
+            <a:endParaRPr/>
           </a:p>
         </p:txBody>
       </p:sp>
       <p:sp>
         <p:nvSpPr>
           <p:cNvPr id="171" name="Shape 171"/>
-          <p:cNvSpPr/>
+          <p:cNvSpPr>
+            <a:spLocks noGrp="1"/>
+          </p:cNvSpPr>
           <p:nvPr>
             <p:ph type="body" sz="quarter" idx="1"/>
           </p:nvPr>
@@ -528,13 +538,11 @@
           <a:bodyPr/>
           <a:lstStyle/>
           <a:p>
-            <a:pPr/>
             <a:r>
               <a:t>Les différentes étapes de fabrication sont: plan général, plan détaillé, travail des différents matériaux bruts (plaques de métal, cuirs, pièces de ferroneries), assemblages. </a:t>
             </a:r>
           </a:p>
           <a:p>
-            <a:pPr/>
             <a:r>
               <a:t>Habituellement, la fabrication du lot complet des armures dure 1 année.</a:t>
             </a:r>
@@ -550,7 +558,7 @@
 </file>
 
 <file path=ppt/notesSlides/notesSlide2.xml><?xml version="1.0" encoding="utf-8"?>
-<p:notes xmlns:a="http://schemas.openxmlformats.org/drawingml/2006/main" xmlns:r="http://schemas.openxmlformats.org/officeDocument/2006/relationships" xmlns:p="http://schemas.openxmlformats.org/presentationml/2006/main" xmlns:m="http://schemas.openxmlformats.org/officeDocument/2006/math" xmlns:a14="http://schemas.microsoft.com/office/drawing/2010/main" showMasterSp="1" showMasterPhAnim="1">
+<p:notes xmlns:a="http://schemas.openxmlformats.org/drawingml/2006/main" xmlns:r="http://schemas.openxmlformats.org/officeDocument/2006/relationships" xmlns:p="http://schemas.openxmlformats.org/presentationml/2006/main">
   <p:cSld>
     <p:spTree>
       <p:nvGrpSpPr>
@@ -569,12 +577,18 @@
       <p:sp>
         <p:nvSpPr>
           <p:cNvPr id="182" name="Shape 182"/>
-          <p:cNvSpPr/>
+          <p:cNvSpPr>
+            <a:spLocks noGrp="1" noRot="1" noChangeAspect="1"/>
+          </p:cNvSpPr>
           <p:nvPr>
             <p:ph type="sldImg"/>
           </p:nvPr>
         </p:nvSpPr>
         <p:spPr>
+          <a:xfrm>
+            <a:off x="381000" y="685800"/>
+            <a:ext cx="6096000" cy="3429000"/>
+          </a:xfrm>
           <a:prstGeom prst="rect">
             <a:avLst/>
           </a:prstGeom>
@@ -583,14 +597,16 @@
           <a:bodyPr/>
           <a:lstStyle/>
           <a:p>
-            <a:pPr/>
+            <a:endParaRPr/>
           </a:p>
         </p:txBody>
       </p:sp>
       <p:sp>
         <p:nvSpPr>
           <p:cNvPr id="183" name="Shape 183"/>
-          <p:cNvSpPr/>
+          <p:cNvSpPr>
+            <a:spLocks noGrp="1"/>
+          </p:cNvSpPr>
           <p:nvPr>
             <p:ph type="body" sz="quarter" idx="1"/>
           </p:nvPr>
@@ -604,13 +620,11 @@
           <a:bodyPr/>
           <a:lstStyle/>
           <a:p>
-            <a:pPr/>
             <a:r>
               <a:t>Afficher cette slide avant de lancer l’épisode 1 lors de l’étape « Choix de la stratégie »</a:t>
             </a:r>
           </a:p>
           <a:p>
-            <a:pPr/>
             <a:r>
               <a:t>Donner aux participants les supports de jeu en même temps</a:t>
             </a:r>
@@ -626,7 +640,7 @@
 </file>
 
 <file path=ppt/notesSlides/notesSlide3.xml><?xml version="1.0" encoding="utf-8"?>
-<p:notes xmlns:a="http://schemas.openxmlformats.org/drawingml/2006/main" xmlns:r="http://schemas.openxmlformats.org/officeDocument/2006/relationships" xmlns:p="http://schemas.openxmlformats.org/presentationml/2006/main" xmlns:m="http://schemas.openxmlformats.org/officeDocument/2006/math" xmlns:a14="http://schemas.microsoft.com/office/drawing/2010/main" showMasterSp="1" showMasterPhAnim="1">
+<p:notes xmlns:a="http://schemas.openxmlformats.org/drawingml/2006/main" xmlns:r="http://schemas.openxmlformats.org/officeDocument/2006/relationships" xmlns:p="http://schemas.openxmlformats.org/presentationml/2006/main">
   <p:cSld>
     <p:spTree>
       <p:nvGrpSpPr>
@@ -645,7 +659,9 @@
       <p:sp>
         <p:nvSpPr>
           <p:cNvPr id="188" name="Shape 188"/>
-          <p:cNvSpPr/>
+          <p:cNvSpPr>
+            <a:spLocks noGrp="1" noRot="1" noChangeAspect="1"/>
+          </p:cNvSpPr>
           <p:nvPr>
             <p:ph type="sldImg"/>
           </p:nvPr>
@@ -659,14 +675,16 @@
           <a:bodyPr/>
           <a:lstStyle/>
           <a:p>
-            <a:pPr/>
+            <a:endParaRPr/>
           </a:p>
         </p:txBody>
       </p:sp>
       <p:sp>
         <p:nvSpPr>
           <p:cNvPr id="189" name="Shape 189"/>
-          <p:cNvSpPr/>
+          <p:cNvSpPr>
+            <a:spLocks noGrp="1"/>
+          </p:cNvSpPr>
           <p:nvPr>
             <p:ph type="body" sz="quarter" idx="1"/>
           </p:nvPr>
@@ -680,13 +698,11 @@
           <a:bodyPr/>
           <a:lstStyle/>
           <a:p>
-            <a:pPr/>
             <a:r>
               <a:t>Afficher cette slide avant de lancer l’épisode 1 lors de l’étape « Choix de la stratégie »</a:t>
             </a:r>
           </a:p>
           <a:p>
-            <a:pPr/>
             <a:r>
               <a:t>Donner aux participants les supports de jeu en même temps</a:t>
             </a:r>
@@ -702,7 +718,7 @@
 </file>
 
 <file path=ppt/notesSlides/notesSlide4.xml><?xml version="1.0" encoding="utf-8"?>
-<p:notes xmlns:a="http://schemas.openxmlformats.org/drawingml/2006/main" xmlns:r="http://schemas.openxmlformats.org/officeDocument/2006/relationships" xmlns:p="http://schemas.openxmlformats.org/presentationml/2006/main" xmlns:m="http://schemas.openxmlformats.org/officeDocument/2006/math" xmlns:a14="http://schemas.microsoft.com/office/drawing/2010/main" showMasterSp="1" showMasterPhAnim="1">
+<p:notes xmlns:a="http://schemas.openxmlformats.org/drawingml/2006/main" xmlns:r="http://schemas.openxmlformats.org/officeDocument/2006/relationships" xmlns:p="http://schemas.openxmlformats.org/presentationml/2006/main">
   <p:cSld>
     <p:spTree>
       <p:nvGrpSpPr>
@@ -721,12 +737,18 @@
       <p:sp>
         <p:nvSpPr>
           <p:cNvPr id="193" name="Shape 193"/>
-          <p:cNvSpPr/>
+          <p:cNvSpPr>
+            <a:spLocks noGrp="1" noRot="1" noChangeAspect="1"/>
+          </p:cNvSpPr>
           <p:nvPr>
             <p:ph type="sldImg"/>
           </p:nvPr>
         </p:nvSpPr>
         <p:spPr>
+          <a:xfrm>
+            <a:off x="381000" y="685800"/>
+            <a:ext cx="6096000" cy="3429000"/>
+          </a:xfrm>
           <a:prstGeom prst="rect">
             <a:avLst/>
           </a:prstGeom>
@@ -735,14 +757,16 @@
           <a:bodyPr/>
           <a:lstStyle/>
           <a:p>
-            <a:pPr/>
+            <a:endParaRPr/>
           </a:p>
         </p:txBody>
       </p:sp>
       <p:sp>
         <p:nvSpPr>
           <p:cNvPr id="194" name="Shape 194"/>
-          <p:cNvSpPr/>
+          <p:cNvSpPr>
+            <a:spLocks noGrp="1"/>
+          </p:cNvSpPr>
           <p:nvPr>
             <p:ph type="body" sz="quarter" idx="1"/>
           </p:nvPr>
@@ -756,7 +780,6 @@
           <a:bodyPr/>
           <a:lstStyle/>
           <a:p>
-            <a:pPr/>
             <a:r>
               <a:t>Afficher cette slide à la fin de l’épisode 4.</a:t>
             </a:r>
@@ -772,7 +795,7 @@
 </file>
 
 <file path=ppt/notesSlides/notesSlide5.xml><?xml version="1.0" encoding="utf-8"?>
-<p:notes xmlns:a="http://schemas.openxmlformats.org/drawingml/2006/main" xmlns:r="http://schemas.openxmlformats.org/officeDocument/2006/relationships" xmlns:p="http://schemas.openxmlformats.org/presentationml/2006/main" xmlns:m="http://schemas.openxmlformats.org/officeDocument/2006/math" xmlns:a14="http://schemas.microsoft.com/office/drawing/2010/main" showMasterSp="1" showMasterPhAnim="1">
+<p:notes xmlns:a="http://schemas.openxmlformats.org/drawingml/2006/main" xmlns:r="http://schemas.openxmlformats.org/officeDocument/2006/relationships" xmlns:p="http://schemas.openxmlformats.org/presentationml/2006/main">
   <p:cSld>
     <p:spTree>
       <p:nvGrpSpPr>
@@ -791,7 +814,9 @@
       <p:sp>
         <p:nvSpPr>
           <p:cNvPr id="203" name="Shape 203"/>
-          <p:cNvSpPr/>
+          <p:cNvSpPr>
+            <a:spLocks noGrp="1" noRot="1" noChangeAspect="1"/>
+          </p:cNvSpPr>
           <p:nvPr>
             <p:ph type="sldImg"/>
           </p:nvPr>
@@ -805,14 +830,16 @@
           <a:bodyPr/>
           <a:lstStyle/>
           <a:p>
-            <a:pPr/>
+            <a:endParaRPr/>
           </a:p>
         </p:txBody>
       </p:sp>
       <p:sp>
         <p:nvSpPr>
           <p:cNvPr id="204" name="Shape 204"/>
-          <p:cNvSpPr/>
+          <p:cNvSpPr>
+            <a:spLocks noGrp="1"/>
+          </p:cNvSpPr>
           <p:nvPr>
             <p:ph type="body" sz="quarter" idx="1"/>
           </p:nvPr>
@@ -826,19 +853,16 @@
           <a:bodyPr/>
           <a:lstStyle/>
           <a:p>
-            <a:pPr/>
             <a:r>
               <a:t>A afficher à la fin de l’épisode 7 après la bataille.</a:t>
             </a:r>
           </a:p>
           <a:p>
-            <a:pPr/>
             <a:r>
               <a:t>On met fin au jeu et aux batailles: Les marcheurs blancs ont été repoussés temporairement et la famille Tully s’allient aux Starks et obligent les Lannisters à rentrer chez eux. </a:t>
             </a:r>
           </a:p>
           <a:p>
-            <a:pPr/>
             <a:r>
               <a:t>Conclusion: fin des combats.</a:t>
             </a:r>
@@ -854,7 +878,7 @@
 </file>
 
 <file path=ppt/notesSlides/notesSlide6.xml><?xml version="1.0" encoding="utf-8"?>
-<p:notes xmlns:a="http://schemas.openxmlformats.org/drawingml/2006/main" xmlns:r="http://schemas.openxmlformats.org/officeDocument/2006/relationships" xmlns:p="http://schemas.openxmlformats.org/presentationml/2006/main" xmlns:m="http://schemas.openxmlformats.org/officeDocument/2006/math" xmlns:a14="http://schemas.microsoft.com/office/drawing/2010/main" showMasterSp="1" showMasterPhAnim="1">
+<p:notes xmlns:a="http://schemas.openxmlformats.org/drawingml/2006/main" xmlns:r="http://schemas.openxmlformats.org/officeDocument/2006/relationships" xmlns:p="http://schemas.openxmlformats.org/presentationml/2006/main">
   <p:cSld>
     <p:spTree>
       <p:nvGrpSpPr>
@@ -873,7 +897,9 @@
       <p:sp>
         <p:nvSpPr>
           <p:cNvPr id="210" name="Shape 210"/>
-          <p:cNvSpPr/>
+          <p:cNvSpPr>
+            <a:spLocks noGrp="1" noRot="1" noChangeAspect="1"/>
+          </p:cNvSpPr>
           <p:nvPr>
             <p:ph type="sldImg"/>
           </p:nvPr>
@@ -887,14 +913,16 @@
           <a:bodyPr/>
           <a:lstStyle/>
           <a:p>
-            <a:pPr/>
+            <a:endParaRPr/>
           </a:p>
         </p:txBody>
       </p:sp>
       <p:sp>
         <p:nvSpPr>
           <p:cNvPr id="211" name="Shape 211"/>
-          <p:cNvSpPr/>
+          <p:cNvSpPr>
+            <a:spLocks noGrp="1"/>
+          </p:cNvSpPr>
           <p:nvPr>
             <p:ph type="body" sz="quarter" idx="1"/>
           </p:nvPr>
@@ -908,7 +936,6 @@
           <a:bodyPr/>
           <a:lstStyle/>
           <a:p>
-            <a:pPr/>
             <a:r>
               <a:t>Faire une explication de la méthode basée sur le ROI (Valeur apportée / Effort), qui en principe permet d’apporter 80% de la valeur avec 50% de l’effort (temps).</a:t>
             </a:r>
@@ -924,7 +951,7 @@
 </file>
 
 <file path=ppt/slideLayouts/slideLayout1.xml><?xml version="1.0" encoding="utf-8"?>
-<p:sldLayout xmlns:a="http://schemas.openxmlformats.org/drawingml/2006/main" xmlns:r="http://schemas.openxmlformats.org/officeDocument/2006/relationships" xmlns:p="http://schemas.openxmlformats.org/presentationml/2006/main" xmlns:m="http://schemas.openxmlformats.org/officeDocument/2006/math" xmlns:a14="http://schemas.microsoft.com/office/drawing/2010/main" type="title" showMasterSp="0" showMasterPhAnim="1">
+<p:sldLayout xmlns:a="http://schemas.openxmlformats.org/drawingml/2006/main" xmlns:r="http://schemas.openxmlformats.org/officeDocument/2006/relationships" xmlns:p="http://schemas.openxmlformats.org/presentationml/2006/main" showMasterSp="0" type="title">
   <p:cSld name="Diapositive de titre">
     <p:spTree>
       <p:nvGrpSpPr>
@@ -975,7 +1002,7 @@
           <a:bodyPr lIns="45719" rIns="45719"/>
           <a:lstStyle/>
           <a:p>
-            <a:pPr/>
+            <a:endParaRPr/>
           </a:p>
         </p:txBody>
       </p:sp>
@@ -988,10 +1015,8 @@
           <p:nvPr/>
         </p:nvPicPr>
         <p:blipFill>
-          <a:blip r:embed="rId2">
-            <a:extLst/>
-          </a:blip>
-          <a:srcRect l="0" t="1538" r="0" b="0"/>
+          <a:blip r:embed="rId2"/>
+          <a:srcRect t="1538"/>
           <a:stretch>
             <a:fillRect/>
           </a:stretch>
@@ -1035,14 +1060,16 @@
           <a:bodyPr lIns="45719" rIns="45719"/>
           <a:lstStyle/>
           <a:p>
-            <a:pPr/>
+            <a:endParaRPr/>
           </a:p>
         </p:txBody>
       </p:sp>
       <p:sp>
         <p:nvSpPr>
           <p:cNvPr id="17" name="Texte du titre"/>
-          <p:cNvSpPr txBox="1"/>
+          <p:cNvSpPr txBox="1">
+            <a:spLocks noGrp="1"/>
+          </p:cNvSpPr>
           <p:nvPr>
             <p:ph type="title"/>
           </p:nvPr>
@@ -1064,7 +1091,6 @@
             </a:lvl1pPr>
           </a:lstStyle>
           <a:p>
-            <a:pPr/>
             <a:r>
               <a:t>Texte du titre</a:t>
             </a:r>
@@ -1074,7 +1100,9 @@
       <p:sp>
         <p:nvSpPr>
           <p:cNvPr id="18" name="Texte niveau 1…"/>
-          <p:cNvSpPr txBox="1"/>
+          <p:cNvSpPr txBox="1">
+            <a:spLocks noGrp="1"/>
+          </p:cNvSpPr>
           <p:nvPr>
             <p:ph type="body" sz="quarter" idx="1"/>
           </p:nvPr>
@@ -1096,39 +1124,38 @@
               <a:buSzTx/>
               <a:buFontTx/>
               <a:buNone/>
-              <a:defRPr cap="all" sz="1800"/>
+              <a:defRPr sz="1800" cap="all"/>
             </a:lvl1pPr>
             <a:lvl2pPr marL="0" indent="457200">
               <a:buClrTx/>
               <a:buSzTx/>
               <a:buFontTx/>
               <a:buNone/>
-              <a:defRPr cap="all" sz="1800"/>
+              <a:defRPr sz="1800" cap="all"/>
             </a:lvl2pPr>
             <a:lvl3pPr marL="0" indent="914400">
               <a:buClrTx/>
               <a:buSzTx/>
               <a:buFontTx/>
               <a:buNone/>
-              <a:defRPr cap="all" sz="1800"/>
+              <a:defRPr sz="1800" cap="all"/>
             </a:lvl3pPr>
             <a:lvl4pPr marL="0" indent="1371600">
               <a:buClrTx/>
               <a:buSzTx/>
               <a:buFontTx/>
               <a:buNone/>
-              <a:defRPr cap="all" sz="1800"/>
+              <a:defRPr sz="1800" cap="all"/>
             </a:lvl4pPr>
             <a:lvl5pPr marL="0" indent="1828800">
               <a:buClrTx/>
               <a:buSzTx/>
               <a:buFontTx/>
               <a:buNone/>
-              <a:defRPr cap="all" sz="1800"/>
+              <a:defRPr sz="1800" cap="all"/>
             </a:lvl5pPr>
           </a:lstStyle>
           <a:p>
-            <a:pPr/>
             <a:r>
               <a:t>Texte niveau 1</a:t>
             </a:r>
@@ -1183,14 +1210,16 @@
           <a:bodyPr lIns="45719" rIns="45719"/>
           <a:lstStyle/>
           <a:p>
-            <a:pPr/>
+            <a:endParaRPr/>
           </a:p>
         </p:txBody>
       </p:sp>
       <p:sp>
         <p:nvSpPr>
           <p:cNvPr id="20" name="Numéro de diapositive"/>
-          <p:cNvSpPr txBox="1"/>
+          <p:cNvSpPr txBox="1">
+            <a:spLocks noGrp="1"/>
+          </p:cNvSpPr>
           <p:nvPr>
             <p:ph type="sldNum" sz="quarter" idx="2"/>
           </p:nvPr>
@@ -1208,8 +1237,10 @@
           <a:bodyPr/>
           <a:lstStyle/>
           <a:p>
-            <a:pPr/>
-            <a:fld id="{86CB4B4D-7CA3-9044-876B-883B54F8677D}" type="slidenum"/>
+            <a:fld id="{86CB4B4D-7CA3-9044-876B-883B54F8677D}" type="slidenum">
+              <a:t>‹N°›</a:t>
+            </a:fld>
+            <a:endParaRPr/>
           </a:p>
         </p:txBody>
       </p:sp>
@@ -1218,12 +1249,12 @@
   <p:clrMapOvr>
     <a:masterClrMapping/>
   </p:clrMapOvr>
-  <p:transition xmlns:p14="http://schemas.microsoft.com/office/powerpoint/2010/main" spd="med" advClick="1"/>
+  <p:transition spd="med"/>
 </p:sldLayout>
 </file>
 
 <file path=ppt/slideLayouts/slideLayout2.xml><?xml version="1.0" encoding="utf-8"?>
-<p:sldLayout xmlns:a="http://schemas.openxmlformats.org/drawingml/2006/main" xmlns:r="http://schemas.openxmlformats.org/officeDocument/2006/relationships" xmlns:p="http://schemas.openxmlformats.org/presentationml/2006/main" xmlns:m="http://schemas.openxmlformats.org/officeDocument/2006/math" xmlns:a14="http://schemas.microsoft.com/office/drawing/2010/main" type="tx" showMasterSp="0" showMasterPhAnim="1">
+<p:sldLayout xmlns:a="http://schemas.openxmlformats.org/drawingml/2006/main" xmlns:r="http://schemas.openxmlformats.org/officeDocument/2006/relationships" xmlns:p="http://schemas.openxmlformats.org/presentationml/2006/main" showMasterSp="0" type="tx">
   <p:cSld name="Titre et contenu">
     <p:spTree>
       <p:nvGrpSpPr>
@@ -1274,7 +1305,7 @@
           <a:bodyPr lIns="45719" rIns="45719"/>
           <a:lstStyle/>
           <a:p>
-            <a:pPr/>
+            <a:endParaRPr/>
           </a:p>
         </p:txBody>
       </p:sp>
@@ -1287,10 +1318,8 @@
           <p:nvPr/>
         </p:nvPicPr>
         <p:blipFill>
-          <a:blip r:embed="rId2">
-            <a:extLst/>
-          </a:blip>
-          <a:srcRect l="0" t="1538" r="0" b="0"/>
+          <a:blip r:embed="rId2"/>
+          <a:srcRect t="1538"/>
           <a:stretch>
             <a:fillRect/>
           </a:stretch>
@@ -1334,14 +1363,16 @@
           <a:bodyPr lIns="45719" rIns="45719"/>
           <a:lstStyle/>
           <a:p>
-            <a:pPr/>
+            <a:endParaRPr/>
           </a:p>
         </p:txBody>
       </p:sp>
       <p:sp>
         <p:nvSpPr>
           <p:cNvPr id="30" name="Texte du titre"/>
-          <p:cNvSpPr txBox="1"/>
+          <p:cNvSpPr txBox="1">
+            <a:spLocks noGrp="1"/>
+          </p:cNvSpPr>
           <p:nvPr>
             <p:ph type="title"/>
           </p:nvPr>
@@ -1359,7 +1390,6 @@
           <a:bodyPr/>
           <a:lstStyle/>
           <a:p>
-            <a:pPr/>
             <a:r>
               <a:t>Texte du titre</a:t>
             </a:r>
@@ -1369,7 +1399,9 @@
       <p:sp>
         <p:nvSpPr>
           <p:cNvPr id="31" name="Texte niveau 1…"/>
-          <p:cNvSpPr txBox="1"/>
+          <p:cNvSpPr txBox="1">
+            <a:spLocks noGrp="1"/>
+          </p:cNvSpPr>
           <p:nvPr>
             <p:ph type="body" sz="half" idx="1"/>
           </p:nvPr>
@@ -1387,7 +1419,6 @@
           <a:bodyPr/>
           <a:lstStyle/>
           <a:p>
-            <a:pPr/>
             <a:r>
               <a:t>Texte niveau 1</a:t>
             </a:r>
@@ -1442,14 +1473,16 @@
           <a:bodyPr lIns="45719" rIns="45719"/>
           <a:lstStyle/>
           <a:p>
-            <a:pPr/>
+            <a:endParaRPr/>
           </a:p>
         </p:txBody>
       </p:sp>
       <p:sp>
         <p:nvSpPr>
           <p:cNvPr id="33" name="Numéro de diapositive"/>
-          <p:cNvSpPr txBox="1"/>
+          <p:cNvSpPr txBox="1">
+            <a:spLocks noGrp="1"/>
+          </p:cNvSpPr>
           <p:nvPr>
             <p:ph type="sldNum" sz="quarter" idx="2"/>
           </p:nvPr>
@@ -1463,8 +1496,10 @@
           <a:bodyPr/>
           <a:lstStyle/>
           <a:p>
-            <a:pPr/>
-            <a:fld id="{86CB4B4D-7CA3-9044-876B-883B54F8677D}" type="slidenum"/>
+            <a:fld id="{86CB4B4D-7CA3-9044-876B-883B54F8677D}" type="slidenum">
+              <a:t>‹N°›</a:t>
+            </a:fld>
+            <a:endParaRPr/>
           </a:p>
         </p:txBody>
       </p:sp>
@@ -1473,12 +1508,12 @@
   <p:clrMapOvr>
     <a:masterClrMapping/>
   </p:clrMapOvr>
-  <p:transition xmlns:p14="http://schemas.microsoft.com/office/powerpoint/2010/main" spd="med" advClick="1"/>
+  <p:transition spd="med"/>
 </p:sldLayout>
 </file>
 
 <file path=ppt/slideLayouts/slideLayout3.xml><?xml version="1.0" encoding="utf-8"?>
-<p:sldLayout xmlns:a="http://schemas.openxmlformats.org/drawingml/2006/main" xmlns:r="http://schemas.openxmlformats.org/officeDocument/2006/relationships" xmlns:p="http://schemas.openxmlformats.org/presentationml/2006/main" xmlns:m="http://schemas.openxmlformats.org/officeDocument/2006/math" xmlns:a14="http://schemas.microsoft.com/office/drawing/2010/main" type="tx" showMasterSp="0" showMasterPhAnim="1">
+<p:sldLayout xmlns:a="http://schemas.openxmlformats.org/drawingml/2006/main" xmlns:r="http://schemas.openxmlformats.org/officeDocument/2006/relationships" xmlns:p="http://schemas.openxmlformats.org/presentationml/2006/main" showMasterSp="0" type="tx">
   <p:cSld name="Titre de section">
     <p:spTree>
       <p:nvGrpSpPr>
@@ -1529,7 +1564,7 @@
           <a:bodyPr lIns="45719" rIns="45719"/>
           <a:lstStyle/>
           <a:p>
-            <a:pPr/>
+            <a:endParaRPr/>
           </a:p>
         </p:txBody>
       </p:sp>
@@ -1542,10 +1577,8 @@
           <p:nvPr/>
         </p:nvPicPr>
         <p:blipFill>
-          <a:blip r:embed="rId2">
-            <a:extLst/>
-          </a:blip>
-          <a:srcRect l="0" t="1538" r="0" b="0"/>
+          <a:blip r:embed="rId2"/>
+          <a:srcRect t="1538"/>
           <a:stretch>
             <a:fillRect/>
           </a:stretch>
@@ -1589,14 +1622,16 @@
           <a:bodyPr lIns="45719" rIns="45719"/>
           <a:lstStyle/>
           <a:p>
-            <a:pPr/>
+            <a:endParaRPr/>
           </a:p>
         </p:txBody>
       </p:sp>
       <p:sp>
         <p:nvSpPr>
           <p:cNvPr id="43" name="Texte du titre"/>
-          <p:cNvSpPr txBox="1"/>
+          <p:cNvSpPr txBox="1">
+            <a:spLocks noGrp="1"/>
+          </p:cNvSpPr>
           <p:nvPr>
             <p:ph type="title"/>
           </p:nvPr>
@@ -1618,7 +1653,6 @@
             </a:lvl1pPr>
           </a:lstStyle>
           <a:p>
-            <a:pPr/>
             <a:r>
               <a:t>Texte du titre</a:t>
             </a:r>
@@ -1628,7 +1662,9 @@
       <p:sp>
         <p:nvSpPr>
           <p:cNvPr id="44" name="Texte niveau 1…"/>
-          <p:cNvSpPr txBox="1"/>
+          <p:cNvSpPr txBox="1">
+            <a:spLocks noGrp="1"/>
+          </p:cNvSpPr>
           <p:nvPr>
             <p:ph type="body" sz="quarter" idx="1"/>
           </p:nvPr>
@@ -1682,7 +1718,6 @@
             </a:lvl5pPr>
           </a:lstStyle>
           <a:p>
-            <a:pPr/>
             <a:r>
               <a:t>Texte niveau 1</a:t>
             </a:r>
@@ -1737,14 +1772,16 @@
           <a:bodyPr lIns="45719" rIns="45719"/>
           <a:lstStyle/>
           <a:p>
-            <a:pPr/>
+            <a:endParaRPr/>
           </a:p>
         </p:txBody>
       </p:sp>
       <p:sp>
         <p:nvSpPr>
           <p:cNvPr id="46" name="Numéro de diapositive"/>
-          <p:cNvSpPr txBox="1"/>
+          <p:cNvSpPr txBox="1">
+            <a:spLocks noGrp="1"/>
+          </p:cNvSpPr>
           <p:nvPr>
             <p:ph type="sldNum" sz="quarter" idx="2"/>
           </p:nvPr>
@@ -1758,8 +1795,10 @@
           <a:bodyPr/>
           <a:lstStyle/>
           <a:p>
-            <a:pPr/>
-            <a:fld id="{86CB4B4D-7CA3-9044-876B-883B54F8677D}" type="slidenum"/>
+            <a:fld id="{86CB4B4D-7CA3-9044-876B-883B54F8677D}" type="slidenum">
+              <a:t>‹N°›</a:t>
+            </a:fld>
+            <a:endParaRPr/>
           </a:p>
         </p:txBody>
       </p:sp>
@@ -1768,12 +1807,12 @@
   <p:clrMapOvr>
     <a:masterClrMapping/>
   </p:clrMapOvr>
-  <p:transition xmlns:p14="http://schemas.microsoft.com/office/powerpoint/2010/main" spd="med" advClick="1"/>
+  <p:transition spd="med"/>
 </p:sldLayout>
 </file>
 
 <file path=ppt/slideLayouts/slideLayout4.xml><?xml version="1.0" encoding="utf-8"?>
-<p:sldLayout xmlns:a="http://schemas.openxmlformats.org/drawingml/2006/main" xmlns:r="http://schemas.openxmlformats.org/officeDocument/2006/relationships" xmlns:p="http://schemas.openxmlformats.org/presentationml/2006/main" xmlns:m="http://schemas.openxmlformats.org/officeDocument/2006/math" xmlns:a14="http://schemas.microsoft.com/office/drawing/2010/main" type="tx" showMasterSp="0" showMasterPhAnim="1">
+<p:sldLayout xmlns:a="http://schemas.openxmlformats.org/drawingml/2006/main" xmlns:r="http://schemas.openxmlformats.org/officeDocument/2006/relationships" xmlns:p="http://schemas.openxmlformats.org/presentationml/2006/main" showMasterSp="0" type="tx">
   <p:cSld name="Deux contenus">
     <p:spTree>
       <p:nvGrpSpPr>
@@ -1824,7 +1863,7 @@
           <a:bodyPr lIns="45719" rIns="45719"/>
           <a:lstStyle/>
           <a:p>
-            <a:pPr/>
+            <a:endParaRPr/>
           </a:p>
         </p:txBody>
       </p:sp>
@@ -1837,10 +1876,8 @@
           <p:nvPr/>
         </p:nvPicPr>
         <p:blipFill>
-          <a:blip r:embed="rId2">
-            <a:extLst/>
-          </a:blip>
-          <a:srcRect l="0" t="1538" r="0" b="0"/>
+          <a:blip r:embed="rId2"/>
+          <a:srcRect t="1538"/>
           <a:stretch>
             <a:fillRect/>
           </a:stretch>
@@ -1884,14 +1921,16 @@
           <a:bodyPr lIns="45719" rIns="45719"/>
           <a:lstStyle/>
           <a:p>
-            <a:pPr/>
+            <a:endParaRPr/>
           </a:p>
         </p:txBody>
       </p:sp>
       <p:sp>
         <p:nvSpPr>
           <p:cNvPr id="56" name="Texte du titre"/>
-          <p:cNvSpPr txBox="1"/>
+          <p:cNvSpPr txBox="1">
+            <a:spLocks noGrp="1"/>
+          </p:cNvSpPr>
           <p:nvPr>
             <p:ph type="title"/>
           </p:nvPr>
@@ -1909,7 +1948,6 @@
           <a:bodyPr/>
           <a:lstStyle/>
           <a:p>
-            <a:pPr/>
             <a:r>
               <a:t>Texte du titre</a:t>
             </a:r>
@@ -1919,7 +1957,9 @@
       <p:sp>
         <p:nvSpPr>
           <p:cNvPr id="57" name="Texte niveau 1…"/>
-          <p:cNvSpPr txBox="1"/>
+          <p:cNvSpPr txBox="1">
+            <a:spLocks noGrp="1"/>
+          </p:cNvSpPr>
           <p:nvPr>
             <p:ph type="body" sz="quarter" idx="1"/>
           </p:nvPr>
@@ -1937,7 +1977,6 @@
           <a:bodyPr/>
           <a:lstStyle/>
           <a:p>
-            <a:pPr/>
             <a:r>
               <a:t>Texte niveau 1</a:t>
             </a:r>
@@ -1992,14 +2031,16 @@
           <a:bodyPr lIns="45719" rIns="45719"/>
           <a:lstStyle/>
           <a:p>
-            <a:pPr/>
+            <a:endParaRPr/>
           </a:p>
         </p:txBody>
       </p:sp>
       <p:sp>
         <p:nvSpPr>
           <p:cNvPr id="59" name="Numéro de diapositive"/>
-          <p:cNvSpPr txBox="1"/>
+          <p:cNvSpPr txBox="1">
+            <a:spLocks noGrp="1"/>
+          </p:cNvSpPr>
           <p:nvPr>
             <p:ph type="sldNum" sz="quarter" idx="2"/>
           </p:nvPr>
@@ -2013,8 +2054,10 @@
           <a:bodyPr/>
           <a:lstStyle/>
           <a:p>
-            <a:pPr/>
-            <a:fld id="{86CB4B4D-7CA3-9044-876B-883B54F8677D}" type="slidenum"/>
+            <a:fld id="{86CB4B4D-7CA3-9044-876B-883B54F8677D}" type="slidenum">
+              <a:t>‹N°›</a:t>
+            </a:fld>
+            <a:endParaRPr/>
           </a:p>
         </p:txBody>
       </p:sp>
@@ -2023,12 +2066,12 @@
   <p:clrMapOvr>
     <a:masterClrMapping/>
   </p:clrMapOvr>
-  <p:transition xmlns:p14="http://schemas.microsoft.com/office/powerpoint/2010/main" spd="med" advClick="1"/>
+  <p:transition spd="med"/>
 </p:sldLayout>
 </file>
 
 <file path=ppt/slideLayouts/slideLayout5.xml><?xml version="1.0" encoding="utf-8"?>
-<p:sldLayout xmlns:a="http://schemas.openxmlformats.org/drawingml/2006/main" xmlns:r="http://schemas.openxmlformats.org/officeDocument/2006/relationships" xmlns:p="http://schemas.openxmlformats.org/presentationml/2006/main" xmlns:m="http://schemas.openxmlformats.org/officeDocument/2006/math" xmlns:a14="http://schemas.microsoft.com/office/drawing/2010/main" type="tx" showMasterSp="0" showMasterPhAnim="1">
+<p:sldLayout xmlns:a="http://schemas.openxmlformats.org/drawingml/2006/main" xmlns:r="http://schemas.openxmlformats.org/officeDocument/2006/relationships" xmlns:p="http://schemas.openxmlformats.org/presentationml/2006/main" showMasterSp="0" type="tx">
   <p:cSld name="Comparaison">
     <p:spTree>
       <p:nvGrpSpPr>
@@ -2079,7 +2122,7 @@
           <a:bodyPr lIns="45719" rIns="45719"/>
           <a:lstStyle/>
           <a:p>
-            <a:pPr/>
+            <a:endParaRPr/>
           </a:p>
         </p:txBody>
       </p:sp>
@@ -2092,10 +2135,8 @@
           <p:nvPr/>
         </p:nvPicPr>
         <p:blipFill>
-          <a:blip r:embed="rId2">
-            <a:extLst/>
-          </a:blip>
-          <a:srcRect l="0" t="1538" r="0" b="0"/>
+          <a:blip r:embed="rId2"/>
+          <a:srcRect t="1538"/>
           <a:stretch>
             <a:fillRect/>
           </a:stretch>
@@ -2139,14 +2180,16 @@
           <a:bodyPr lIns="45719" rIns="45719"/>
           <a:lstStyle/>
           <a:p>
-            <a:pPr/>
+            <a:endParaRPr/>
           </a:p>
         </p:txBody>
       </p:sp>
       <p:sp>
         <p:nvSpPr>
           <p:cNvPr id="69" name="Texte du titre"/>
-          <p:cNvSpPr txBox="1"/>
+          <p:cNvSpPr txBox="1">
+            <a:spLocks noGrp="1"/>
+          </p:cNvSpPr>
           <p:nvPr>
             <p:ph type="title"/>
           </p:nvPr>
@@ -2164,7 +2207,6 @@
           <a:bodyPr/>
           <a:lstStyle/>
           <a:p>
-            <a:pPr/>
             <a:r>
               <a:t>Texte du titre</a:t>
             </a:r>
@@ -2174,7 +2216,9 @@
       <p:sp>
         <p:nvSpPr>
           <p:cNvPr id="70" name="Texte niveau 1…"/>
-          <p:cNvSpPr txBox="1"/>
+          <p:cNvSpPr txBox="1">
+            <a:spLocks noGrp="1"/>
+          </p:cNvSpPr>
           <p:nvPr>
             <p:ph type="body" sz="quarter" idx="1"/>
           </p:nvPr>
@@ -2199,7 +2243,7 @@
               <a:buSzTx/>
               <a:buFontTx/>
               <a:buNone/>
-              <a:defRPr cap="all" sz="2200">
+              <a:defRPr sz="2200" cap="all">
                 <a:solidFill>
                   <a:schemeClr val="accent1"/>
                 </a:solidFill>
@@ -2213,7 +2257,7 @@
               <a:buSzTx/>
               <a:buFontTx/>
               <a:buNone/>
-              <a:defRPr cap="all" sz="2200">
+              <a:defRPr sz="2200" cap="all">
                 <a:solidFill>
                   <a:schemeClr val="accent1"/>
                 </a:solidFill>
@@ -2227,7 +2271,7 @@
               <a:buSzTx/>
               <a:buFontTx/>
               <a:buNone/>
-              <a:defRPr cap="all" sz="2200">
+              <a:defRPr sz="2200" cap="all">
                 <a:solidFill>
                   <a:schemeClr val="accent1"/>
                 </a:solidFill>
@@ -2241,7 +2285,7 @@
               <a:buSzTx/>
               <a:buFontTx/>
               <a:buNone/>
-              <a:defRPr cap="all" sz="2200">
+              <a:defRPr sz="2200" cap="all">
                 <a:solidFill>
                   <a:schemeClr val="accent1"/>
                 </a:solidFill>
@@ -2255,7 +2299,7 @@
               <a:buSzTx/>
               <a:buFontTx/>
               <a:buNone/>
-              <a:defRPr cap="all" sz="2200">
+              <a:defRPr sz="2200" cap="all">
                 <a:solidFill>
                   <a:schemeClr val="accent1"/>
                 </a:solidFill>
@@ -2263,7 +2307,6 @@
             </a:lvl5pPr>
           </a:lstStyle>
           <a:p>
-            <a:pPr/>
             <a:r>
               <a:t>Texte niveau 1</a:t>
             </a:r>
@@ -2297,7 +2340,9 @@
       <p:sp>
         <p:nvSpPr>
           <p:cNvPr id="71" name="Text Placeholder 4"/>
-          <p:cNvSpPr/>
+          <p:cNvSpPr>
+            <a:spLocks noGrp="1"/>
+          </p:cNvSpPr>
           <p:nvPr>
             <p:ph type="body" sz="quarter" idx="13"/>
           </p:nvPr>
@@ -2323,12 +2368,13 @@
               <a:buSzTx/>
               <a:buFontTx/>
               <a:buNone/>
-              <a:defRPr cap="all" sz="2200">
+              <a:defRPr sz="2200" cap="all">
                 <a:solidFill>
                   <a:schemeClr val="accent1"/>
                 </a:solidFill>
               </a:defRPr>
             </a:pPr>
+            <a:endParaRPr/>
           </a:p>
         </p:txBody>
       </p:sp>
@@ -2356,14 +2402,16 @@
           <a:bodyPr lIns="45719" rIns="45719"/>
           <a:lstStyle/>
           <a:p>
-            <a:pPr/>
+            <a:endParaRPr/>
           </a:p>
         </p:txBody>
       </p:sp>
       <p:sp>
         <p:nvSpPr>
           <p:cNvPr id="73" name="Numéro de diapositive"/>
-          <p:cNvSpPr txBox="1"/>
+          <p:cNvSpPr txBox="1">
+            <a:spLocks noGrp="1"/>
+          </p:cNvSpPr>
           <p:nvPr>
             <p:ph type="sldNum" sz="quarter" idx="2"/>
           </p:nvPr>
@@ -2377,8 +2425,10 @@
           <a:bodyPr/>
           <a:lstStyle/>
           <a:p>
-            <a:pPr/>
-            <a:fld id="{86CB4B4D-7CA3-9044-876B-883B54F8677D}" type="slidenum"/>
+            <a:fld id="{86CB4B4D-7CA3-9044-876B-883B54F8677D}" type="slidenum">
+              <a:t>‹N°›</a:t>
+            </a:fld>
+            <a:endParaRPr/>
           </a:p>
         </p:txBody>
       </p:sp>
@@ -2387,12 +2437,12 @@
   <p:clrMapOvr>
     <a:masterClrMapping/>
   </p:clrMapOvr>
-  <p:transition xmlns:p14="http://schemas.microsoft.com/office/powerpoint/2010/main" spd="med" advClick="1"/>
+  <p:transition spd="med"/>
 </p:sldLayout>
 </file>
 
 <file path=ppt/slideLayouts/slideLayout6.xml><?xml version="1.0" encoding="utf-8"?>
-<p:sldLayout xmlns:a="http://schemas.openxmlformats.org/drawingml/2006/main" xmlns:r="http://schemas.openxmlformats.org/officeDocument/2006/relationships" xmlns:p="http://schemas.openxmlformats.org/presentationml/2006/main" xmlns:m="http://schemas.openxmlformats.org/officeDocument/2006/math" xmlns:a14="http://schemas.microsoft.com/office/drawing/2010/main" type="tx" showMasterSp="0" showMasterPhAnim="1">
+<p:sldLayout xmlns:a="http://schemas.openxmlformats.org/drawingml/2006/main" xmlns:r="http://schemas.openxmlformats.org/officeDocument/2006/relationships" xmlns:p="http://schemas.openxmlformats.org/presentationml/2006/main" showMasterSp="0" type="tx">
   <p:cSld name="Titre seul">
     <p:spTree>
       <p:nvGrpSpPr>
@@ -2443,7 +2493,7 @@
           <a:bodyPr lIns="45719" rIns="45719"/>
           <a:lstStyle/>
           <a:p>
-            <a:pPr/>
+            <a:endParaRPr/>
           </a:p>
         </p:txBody>
       </p:sp>
@@ -2456,10 +2506,8 @@
           <p:nvPr/>
         </p:nvPicPr>
         <p:blipFill>
-          <a:blip r:embed="rId2">
-            <a:extLst/>
-          </a:blip>
-          <a:srcRect l="0" t="1538" r="0" b="0"/>
+          <a:blip r:embed="rId2"/>
+          <a:srcRect t="1538"/>
           <a:stretch>
             <a:fillRect/>
           </a:stretch>
@@ -2503,14 +2551,16 @@
           <a:bodyPr lIns="45719" rIns="45719"/>
           <a:lstStyle/>
           <a:p>
-            <a:pPr/>
+            <a:endParaRPr/>
           </a:p>
         </p:txBody>
       </p:sp>
       <p:sp>
         <p:nvSpPr>
           <p:cNvPr id="83" name="Texte du titre"/>
-          <p:cNvSpPr txBox="1"/>
+          <p:cNvSpPr txBox="1">
+            <a:spLocks noGrp="1"/>
+          </p:cNvSpPr>
           <p:nvPr>
             <p:ph type="title"/>
           </p:nvPr>
@@ -2528,7 +2578,6 @@
           <a:bodyPr/>
           <a:lstStyle/>
           <a:p>
-            <a:pPr/>
             <a:r>
               <a:t>Texte du titre</a:t>
             </a:r>
@@ -2559,14 +2608,16 @@
           <a:bodyPr lIns="45719" rIns="45719"/>
           <a:lstStyle/>
           <a:p>
-            <a:pPr/>
+            <a:endParaRPr/>
           </a:p>
         </p:txBody>
       </p:sp>
       <p:sp>
         <p:nvSpPr>
           <p:cNvPr id="85" name="Numéro de diapositive"/>
-          <p:cNvSpPr txBox="1"/>
+          <p:cNvSpPr txBox="1">
+            <a:spLocks noGrp="1"/>
+          </p:cNvSpPr>
           <p:nvPr>
             <p:ph type="sldNum" sz="quarter" idx="2"/>
           </p:nvPr>
@@ -2580,8 +2631,10 @@
           <a:bodyPr/>
           <a:lstStyle/>
           <a:p>
-            <a:pPr/>
-            <a:fld id="{86CB4B4D-7CA3-9044-876B-883B54F8677D}" type="slidenum"/>
+            <a:fld id="{86CB4B4D-7CA3-9044-876B-883B54F8677D}" type="slidenum">
+              <a:t>‹N°›</a:t>
+            </a:fld>
+            <a:endParaRPr/>
           </a:p>
         </p:txBody>
       </p:sp>
@@ -2590,12 +2643,12 @@
   <p:clrMapOvr>
     <a:masterClrMapping/>
   </p:clrMapOvr>
-  <p:transition xmlns:p14="http://schemas.microsoft.com/office/powerpoint/2010/main" spd="med" advClick="1"/>
+  <p:transition spd="med"/>
 </p:sldLayout>
 </file>
 
 <file path=ppt/slideLayouts/slideLayout7.xml><?xml version="1.0" encoding="utf-8"?>
-<p:sldLayout xmlns:a="http://schemas.openxmlformats.org/drawingml/2006/main" xmlns:r="http://schemas.openxmlformats.org/officeDocument/2006/relationships" xmlns:p="http://schemas.openxmlformats.org/presentationml/2006/main" xmlns:m="http://schemas.openxmlformats.org/officeDocument/2006/math" xmlns:a14="http://schemas.microsoft.com/office/drawing/2010/main" type="tx" showMasterSp="1" showMasterPhAnim="1">
+<p:sldLayout xmlns:a="http://schemas.openxmlformats.org/drawingml/2006/main" xmlns:r="http://schemas.openxmlformats.org/officeDocument/2006/relationships" xmlns:p="http://schemas.openxmlformats.org/presentationml/2006/main" type="tx">
   <p:cSld name="Vide">
     <p:spTree>
       <p:nvGrpSpPr>
@@ -2614,7 +2667,9 @@
       <p:sp>
         <p:nvSpPr>
           <p:cNvPr id="92" name="Numéro de diapositive"/>
-          <p:cNvSpPr txBox="1"/>
+          <p:cNvSpPr txBox="1">
+            <a:spLocks noGrp="1"/>
+          </p:cNvSpPr>
           <p:nvPr>
             <p:ph type="sldNum" sz="quarter" idx="2"/>
           </p:nvPr>
@@ -2628,8 +2683,10 @@
           <a:bodyPr/>
           <a:lstStyle/>
           <a:p>
-            <a:pPr/>
-            <a:fld id="{86CB4B4D-7CA3-9044-876B-883B54F8677D}" type="slidenum"/>
+            <a:fld id="{86CB4B4D-7CA3-9044-876B-883B54F8677D}" type="slidenum">
+              <a:t>‹N°›</a:t>
+            </a:fld>
+            <a:endParaRPr/>
           </a:p>
         </p:txBody>
       </p:sp>
@@ -2638,12 +2695,12 @@
   <p:clrMapOvr>
     <a:masterClrMapping/>
   </p:clrMapOvr>
-  <p:transition xmlns:p14="http://schemas.microsoft.com/office/powerpoint/2010/main" spd="med" advClick="1"/>
+  <p:transition spd="med"/>
 </p:sldLayout>
 </file>
 
 <file path=ppt/slideLayouts/slideLayout8.xml><?xml version="1.0" encoding="utf-8"?>
-<p:sldLayout xmlns:a="http://schemas.openxmlformats.org/drawingml/2006/main" xmlns:r="http://schemas.openxmlformats.org/officeDocument/2006/relationships" xmlns:p="http://schemas.openxmlformats.org/presentationml/2006/main" xmlns:m="http://schemas.openxmlformats.org/officeDocument/2006/math" xmlns:a14="http://schemas.microsoft.com/office/drawing/2010/main" type="tx" showMasterSp="0" showMasterPhAnim="1">
+<p:sldLayout xmlns:a="http://schemas.openxmlformats.org/drawingml/2006/main" xmlns:r="http://schemas.openxmlformats.org/officeDocument/2006/relationships" xmlns:p="http://schemas.openxmlformats.org/presentationml/2006/main" showMasterSp="0" type="tx">
   <p:cSld name="Contenu avec légende">
     <p:spTree>
       <p:nvGrpSpPr>
@@ -2694,7 +2751,7 @@
           <a:bodyPr lIns="45719" rIns="45719"/>
           <a:lstStyle/>
           <a:p>
-            <a:pPr/>
+            <a:endParaRPr/>
           </a:p>
         </p:txBody>
       </p:sp>
@@ -2707,10 +2764,8 @@
           <p:nvPr/>
         </p:nvPicPr>
         <p:blipFill>
-          <a:blip r:embed="rId2">
-            <a:extLst/>
-          </a:blip>
-          <a:srcRect l="0" t="1538" r="0" b="0"/>
+          <a:blip r:embed="rId2"/>
+          <a:srcRect t="1538"/>
           <a:stretch>
             <a:fillRect/>
           </a:stretch>
@@ -2754,14 +2809,16 @@
           <a:bodyPr lIns="45719" rIns="45719"/>
           <a:lstStyle/>
           <a:p>
-            <a:pPr/>
+            <a:endParaRPr/>
           </a:p>
         </p:txBody>
       </p:sp>
       <p:sp>
         <p:nvSpPr>
           <p:cNvPr id="102" name="Texte du titre"/>
-          <p:cNvSpPr txBox="1"/>
+          <p:cNvSpPr txBox="1">
+            <a:spLocks noGrp="1"/>
+          </p:cNvSpPr>
           <p:nvPr>
             <p:ph type="title"/>
           </p:nvPr>
@@ -2783,7 +2840,6 @@
             </a:lvl1pPr>
           </a:lstStyle>
           <a:p>
-            <a:pPr/>
             <a:r>
               <a:t>Texte du titre</a:t>
             </a:r>
@@ -2793,7 +2849,9 @@
       <p:sp>
         <p:nvSpPr>
           <p:cNvPr id="103" name="Texte niveau 1…"/>
-          <p:cNvSpPr txBox="1"/>
+          <p:cNvSpPr txBox="1">
+            <a:spLocks noGrp="1"/>
+          </p:cNvSpPr>
           <p:nvPr>
             <p:ph type="body" sz="half" idx="1"/>
           </p:nvPr>
@@ -2811,7 +2869,6 @@
           <a:bodyPr anchor="ctr"/>
           <a:lstStyle/>
           <a:p>
-            <a:pPr/>
             <a:r>
               <a:t>Texte niveau 1</a:t>
             </a:r>
@@ -2845,7 +2902,9 @@
       <p:sp>
         <p:nvSpPr>
           <p:cNvPr id="104" name="Text Placeholder 3"/>
-          <p:cNvSpPr/>
+          <p:cNvSpPr>
+            <a:spLocks noGrp="1"/>
+          </p:cNvSpPr>
           <p:nvPr>
             <p:ph type="body" sz="quarter" idx="13"/>
           </p:nvPr>
@@ -2870,6 +2929,7 @@
               <a:buNone/>
               <a:defRPr sz="1600"/>
             </a:pPr>
+            <a:endParaRPr/>
           </a:p>
         </p:txBody>
       </p:sp>
@@ -2897,14 +2957,16 @@
           <a:bodyPr lIns="45719" rIns="45719"/>
           <a:lstStyle/>
           <a:p>
-            <a:pPr/>
+            <a:endParaRPr/>
           </a:p>
         </p:txBody>
       </p:sp>
       <p:sp>
         <p:nvSpPr>
           <p:cNvPr id="106" name="Numéro de diapositive"/>
-          <p:cNvSpPr txBox="1"/>
+          <p:cNvSpPr txBox="1">
+            <a:spLocks noGrp="1"/>
+          </p:cNvSpPr>
           <p:nvPr>
             <p:ph type="sldNum" sz="quarter" idx="2"/>
           </p:nvPr>
@@ -2918,8 +2980,10 @@
           <a:bodyPr/>
           <a:lstStyle/>
           <a:p>
-            <a:pPr/>
-            <a:fld id="{86CB4B4D-7CA3-9044-876B-883B54F8677D}" type="slidenum"/>
+            <a:fld id="{86CB4B4D-7CA3-9044-876B-883B54F8677D}" type="slidenum">
+              <a:t>‹N°›</a:t>
+            </a:fld>
+            <a:endParaRPr/>
           </a:p>
         </p:txBody>
       </p:sp>
@@ -2928,12 +2992,12 @@
   <p:clrMapOvr>
     <a:masterClrMapping/>
   </p:clrMapOvr>
-  <p:transition xmlns:p14="http://schemas.microsoft.com/office/powerpoint/2010/main" spd="med" advClick="1"/>
+  <p:transition spd="med"/>
 </p:sldLayout>
 </file>
 
 <file path=ppt/slideLayouts/slideLayout9.xml><?xml version="1.0" encoding="utf-8"?>
-<p:sldLayout xmlns:a="http://schemas.openxmlformats.org/drawingml/2006/main" xmlns:r="http://schemas.openxmlformats.org/officeDocument/2006/relationships" xmlns:p="http://schemas.openxmlformats.org/presentationml/2006/main" xmlns:m="http://schemas.openxmlformats.org/officeDocument/2006/math" xmlns:a14="http://schemas.microsoft.com/office/drawing/2010/main" type="tx" showMasterSp="0" showMasterPhAnim="1">
+<p:sldLayout xmlns:a="http://schemas.openxmlformats.org/drawingml/2006/main" xmlns:r="http://schemas.openxmlformats.org/officeDocument/2006/relationships" xmlns:p="http://schemas.openxmlformats.org/presentationml/2006/main" showMasterSp="0" type="tx">
   <p:cSld name="Image avec légende">
     <p:spTree>
       <p:nvGrpSpPr>
@@ -2984,7 +3048,7 @@
           <a:bodyPr lIns="45719" rIns="45719"/>
           <a:lstStyle/>
           <a:p>
-            <a:pPr/>
+            <a:endParaRPr/>
           </a:p>
         </p:txBody>
       </p:sp>
@@ -2997,10 +3061,8 @@
           <p:nvPr/>
         </p:nvPicPr>
         <p:blipFill>
-          <a:blip r:embed="rId2">
-            <a:extLst/>
-          </a:blip>
-          <a:srcRect l="0" t="1538" r="0" b="0"/>
+          <a:blip r:embed="rId2"/>
+          <a:srcRect t="1538"/>
           <a:stretch>
             <a:fillRect/>
           </a:stretch>
@@ -3044,7 +3106,7 @@
           <a:bodyPr lIns="45719" rIns="45719"/>
           <a:lstStyle/>
           <a:p>
-            <a:pPr/>
+            <a:endParaRPr/>
           </a:p>
         </p:txBody>
       </p:sp>
@@ -3092,7 +3154,7 @@
               <a:miter lim="400000"/>
             </a:ln>
             <a:effectLst>
-              <a:outerShdw sx="100000" sy="100000" kx="0" ky="0" algn="b" rotWithShape="0" blurRad="127000" dist="228600" dir="4740000">
+              <a:outerShdw blurRad="127000" dist="228600" dir="4740000" rotWithShape="0">
                 <a:srgbClr val="000000">
                   <a:alpha val="34000"/>
                 </a:srgbClr>
@@ -3105,7 +3167,7 @@
             </a:bodyPr>
             <a:lstStyle/>
             <a:p>
-              <a:pPr/>
+              <a:endParaRPr/>
             </a:p>
           </p:txBody>
         </p:sp>
@@ -3149,7 +3211,7 @@
             </a:bodyPr>
             <a:lstStyle/>
             <a:p>
-              <a:pPr/>
+              <a:endParaRPr/>
             </a:p>
           </p:txBody>
         </p:sp>
@@ -3157,7 +3219,9 @@
       <p:sp>
         <p:nvSpPr>
           <p:cNvPr id="119" name="Texte du titre"/>
-          <p:cNvSpPr txBox="1"/>
+          <p:cNvSpPr txBox="1">
+            <a:spLocks noGrp="1"/>
+          </p:cNvSpPr>
           <p:nvPr>
             <p:ph type="title"/>
           </p:nvPr>
@@ -3175,7 +3239,6 @@
           <a:bodyPr anchor="b"/>
           <a:lstStyle/>
           <a:p>
-            <a:pPr/>
             <a:r>
               <a:t>Texte du titre</a:t>
             </a:r>
@@ -3185,7 +3248,9 @@
       <p:sp>
         <p:nvSpPr>
           <p:cNvPr id="120" name="Picture Placeholder 2"/>
-          <p:cNvSpPr/>
+          <p:cNvSpPr>
+            <a:spLocks noGrp="1"/>
+          </p:cNvSpPr>
           <p:nvPr>
             <p:ph type="pic" sz="quarter" idx="13"/>
           </p:nvPr>
@@ -3205,14 +3270,16 @@
           </a:bodyPr>
           <a:lstStyle/>
           <a:p>
-            <a:pPr/>
+            <a:endParaRPr/>
           </a:p>
         </p:txBody>
       </p:sp>
       <p:sp>
         <p:nvSpPr>
           <p:cNvPr id="121" name="Texte niveau 1…"/>
-          <p:cNvSpPr txBox="1"/>
+          <p:cNvSpPr txBox="1">
+            <a:spLocks noGrp="1"/>
+          </p:cNvSpPr>
           <p:nvPr>
             <p:ph type="body" sz="quarter" idx="1"/>
           </p:nvPr>
@@ -3266,7 +3333,6 @@
             </a:lvl5pPr>
           </a:lstStyle>
           <a:p>
-            <a:pPr/>
             <a:r>
               <a:t>Texte niveau 1</a:t>
             </a:r>
@@ -3321,14 +3387,16 @@
           <a:bodyPr lIns="45719" rIns="45719"/>
           <a:lstStyle/>
           <a:p>
-            <a:pPr/>
+            <a:endParaRPr/>
           </a:p>
         </p:txBody>
       </p:sp>
       <p:sp>
         <p:nvSpPr>
           <p:cNvPr id="123" name="Numéro de diapositive"/>
-          <p:cNvSpPr txBox="1"/>
+          <p:cNvSpPr txBox="1">
+            <a:spLocks noGrp="1"/>
+          </p:cNvSpPr>
           <p:nvPr>
             <p:ph type="sldNum" sz="quarter" idx="2"/>
           </p:nvPr>
@@ -3342,8 +3410,10 @@
           <a:bodyPr/>
           <a:lstStyle/>
           <a:p>
-            <a:pPr/>
-            <a:fld id="{86CB4B4D-7CA3-9044-876B-883B54F8677D}" type="slidenum"/>
+            <a:fld id="{86CB4B4D-7CA3-9044-876B-883B54F8677D}" type="slidenum">
+              <a:t>‹N°›</a:t>
+            </a:fld>
+            <a:endParaRPr/>
           </a:p>
         </p:txBody>
       </p:sp>
@@ -3352,12 +3422,12 @@
   <p:clrMapOvr>
     <a:masterClrMapping/>
   </p:clrMapOvr>
-  <p:transition xmlns:p14="http://schemas.microsoft.com/office/powerpoint/2010/main" spd="med" advClick="1"/>
+  <p:transition spd="med"/>
 </p:sldLayout>
 </file>
 
 <file path=ppt/slideMasters/slideMaster1.xml><?xml version="1.0" encoding="utf-8"?>
-<p:sldMaster xmlns:a="http://schemas.openxmlformats.org/drawingml/2006/main" xmlns:r="http://schemas.openxmlformats.org/officeDocument/2006/relationships" xmlns:p="http://schemas.openxmlformats.org/presentationml/2006/main" xmlns:m="http://schemas.openxmlformats.org/officeDocument/2006/math" xmlns:a14="http://schemas.microsoft.com/office/drawing/2010/main">
+<p:sldMaster xmlns:a="http://schemas.openxmlformats.org/drawingml/2006/main" xmlns:r="http://schemas.openxmlformats.org/officeDocument/2006/relationships" xmlns:p="http://schemas.openxmlformats.org/presentationml/2006/main">
   <p:cSld>
     <p:bg>
       <p:bgPr>
@@ -3374,6 +3444,7 @@
             <a:fillToRect l="50000" t="50000" r="50000" b="50000"/>
           </a:path>
         </a:gradFill>
+        <a:effectLst/>
       </p:bgPr>
     </p:bg>
     <p:spTree>
@@ -3425,7 +3496,7 @@
           <a:bodyPr lIns="45719" rIns="45719"/>
           <a:lstStyle/>
           <a:p>
-            <a:pPr/>
+            <a:endParaRPr/>
           </a:p>
         </p:txBody>
       </p:sp>
@@ -3438,10 +3509,8 @@
           <p:nvPr/>
         </p:nvPicPr>
         <p:blipFill>
-          <a:blip r:embed="rId2">
-            <a:extLst/>
-          </a:blip>
-          <a:srcRect l="0" t="1538" r="0" b="0"/>
+          <a:blip r:embed="rId11"/>
+          <a:srcRect t="1538"/>
           <a:stretch>
             <a:fillRect/>
           </a:stretch>
@@ -3485,14 +3554,16 @@
           <a:bodyPr lIns="45719" rIns="45719"/>
           <a:lstStyle/>
           <a:p>
-            <a:pPr/>
+            <a:endParaRPr/>
           </a:p>
         </p:txBody>
       </p:sp>
       <p:sp>
         <p:nvSpPr>
           <p:cNvPr id="5" name="Texte du titre"/>
-          <p:cNvSpPr txBox="1"/>
+          <p:cNvSpPr txBox="1">
+            <a:spLocks noGrp="1"/>
+          </p:cNvSpPr>
           <p:nvPr>
             <p:ph type="title"/>
           </p:nvPr>
@@ -3510,17 +3581,16 @@
           </a:ln>
           <a:extLst>
             <a:ext uri="{C572A759-6A51-4108-AA02-DFA0A04FC94B}">
-              <ma14:wrappingTextBoxFlag xmlns:ma14="http://schemas.microsoft.com/office/mac/drawingml/2011/main" val="1"/>
+              <ma14:wrappingTextBoxFlag xmlns:ma14="http://schemas.microsoft.com/office/mac/drawingml/2011/main" xmlns:a14="http://schemas.microsoft.com/office/drawing/2010/main" xmlns:m="http://schemas.openxmlformats.org/officeDocument/2006/math" xmlns="" val="1"/>
             </a:ext>
           </a:extLst>
         </p:spPr>
         <p:txBody>
           <a:bodyPr lIns="45719" rIns="45719">
-            <a:normAutofit fontScale="100000" lnSpcReduction="0"/>
+            <a:normAutofit/>
           </a:bodyPr>
           <a:lstStyle/>
           <a:p>
-            <a:pPr/>
             <a:r>
               <a:t>Texte du titre</a:t>
             </a:r>
@@ -3530,7 +3600,9 @@
       <p:sp>
         <p:nvSpPr>
           <p:cNvPr id="6" name="Texte niveau 1…"/>
-          <p:cNvSpPr txBox="1"/>
+          <p:cNvSpPr txBox="1">
+            <a:spLocks noGrp="1"/>
+          </p:cNvSpPr>
           <p:nvPr>
             <p:ph type="body" idx="1"/>
           </p:nvPr>
@@ -3548,17 +3620,16 @@
           </a:ln>
           <a:extLst>
             <a:ext uri="{C572A759-6A51-4108-AA02-DFA0A04FC94B}">
-              <ma14:wrappingTextBoxFlag xmlns:ma14="http://schemas.microsoft.com/office/mac/drawingml/2011/main" val="1"/>
+              <ma14:wrappingTextBoxFlag xmlns:ma14="http://schemas.microsoft.com/office/mac/drawingml/2011/main" xmlns:a14="http://schemas.microsoft.com/office/drawing/2010/main" xmlns:m="http://schemas.openxmlformats.org/officeDocument/2006/math" xmlns="" val="1"/>
             </a:ext>
           </a:extLst>
         </p:spPr>
         <p:txBody>
           <a:bodyPr lIns="45719" rIns="45719">
-            <a:normAutofit fontScale="100000" lnSpcReduction="0"/>
+            <a:normAutofit/>
           </a:bodyPr>
           <a:lstStyle/>
           <a:p>
-            <a:pPr/>
             <a:r>
               <a:t>Texte niveau 1</a:t>
             </a:r>
@@ -3592,7 +3663,9 @@
       <p:sp>
         <p:nvSpPr>
           <p:cNvPr id="7" name="Numéro de diapositive"/>
-          <p:cNvSpPr txBox="1"/>
+          <p:cNvSpPr txBox="1">
+            <a:spLocks noGrp="1"/>
+          </p:cNvSpPr>
           <p:nvPr>
             <p:ph type="sldNum" sz="quarter" idx="2"/>
           </p:nvPr>
@@ -3623,8 +3696,10 @@
             </a:lvl1pPr>
           </a:lstStyle>
           <a:p>
-            <a:pPr/>
-            <a:fld id="{86CB4B4D-7CA3-9044-876B-883B54F8677D}" type="slidenum"/>
+            <a:fld id="{86CB4B4D-7CA3-9044-876B-883B54F8677D}" type="slidenum">
+              <a:t>‹N°›</a:t>
+            </a:fld>
+            <a:endParaRPr/>
           </a:p>
         </p:txBody>
       </p:sp>
@@ -3632,17 +3707,17 @@
   </p:cSld>
   <p:clrMap bg1="lt1" tx1="dk1" bg2="lt2" tx2="dk2" accent1="accent1" accent2="accent2" accent3="accent3" accent4="accent4" accent5="accent5" accent6="accent6" hlink="hlink" folHlink="folHlink"/>
   <p:sldLayoutIdLst>
-    <p:sldLayoutId id="2147483649" r:id="rId3"/>
-    <p:sldLayoutId id="2147483650" r:id="rId4"/>
-    <p:sldLayoutId id="2147483651" r:id="rId5"/>
-    <p:sldLayoutId id="2147483652" r:id="rId6"/>
-    <p:sldLayoutId id="2147483653" r:id="rId7"/>
-    <p:sldLayoutId id="2147483654" r:id="rId8"/>
-    <p:sldLayoutId id="2147483655" r:id="rId9"/>
-    <p:sldLayoutId id="2147483656" r:id="rId10"/>
-    <p:sldLayoutId id="2147483657" r:id="rId11"/>
+    <p:sldLayoutId id="2147483649" r:id="rId1"/>
+    <p:sldLayoutId id="2147483650" r:id="rId2"/>
+    <p:sldLayoutId id="2147483651" r:id="rId3"/>
+    <p:sldLayoutId id="2147483652" r:id="rId4"/>
+    <p:sldLayoutId id="2147483653" r:id="rId5"/>
+    <p:sldLayoutId id="2147483654" r:id="rId6"/>
+    <p:sldLayoutId id="2147483655" r:id="rId7"/>
+    <p:sldLayoutId id="2147483656" r:id="rId8"/>
+    <p:sldLayoutId id="2147483657" r:id="rId9"/>
   </p:sldLayoutIdLst>
-  <p:transition xmlns:p14="http://schemas.microsoft.com/office/powerpoint/2010/main" spd="med" advClick="1"/>
+  <p:transition spd="med"/>
   <p:txStyles>
     <p:titleStyle>
       <a:lvl1pPr marL="0" marR="0" indent="0" algn="l" defTabSz="914400" rtl="0" latinLnBrk="0">
@@ -3660,7 +3735,7 @@
         <a:buFontTx/>
         <a:buNone/>
         <a:tabLst/>
-        <a:defRPr b="0" baseline="0" cap="all" i="0" spc="0" strike="noStrike" sz="3200" u="none">
+        <a:defRPr sz="3200" b="0" i="0" u="none" strike="noStrike" cap="all" spc="0" baseline="0">
           <a:ln>
             <a:noFill/>
           </a:ln>
@@ -3689,7 +3764,7 @@
         <a:buFontTx/>
         <a:buNone/>
         <a:tabLst/>
-        <a:defRPr b="0" baseline="0" cap="all" i="0" spc="0" strike="noStrike" sz="3200" u="none">
+        <a:defRPr sz="3200" b="0" i="0" u="none" strike="noStrike" cap="all" spc="0" baseline="0">
           <a:ln>
             <a:noFill/>
           </a:ln>
@@ -3718,7 +3793,7 @@
         <a:buFontTx/>
         <a:buNone/>
         <a:tabLst/>
-        <a:defRPr b="0" baseline="0" cap="all" i="0" spc="0" strike="noStrike" sz="3200" u="none">
+        <a:defRPr sz="3200" b="0" i="0" u="none" strike="noStrike" cap="all" spc="0" baseline="0">
           <a:ln>
             <a:noFill/>
           </a:ln>
@@ -3747,7 +3822,7 @@
         <a:buFontTx/>
         <a:buNone/>
         <a:tabLst/>
-        <a:defRPr b="0" baseline="0" cap="all" i="0" spc="0" strike="noStrike" sz="3200" u="none">
+        <a:defRPr sz="3200" b="0" i="0" u="none" strike="noStrike" cap="all" spc="0" baseline="0">
           <a:ln>
             <a:noFill/>
           </a:ln>
@@ -3776,7 +3851,7 @@
         <a:buFontTx/>
         <a:buNone/>
         <a:tabLst/>
-        <a:defRPr b="0" baseline="0" cap="all" i="0" spc="0" strike="noStrike" sz="3200" u="none">
+        <a:defRPr sz="3200" b="0" i="0" u="none" strike="noStrike" cap="all" spc="0" baseline="0">
           <a:ln>
             <a:noFill/>
           </a:ln>
@@ -3805,7 +3880,7 @@
         <a:buFontTx/>
         <a:buNone/>
         <a:tabLst/>
-        <a:defRPr b="0" baseline="0" cap="all" i="0" spc="0" strike="noStrike" sz="3200" u="none">
+        <a:defRPr sz="3200" b="0" i="0" u="none" strike="noStrike" cap="all" spc="0" baseline="0">
           <a:ln>
             <a:noFill/>
           </a:ln>
@@ -3834,7 +3909,7 @@
         <a:buFontTx/>
         <a:buNone/>
         <a:tabLst/>
-        <a:defRPr b="0" baseline="0" cap="all" i="0" spc="0" strike="noStrike" sz="3200" u="none">
+        <a:defRPr sz="3200" b="0" i="0" u="none" strike="noStrike" cap="all" spc="0" baseline="0">
           <a:ln>
             <a:noFill/>
           </a:ln>
@@ -3863,7 +3938,7 @@
         <a:buFontTx/>
         <a:buNone/>
         <a:tabLst/>
-        <a:defRPr b="0" baseline="0" cap="all" i="0" spc="0" strike="noStrike" sz="3200" u="none">
+        <a:defRPr sz="3200" b="0" i="0" u="none" strike="noStrike" cap="all" spc="0" baseline="0">
           <a:ln>
             <a:noFill/>
           </a:ln>
@@ -3892,7 +3967,7 @@
         <a:buFontTx/>
         <a:buNone/>
         <a:tabLst/>
-        <a:defRPr b="0" baseline="0" cap="all" i="0" spc="0" strike="noStrike" sz="3200" u="none">
+        <a:defRPr sz="3200" b="0" i="0" u="none" strike="noStrike" cap="all" spc="0" baseline="0">
           <a:ln>
             <a:noFill/>
           </a:ln>
@@ -3925,7 +4000,7 @@
         <a:buFont typeface="Arial"/>
         <a:buChar char="•"/>
         <a:tabLst/>
-        <a:defRPr b="0" baseline="0" cap="none" i="0" spc="0" strike="noStrike" sz="2000" u="none">
+        <a:defRPr sz="2000" b="0" i="0" u="none" strike="noStrike" cap="none" spc="0" baseline="0">
           <a:ln>
             <a:noFill/>
           </a:ln>
@@ -3956,7 +4031,7 @@
         <a:buFont typeface="Arial"/>
         <a:buChar char="•"/>
         <a:tabLst/>
-        <a:defRPr b="0" baseline="0" cap="none" i="0" spc="0" strike="noStrike" sz="2000" u="none">
+        <a:defRPr sz="2000" b="0" i="0" u="none" strike="noStrike" cap="none" spc="0" baseline="0">
           <a:ln>
             <a:noFill/>
           </a:ln>
@@ -3987,7 +4062,7 @@
         <a:buFont typeface="Arial"/>
         <a:buChar char="•"/>
         <a:tabLst/>
-        <a:defRPr b="0" baseline="0" cap="none" i="0" spc="0" strike="noStrike" sz="2000" u="none">
+        <a:defRPr sz="2000" b="0" i="0" u="none" strike="noStrike" cap="none" spc="0" baseline="0">
           <a:ln>
             <a:noFill/>
           </a:ln>
@@ -4018,7 +4093,7 @@
         <a:buFont typeface="Arial"/>
         <a:buChar char="•"/>
         <a:tabLst/>
-        <a:defRPr b="0" baseline="0" cap="none" i="0" spc="0" strike="noStrike" sz="2000" u="none">
+        <a:defRPr sz="2000" b="0" i="0" u="none" strike="noStrike" cap="none" spc="0" baseline="0">
           <a:ln>
             <a:noFill/>
           </a:ln>
@@ -4049,7 +4124,7 @@
         <a:buFont typeface="Arial"/>
         <a:buChar char="•"/>
         <a:tabLst/>
-        <a:defRPr b="0" baseline="0" cap="none" i="0" spc="0" strike="noStrike" sz="2000" u="none">
+        <a:defRPr sz="2000" b="0" i="0" u="none" strike="noStrike" cap="none" spc="0" baseline="0">
           <a:ln>
             <a:noFill/>
           </a:ln>
@@ -4080,7 +4155,7 @@
         <a:buFont typeface="Arial"/>
         <a:buChar char="•"/>
         <a:tabLst/>
-        <a:defRPr b="0" baseline="0" cap="none" i="0" spc="0" strike="noStrike" sz="2000" u="none">
+        <a:defRPr sz="2000" b="0" i="0" u="none" strike="noStrike" cap="none" spc="0" baseline="0">
           <a:ln>
             <a:noFill/>
           </a:ln>
@@ -4111,7 +4186,7 @@
         <a:buFont typeface="Arial"/>
         <a:buChar char="•"/>
         <a:tabLst/>
-        <a:defRPr b="0" baseline="0" cap="none" i="0" spc="0" strike="noStrike" sz="2000" u="none">
+        <a:defRPr sz="2000" b="0" i="0" u="none" strike="noStrike" cap="none" spc="0" baseline="0">
           <a:ln>
             <a:noFill/>
           </a:ln>
@@ -4142,7 +4217,7 @@
         <a:buFont typeface="Arial"/>
         <a:buChar char="•"/>
         <a:tabLst/>
-        <a:defRPr b="0" baseline="0" cap="none" i="0" spc="0" strike="noStrike" sz="2000" u="none">
+        <a:defRPr sz="2000" b="0" i="0" u="none" strike="noStrike" cap="none" spc="0" baseline="0">
           <a:ln>
             <a:noFill/>
           </a:ln>
@@ -4173,7 +4248,7 @@
         <a:buFont typeface="Arial"/>
         <a:buChar char="•"/>
         <a:tabLst/>
-        <a:defRPr b="0" baseline="0" cap="none" i="0" spc="0" strike="noStrike" sz="2000" u="none">
+        <a:defRPr sz="2000" b="0" i="0" u="none" strike="noStrike" cap="none" spc="0" baseline="0">
           <a:ln>
             <a:noFill/>
           </a:ln>
@@ -4204,7 +4279,7 @@
         <a:buFontTx/>
         <a:buNone/>
         <a:tabLst/>
-        <a:defRPr b="0" baseline="0" cap="none" i="0" spc="0" strike="noStrike" sz="2800" u="none">
+        <a:defRPr sz="2800" b="0" i="0" u="none" strike="noStrike" cap="none" spc="0" baseline="0">
           <a:ln>
             <a:noFill/>
           </a:ln>
@@ -4233,7 +4308,7 @@
         <a:buFontTx/>
         <a:buNone/>
         <a:tabLst/>
-        <a:defRPr b="0" baseline="0" cap="none" i="0" spc="0" strike="noStrike" sz="2800" u="none">
+        <a:defRPr sz="2800" b="0" i="0" u="none" strike="noStrike" cap="none" spc="0" baseline="0">
           <a:ln>
             <a:noFill/>
           </a:ln>
@@ -4262,7 +4337,7 @@
         <a:buFontTx/>
         <a:buNone/>
         <a:tabLst/>
-        <a:defRPr b="0" baseline="0" cap="none" i="0" spc="0" strike="noStrike" sz="2800" u="none">
+        <a:defRPr sz="2800" b="0" i="0" u="none" strike="noStrike" cap="none" spc="0" baseline="0">
           <a:ln>
             <a:noFill/>
           </a:ln>
@@ -4291,7 +4366,7 @@
         <a:buFontTx/>
         <a:buNone/>
         <a:tabLst/>
-        <a:defRPr b="0" baseline="0" cap="none" i="0" spc="0" strike="noStrike" sz="2800" u="none">
+        <a:defRPr sz="2800" b="0" i="0" u="none" strike="noStrike" cap="none" spc="0" baseline="0">
           <a:ln>
             <a:noFill/>
           </a:ln>
@@ -4320,7 +4395,7 @@
         <a:buFontTx/>
         <a:buNone/>
         <a:tabLst/>
-        <a:defRPr b="0" baseline="0" cap="none" i="0" spc="0" strike="noStrike" sz="2800" u="none">
+        <a:defRPr sz="2800" b="0" i="0" u="none" strike="noStrike" cap="none" spc="0" baseline="0">
           <a:ln>
             <a:noFill/>
           </a:ln>
@@ -4349,7 +4424,7 @@
         <a:buFontTx/>
         <a:buNone/>
         <a:tabLst/>
-        <a:defRPr b="0" baseline="0" cap="none" i="0" spc="0" strike="noStrike" sz="2800" u="none">
+        <a:defRPr sz="2800" b="0" i="0" u="none" strike="noStrike" cap="none" spc="0" baseline="0">
           <a:ln>
             <a:noFill/>
           </a:ln>
@@ -4378,7 +4453,7 @@
         <a:buFontTx/>
         <a:buNone/>
         <a:tabLst/>
-        <a:defRPr b="0" baseline="0" cap="none" i="0" spc="0" strike="noStrike" sz="2800" u="none">
+        <a:defRPr sz="2800" b="0" i="0" u="none" strike="noStrike" cap="none" spc="0" baseline="0">
           <a:ln>
             <a:noFill/>
           </a:ln>
@@ -4407,7 +4482,7 @@
         <a:buFontTx/>
         <a:buNone/>
         <a:tabLst/>
-        <a:defRPr b="0" baseline="0" cap="none" i="0" spc="0" strike="noStrike" sz="2800" u="none">
+        <a:defRPr sz="2800" b="0" i="0" u="none" strike="noStrike" cap="none" spc="0" baseline="0">
           <a:ln>
             <a:noFill/>
           </a:ln>
@@ -4436,7 +4511,7 @@
         <a:buFontTx/>
         <a:buNone/>
         <a:tabLst/>
-        <a:defRPr b="0" baseline="0" cap="none" i="0" spc="0" strike="noStrike" sz="2800" u="none">
+        <a:defRPr sz="2800" b="0" i="0" u="none" strike="noStrike" cap="none" spc="0" baseline="0">
           <a:ln>
             <a:noFill/>
           </a:ln>
@@ -4456,7 +4531,7 @@
 </file>
 
 <file path=ppt/slides/slide1.xml><?xml version="1.0" encoding="utf-8"?>
-<p:sld xmlns:a="http://schemas.openxmlformats.org/drawingml/2006/main" xmlns:r="http://schemas.openxmlformats.org/officeDocument/2006/relationships" xmlns:p="http://schemas.openxmlformats.org/presentationml/2006/main" xmlns:m="http://schemas.openxmlformats.org/officeDocument/2006/math" xmlns:a14="http://schemas.microsoft.com/office/drawing/2010/main" showMasterSp="1" showMasterPhAnim="1">
+<p:sld xmlns:a="http://schemas.openxmlformats.org/drawingml/2006/main" xmlns:r="http://schemas.openxmlformats.org/officeDocument/2006/relationships" xmlns:p="http://schemas.openxmlformats.org/presentationml/2006/main">
   <p:cSld>
     <p:spTree>
       <p:nvGrpSpPr>
@@ -4475,7 +4550,9 @@
       <p:sp>
         <p:nvSpPr>
           <p:cNvPr id="132" name="Titre 1"/>
-          <p:cNvSpPr txBox="1"/>
+          <p:cNvSpPr txBox="1">
+            <a:spLocks noGrp="1"/>
+          </p:cNvSpPr>
           <p:nvPr>
             <p:ph type="ctrTitle"/>
           </p:nvPr>
@@ -4501,9 +4578,29 @@
               </a:defRPr>
             </a:pPr>
             <a:r>
-              <a:t>La bataille des 3 ARMEES</a:t>
+              <a:rPr dirty="0"/>
+              <a:t>La </a:t>
             </a:r>
-            <a:br/>
+            <a:r>
+              <a:rPr dirty="0" err="1"/>
+              <a:t>bataille</a:t>
+            </a:r>
+            <a:r>
+              <a:rPr dirty="0"/>
+              <a:t> des 3 ARM</a:t>
+            </a:r>
+            <a:r>
+              <a:rPr lang="fr-FR" dirty="0" err="1"/>
+              <a:t>É</a:t>
+            </a:r>
+            <a:r>
+              <a:rPr dirty="0"/>
+              <a:t>ES</a:t>
+            </a:r>
+            <a:br>
+              <a:rPr dirty="0"/>
+            </a:br>
+            <a:endParaRPr dirty="0"/>
           </a:p>
         </p:txBody>
       </p:sp>
@@ -4512,12 +4609,287 @@
   <p:clrMapOvr>
     <a:masterClrMapping/>
   </p:clrMapOvr>
-  <p:transition xmlns:p14="http://schemas.microsoft.com/office/powerpoint/2010/main" spd="med" advClick="1"/>
+  <p:transition spd="med"/>
 </p:sld>
 </file>
 
 <file path=ppt/slides/slide10.xml><?xml version="1.0" encoding="utf-8"?>
-<p:sld xmlns:a="http://schemas.openxmlformats.org/drawingml/2006/main" xmlns:r="http://schemas.openxmlformats.org/officeDocument/2006/relationships" xmlns:p="http://schemas.openxmlformats.org/presentationml/2006/main" xmlns:m="http://schemas.openxmlformats.org/officeDocument/2006/math" xmlns:a14="http://schemas.microsoft.com/office/drawing/2010/main" showMasterSp="1" showMasterPhAnim="1">
+<p:sld xmlns:a="http://schemas.openxmlformats.org/drawingml/2006/main" xmlns:r="http://schemas.openxmlformats.org/officeDocument/2006/relationships" xmlns:p="http://schemas.openxmlformats.org/presentationml/2006/main">
+  <p:cSld>
+    <p:spTree>
+      <p:nvGrpSpPr>
+        <p:cNvPr id="1" name=""/>
+        <p:cNvGrpSpPr/>
+        <p:nvPr/>
+      </p:nvGrpSpPr>
+      <p:grpSpPr>
+        <a:xfrm>
+          <a:off x="0" y="0"/>
+          <a:ext cx="0" cy="0"/>
+          <a:chOff x="0" y="0"/>
+          <a:chExt cx="0" cy="0"/>
+        </a:xfrm>
+      </p:grpSpPr>
+      <p:sp>
+        <p:nvSpPr>
+          <p:cNvPr id="206" name="Titre 1"/>
+          <p:cNvSpPr txBox="1"/>
+          <p:nvPr/>
+        </p:nvSpPr>
+        <p:spPr>
+          <a:xfrm>
+            <a:off x="1451578" y="116341"/>
+            <a:ext cx="9603277" cy="574041"/>
+          </a:xfrm>
+          <a:prstGeom prst="rect">
+            <a:avLst/>
+          </a:prstGeom>
+          <a:ln w="12700">
+            <a:miter lim="400000"/>
+          </a:ln>
+          <a:extLst>
+            <a:ext uri="{C572A759-6A51-4108-AA02-DFA0A04FC94B}">
+              <ma14:wrappingTextBoxFlag xmlns:ma14="http://schemas.microsoft.com/office/mac/drawingml/2011/main" xmlns:a14="http://schemas.microsoft.com/office/drawing/2010/main" xmlns:m="http://schemas.openxmlformats.org/officeDocument/2006/math" xmlns="" val="1"/>
+            </a:ext>
+          </a:extLst>
+        </p:spPr>
+        <p:txBody>
+          <a:bodyPr lIns="45719" rIns="45719">
+            <a:spAutoFit/>
+          </a:bodyPr>
+          <a:lstStyle>
+            <a:lvl1pPr defTabSz="914400">
+              <a:lnSpc>
+                <a:spcPct val="90000"/>
+              </a:lnSpc>
+              <a:defRPr sz="3200" cap="all">
+                <a:solidFill>
+                  <a:schemeClr val="accent1"/>
+                </a:solidFill>
+              </a:defRPr>
+            </a:lvl1pPr>
+          </a:lstStyle>
+          <a:p>
+            <a:r>
+              <a:t>Un projet itératif priorisé</a:t>
+            </a:r>
+          </a:p>
+        </p:txBody>
+      </p:sp>
+      <p:grpSp>
+        <p:nvGrpSpPr>
+          <p:cNvPr id="209" name="Image 32"/>
+          <p:cNvGrpSpPr/>
+          <p:nvPr/>
+        </p:nvGrpSpPr>
+        <p:grpSpPr>
+          <a:xfrm>
+            <a:off x="2165036" y="806987"/>
+            <a:ext cx="7684449" cy="5303686"/>
+            <a:chOff x="0" y="0"/>
+            <a:chExt cx="7684448" cy="5303684"/>
+          </a:xfrm>
+        </p:grpSpPr>
+        <p:sp>
+          <p:nvSpPr>
+            <p:cNvPr id="207" name="Figure"/>
+            <p:cNvSpPr/>
+            <p:nvPr/>
+          </p:nvSpPr>
+          <p:spPr>
+            <a:xfrm>
+              <a:off x="-1" y="-1"/>
+              <a:ext cx="7684450" cy="5303686"/>
+            </a:xfrm>
+            <a:custGeom>
+              <a:avLst/>
+              <a:gdLst/>
+              <a:ahLst/>
+              <a:cxnLst>
+                <a:cxn ang="0">
+                  <a:pos x="wd2" y="hd2"/>
+                </a:cxn>
+                <a:cxn ang="5400000">
+                  <a:pos x="wd2" y="hd2"/>
+                </a:cxn>
+                <a:cxn ang="10800000">
+                  <a:pos x="wd2" y="hd2"/>
+                </a:cxn>
+                <a:cxn ang="16200000">
+                  <a:pos x="wd2" y="hd2"/>
+                </a:cxn>
+              </a:cxnLst>
+              <a:rect l="0" t="0" r="r" b="b"/>
+              <a:pathLst>
+                <a:path w="21600" h="21600" extrusionOk="0">
+                  <a:moveTo>
+                    <a:pt x="0" y="1856"/>
+                  </a:moveTo>
+                  <a:lnTo>
+                    <a:pt x="0" y="1856"/>
+                  </a:lnTo>
+                  <a:cubicBezTo>
+                    <a:pt x="0" y="831"/>
+                    <a:pt x="574" y="0"/>
+                    <a:pt x="1281" y="0"/>
+                  </a:cubicBezTo>
+                  <a:lnTo>
+                    <a:pt x="20319" y="0"/>
+                  </a:lnTo>
+                  <a:lnTo>
+                    <a:pt x="20319" y="0"/>
+                  </a:lnTo>
+                  <a:cubicBezTo>
+                    <a:pt x="21026" y="0"/>
+                    <a:pt x="21600" y="831"/>
+                    <a:pt x="21600" y="1856"/>
+                  </a:cubicBezTo>
+                  <a:lnTo>
+                    <a:pt x="21600" y="19744"/>
+                  </a:lnTo>
+                  <a:lnTo>
+                    <a:pt x="21600" y="19744"/>
+                  </a:lnTo>
+                  <a:cubicBezTo>
+                    <a:pt x="21600" y="20769"/>
+                    <a:pt x="21026" y="21600"/>
+                    <a:pt x="20319" y="21600"/>
+                  </a:cubicBezTo>
+                  <a:lnTo>
+                    <a:pt x="1281" y="21600"/>
+                  </a:lnTo>
+                  <a:lnTo>
+                    <a:pt x="1281" y="21600"/>
+                  </a:lnTo>
+                  <a:cubicBezTo>
+                    <a:pt x="574" y="21600"/>
+                    <a:pt x="0" y="20769"/>
+                    <a:pt x="0" y="19744"/>
+                  </a:cubicBezTo>
+                  <a:close/>
+                </a:path>
+              </a:pathLst>
+            </a:custGeom>
+            <a:solidFill>
+              <a:srgbClr val="EDEDED"/>
+            </a:solidFill>
+            <a:ln w="12700" cap="flat">
+              <a:noFill/>
+              <a:miter lim="400000"/>
+            </a:ln>
+            <a:effectLst/>
+          </p:spPr>
+          <p:txBody>
+            <a:bodyPr wrap="square" lIns="45719" tIns="45719" rIns="45719" bIns="45719" numCol="1" anchor="ctr">
+              <a:noAutofit/>
+            </a:bodyPr>
+            <a:lstStyle/>
+            <a:p>
+              <a:endParaRPr/>
+            </a:p>
+          </p:txBody>
+        </p:sp>
+        <p:pic>
+          <p:nvPicPr>
+            <p:cNvPr id="208" name="image12.png" descr="image12.png"/>
+            <p:cNvPicPr>
+              <a:picLocks noChangeAspect="1"/>
+            </p:cNvPicPr>
+            <p:nvPr/>
+          </p:nvPicPr>
+          <p:blipFill>
+            <a:blip r:embed="rId3"/>
+            <a:srcRect r="2"/>
+            <a:stretch>
+              <a:fillRect/>
+            </a:stretch>
+          </p:blipFill>
+          <p:spPr>
+            <a:xfrm>
+              <a:off x="0" y="0"/>
+              <a:ext cx="7684294" cy="5303685"/>
+            </a:xfrm>
+            <a:custGeom>
+              <a:avLst/>
+              <a:gdLst/>
+              <a:ahLst/>
+              <a:cxnLst>
+                <a:cxn ang="0">
+                  <a:pos x="wd2" y="hd2"/>
+                </a:cxn>
+                <a:cxn ang="5400000">
+                  <a:pos x="wd2" y="hd2"/>
+                </a:cxn>
+                <a:cxn ang="10800000">
+                  <a:pos x="wd2" y="hd2"/>
+                </a:cxn>
+                <a:cxn ang="16200000">
+                  <a:pos x="wd2" y="hd2"/>
+                </a:cxn>
+              </a:cxnLst>
+              <a:rect l="0" t="0" r="r" b="b"/>
+              <a:pathLst>
+                <a:path w="21600" h="21600" extrusionOk="0">
+                  <a:moveTo>
+                    <a:pt x="1281" y="0"/>
+                  </a:moveTo>
+                  <a:cubicBezTo>
+                    <a:pt x="573" y="0"/>
+                    <a:pt x="0" y="830"/>
+                    <a:pt x="0" y="1855"/>
+                  </a:cubicBezTo>
+                  <a:lnTo>
+                    <a:pt x="0" y="19743"/>
+                  </a:lnTo>
+                  <a:cubicBezTo>
+                    <a:pt x="0" y="20768"/>
+                    <a:pt x="573" y="21600"/>
+                    <a:pt x="1281" y="21600"/>
+                  </a:cubicBezTo>
+                  <a:lnTo>
+                    <a:pt x="20319" y="21600"/>
+                  </a:lnTo>
+                  <a:cubicBezTo>
+                    <a:pt x="21027" y="21600"/>
+                    <a:pt x="21600" y="20768"/>
+                    <a:pt x="21600" y="19743"/>
+                  </a:cubicBezTo>
+                  <a:lnTo>
+                    <a:pt x="21600" y="1855"/>
+                  </a:lnTo>
+                  <a:cubicBezTo>
+                    <a:pt x="21600" y="830"/>
+                    <a:pt x="21027" y="0"/>
+                    <a:pt x="20319" y="0"/>
+                  </a:cubicBezTo>
+                  <a:lnTo>
+                    <a:pt x="1281" y="0"/>
+                  </a:lnTo>
+                  <a:close/>
+                </a:path>
+              </a:pathLst>
+            </a:custGeom>
+            <a:ln w="12700" cap="flat">
+              <a:noFill/>
+              <a:miter lim="400000"/>
+            </a:ln>
+            <a:effectLst>
+              <a:reflection stA="38000" endPos="40000" dir="5400000" sy="-100000" algn="bl" rotWithShape="0"/>
+            </a:effectLst>
+          </p:spPr>
+        </p:pic>
+      </p:grpSp>
+    </p:spTree>
+  </p:cSld>
+  <p:clrMapOvr>
+    <a:masterClrMapping/>
+  </p:clrMapOvr>
+  <p:transition spd="med"/>
+</p:sld>
+</file>
+
+<file path=ppt/slides/slide11.xml><?xml version="1.0" encoding="utf-8"?>
+<p:sld xmlns:a="http://schemas.openxmlformats.org/drawingml/2006/main" xmlns:r="http://schemas.openxmlformats.org/officeDocument/2006/relationships" xmlns:p="http://schemas.openxmlformats.org/presentationml/2006/main">
   <p:cSld>
     <p:spTree>
       <p:nvGrpSpPr>
@@ -4552,7 +4924,7 @@
           </a:ln>
           <a:extLst>
             <a:ext uri="{C572A759-6A51-4108-AA02-DFA0A04FC94B}">
-              <ma14:wrappingTextBoxFlag xmlns:ma14="http://schemas.microsoft.com/office/mac/drawingml/2011/main" val="1"/>
+              <ma14:wrappingTextBoxFlag xmlns:ma14="http://schemas.microsoft.com/office/mac/drawingml/2011/main" xmlns:a14="http://schemas.microsoft.com/office/drawing/2010/main" xmlns:m="http://schemas.openxmlformats.org/officeDocument/2006/math" xmlns="" val="1"/>
             </a:ext>
           </a:extLst>
         </p:spPr>
@@ -4565,7 +4937,7 @@
               <a:lnSpc>
                 <a:spcPct val="90000"/>
               </a:lnSpc>
-              <a:defRPr cap="all" sz="3200">
+              <a:defRPr sz="3200" cap="all">
                 <a:solidFill>
                   <a:schemeClr val="accent1"/>
                 </a:solidFill>
@@ -4573,7 +4945,6 @@
             </a:lvl1pPr>
           </a:lstStyle>
           <a:p>
-            <a:pPr/>
             <a:r>
               <a:t>Conclusion</a:t>
             </a:r>
@@ -4599,7 +4970,7 @@
           </a:ln>
           <a:extLst>
             <a:ext uri="{C572A759-6A51-4108-AA02-DFA0A04FC94B}">
-              <ma14:wrappingTextBoxFlag xmlns:ma14="http://schemas.microsoft.com/office/mac/drawingml/2011/main" val="1"/>
+              <ma14:wrappingTextBoxFlag xmlns:ma14="http://schemas.microsoft.com/office/mac/drawingml/2011/main" xmlns:a14="http://schemas.microsoft.com/office/drawing/2010/main" xmlns:m="http://schemas.openxmlformats.org/officeDocument/2006/math" xmlns="" val="1"/>
             </a:ext>
           </a:extLst>
         </p:spPr>
@@ -4639,7 +5010,6 @@
               <a:rPr b="1"/>
               <a:t>régulièrement</a:t>
             </a:r>
-            <a:endParaRPr b="1"/>
           </a:p>
           <a:p>
             <a:pPr marL="342900" indent="-342900" defTabSz="914400">
@@ -4651,6 +5021,7 @@
               <a:buChar char="•"/>
               <a:defRPr sz="2800"/>
             </a:pPr>
+            <a:endParaRPr b="1"/>
           </a:p>
           <a:p>
             <a:pPr marL="342900" indent="-342900" defTabSz="914400">
@@ -4662,6 +5033,7 @@
               <a:buChar char="•"/>
               <a:defRPr sz="2800"/>
             </a:pPr>
+            <a:endParaRPr b="1"/>
           </a:p>
           <a:p>
             <a:pPr marL="342900" indent="-342900" defTabSz="914400">
@@ -4694,6 +5066,7 @@
               <a:buChar char="•"/>
               <a:defRPr sz="2800"/>
             </a:pPr>
+            <a:endParaRPr/>
           </a:p>
           <a:p>
             <a:pPr marL="342900" indent="-342900" defTabSz="914400">
@@ -4705,6 +5078,7 @@
               <a:buChar char="•"/>
               <a:defRPr sz="2800"/>
             </a:pPr>
+            <a:endParaRPr/>
           </a:p>
           <a:p>
             <a:pPr marL="342900" indent="-342900" defTabSz="914400">
@@ -4714,7 +5088,7 @@
               <a:buSzPct val="100000"/>
               <a:buFont typeface="Arial"/>
               <a:buChar char="•"/>
-              <a:defRPr b="1" sz="2800"/>
+              <a:defRPr sz="2800" b="1"/>
             </a:pPr>
             <a:r>
               <a:t>Le choix est proposé</a:t>
@@ -4731,13 +5105,16 @@
               </a:lnSpc>
               <a:defRPr sz="2800"/>
             </a:pPr>
+            <a:endParaRPr b="0"/>
           </a:p>
         </p:txBody>
       </p:sp>
       <p:sp>
         <p:nvSpPr>
           <p:cNvPr id="215" name="Slide Number Placeholder 1"/>
-          <p:cNvSpPr txBox="1"/>
+          <p:cNvSpPr txBox="1">
+            <a:spLocks noGrp="1"/>
+          </p:cNvSpPr>
           <p:nvPr>
             <p:ph type="sldNum" sz="quarter" idx="4294967295"/>
           </p:nvPr>
@@ -4752,7 +5129,7 @@
           </a:prstGeom>
           <a:extLst>
             <a:ext uri="{C572A759-6A51-4108-AA02-DFA0A04FC94B}">
-              <ma14:wrappingTextBoxFlag xmlns:ma14="http://schemas.microsoft.com/office/mac/drawingml/2011/main" val="1"/>
+              <ma14:wrappingTextBoxFlag xmlns:ma14="http://schemas.microsoft.com/office/mac/drawingml/2011/main" xmlns:a14="http://schemas.microsoft.com/office/drawing/2010/main" xmlns:m="http://schemas.openxmlformats.org/officeDocument/2006/math" xmlns="" val="1"/>
             </a:ext>
           </a:extLst>
         </p:spPr>
@@ -4760,7 +5137,7 @@
           <a:bodyPr lIns="0" tIns="0" rIns="0" bIns="0" anchor="ctr"/>
           <a:lstStyle>
             <a:lvl1pPr algn="l" defTabSz="914400">
-              <a:defRPr b="1" sz="1000">
+              <a:defRPr sz="1000" b="1">
                 <a:solidFill>
                   <a:srgbClr val="000000"/>
                 </a:solidFill>
@@ -4768,8 +5145,10 @@
             </a:lvl1pPr>
           </a:lstStyle>
           <a:p>
-            <a:pPr/>
-            <a:fld id="{86CB4B4D-7CA3-9044-876B-883B54F8677D}" type="slidenum"/>
+            <a:fld id="{86CB4B4D-7CA3-9044-876B-883B54F8677D}" type="slidenum">
+              <a:t>11</a:t>
+            </a:fld>
+            <a:endParaRPr/>
           </a:p>
         </p:txBody>
       </p:sp>
@@ -4778,12 +5157,12 @@
   <p:clrMapOvr>
     <a:masterClrMapping/>
   </p:clrMapOvr>
-  <p:transition xmlns:p14="http://schemas.microsoft.com/office/powerpoint/2010/main" spd="med" advClick="1"/>
+  <p:transition spd="med"/>
 </p:sld>
 </file>
 
 <file path=ppt/slides/slide2.xml><?xml version="1.0" encoding="utf-8"?>
-<p:sld xmlns:a="http://schemas.openxmlformats.org/drawingml/2006/main" xmlns:r="http://schemas.openxmlformats.org/officeDocument/2006/relationships" xmlns:p="http://schemas.openxmlformats.org/presentationml/2006/main" xmlns:m="http://schemas.openxmlformats.org/officeDocument/2006/math" xmlns:a14="http://schemas.microsoft.com/office/drawing/2010/main" showMasterSp="1" showMasterPhAnim="1">
+<p:sld xmlns:a="http://schemas.openxmlformats.org/drawingml/2006/main" xmlns:r="http://schemas.openxmlformats.org/officeDocument/2006/relationships" xmlns:p="http://schemas.openxmlformats.org/presentationml/2006/main">
   <p:cSld>
     <p:spTree>
       <p:nvGrpSpPr>
@@ -4818,7 +5197,7 @@
           </a:ln>
           <a:extLst>
             <a:ext uri="{C572A759-6A51-4108-AA02-DFA0A04FC94B}">
-              <ma14:wrappingTextBoxFlag xmlns:ma14="http://schemas.microsoft.com/office/mac/drawingml/2011/main" val="1"/>
+              <ma14:wrappingTextBoxFlag xmlns:ma14="http://schemas.microsoft.com/office/mac/drawingml/2011/main" xmlns:a14="http://schemas.microsoft.com/office/drawing/2010/main" xmlns:m="http://schemas.openxmlformats.org/officeDocument/2006/math" xmlns="" val="1"/>
             </a:ext>
           </a:extLst>
         </p:spPr>
@@ -4831,7 +5210,7 @@
               <a:lnSpc>
                 <a:spcPct val="90000"/>
               </a:lnSpc>
-              <a:defRPr cap="all" sz="3200">
+              <a:defRPr sz="3200" cap="all">
                 <a:solidFill>
                   <a:schemeClr val="accent1"/>
                 </a:solidFill>
@@ -4839,7 +5218,6 @@
             </a:lvl1pPr>
           </a:lstStyle>
           <a:p>
-            <a:pPr/>
             <a:r>
               <a:t>“Un conflit ancestral…”</a:t>
             </a:r>
@@ -4855,9 +5233,7 @@
           <p:nvPr/>
         </p:nvPicPr>
         <p:blipFill>
-          <a:blip r:embed="rId2">
-            <a:extLst/>
-          </a:blip>
+          <a:blip r:embed="rId2"/>
           <a:stretch>
             <a:fillRect/>
           </a:stretch>
@@ -4906,7 +5282,7 @@
             </a:cxnLst>
             <a:rect l="0" t="0" r="r" b="b"/>
             <a:pathLst>
-              <a:path w="21600" h="21600" fill="norm" stroke="1" extrusionOk="0">
+              <a:path w="21600" h="21600" extrusionOk="0">
                 <a:moveTo>
                   <a:pt x="10800" y="5800"/>
                 </a:moveTo>
@@ -5006,6 +5382,7 @@
                 </a:solidFill>
               </a:defRPr>
             </a:pPr>
+            <a:endParaRPr/>
           </a:p>
         </p:txBody>
       </p:sp>
@@ -5018,9 +5395,7 @@
           <p:nvPr/>
         </p:nvPicPr>
         <p:blipFill>
-          <a:blip r:embed="rId3">
-            <a:extLst/>
-          </a:blip>
+          <a:blip r:embed="rId3"/>
           <a:stretch>
             <a:fillRect/>
           </a:stretch>
@@ -5057,7 +5432,7 @@
           </a:ln>
           <a:extLst>
             <a:ext uri="{C572A759-6A51-4108-AA02-DFA0A04FC94B}">
-              <ma14:wrappingTextBoxFlag xmlns:ma14="http://schemas.microsoft.com/office/mac/drawingml/2011/main" val="1"/>
+              <ma14:wrappingTextBoxFlag xmlns:ma14="http://schemas.microsoft.com/office/mac/drawingml/2011/main" xmlns:a14="http://schemas.microsoft.com/office/drawing/2010/main" xmlns:m="http://schemas.openxmlformats.org/officeDocument/2006/math" xmlns="" val="1"/>
             </a:ext>
           </a:extLst>
         </p:spPr>
@@ -5070,7 +5445,7 @@
               <a:lnSpc>
                 <a:spcPct val="90000"/>
               </a:lnSpc>
-              <a:defRPr cap="all" sz="2000">
+              <a:defRPr sz="2000" cap="all">
                 <a:solidFill>
                   <a:schemeClr val="accent1"/>
                 </a:solidFill>
@@ -5078,9 +5453,25 @@
             </a:lvl1pPr>
           </a:lstStyle>
           <a:p>
-            <a:pPr/>
             <a:r>
-              <a:t>Les lannisters ET LES STARKS S’AFFRONTENT DEPUIS DES ANNEES</a:t>
+              <a:rPr dirty="0"/>
+              <a:t>Les </a:t>
+            </a:r>
+            <a:r>
+              <a:rPr dirty="0" err="1"/>
+              <a:t>lannisters</a:t>
+            </a:r>
+            <a:r>
+              <a:rPr dirty="0"/>
+              <a:t> ET LES STARKS S’AFFRONTENT DEPUIS DES ANN</a:t>
+            </a:r>
+            <a:r>
+              <a:rPr lang="fr-FR" dirty="0" err="1"/>
+              <a:t>É</a:t>
+            </a:r>
+            <a:r>
+              <a:rPr dirty="0"/>
+              <a:t>ES</a:t>
             </a:r>
           </a:p>
         </p:txBody>
@@ -5090,13 +5481,13 @@
   <p:clrMapOvr>
     <a:masterClrMapping/>
   </p:clrMapOvr>
-  <mc:AlternateContent xmlns:mc="http://schemas.openxmlformats.org/markup-compatibility/2006">
-    <mc:Choice xmlns:p14="http://schemas.microsoft.com/office/powerpoint/2010/main" Requires="p14">
-      <p:transition spd="slow" advClick="1" p14:dur="1200">
-        <p:wipe dir="l"/>
+  <mc:AlternateContent xmlns:mc="http://schemas.openxmlformats.org/markup-compatibility/2006" xmlns:p14="http://schemas.microsoft.com/office/powerpoint/2010/main">
+    <mc:Choice Requires="p14">
+      <p:transition spd="slow" p14:dur="1200">
+        <p:wipe/>
       </p:transition>
     </mc:Choice>
-    <mc:Fallback>
+    <mc:Fallback xmlns:a14="http://schemas.microsoft.com/office/drawing/2010/main" xmlns:m="http://schemas.openxmlformats.org/officeDocument/2006/math" xmlns="">
       <p:transition spd="slow">
         <p:fade/>
       </p:transition>
@@ -5105,10 +5496,10 @@
   <p:timing>
     <p:tnLst>
       <p:par>
-        <p:cTn id="1" nodeType="tmRoot" restart="never" dur="indefinite" fill="hold">
+        <p:cTn id="1" dur="indefinite" restart="never" fill="hold" nodeType="tmRoot">
           <p:childTnLst>
             <p:seq concurrent="1" prevAc="none" nextAc="seek">
-              <p:cTn id="2" nodeType="mainSeq" dur="indefinite" fill="hold">
+              <p:cTn id="2" dur="indefinite" fill="hold" nodeType="mainSeq">
                 <p:childTnLst>
                   <p:par>
                     <p:cTn id="3" fill="hold">
@@ -5123,11 +5514,11 @@
                             </p:stCondLst>
                             <p:childTnLst>
                               <p:par>
-                                <p:cTn id="5" presetClass="entr" nodeType="clickEffect" presetSubtype="0" presetID="1" grpId="1" fill="hold">
+                                <p:cTn id="5" presetID="1" presetClass="entr" presetSubtype="0" fill="hold" grpId="1" nodeType="clickEffect">
                                   <p:stCondLst>
                                     <p:cond delay="0"/>
                                   </p:stCondLst>
-                                  <p:iterate type="el" backwards="0">
+                                  <p:iterate>
                                     <p:tmAbs val="0"/>
                                   </p:iterate>
                                   <p:childTnLst>
@@ -5158,11 +5549,11 @@
                             </p:stCondLst>
                             <p:childTnLst>
                               <p:par>
-                                <p:cTn id="8" presetClass="entr" nodeType="afterEffect" presetSubtype="0" presetID="1" grpId="2" fill="hold">
+                                <p:cTn id="8" presetID="1" presetClass="entr" presetSubtype="0" fill="hold" grpId="2" nodeType="afterEffect">
                                   <p:stCondLst>
                                     <p:cond delay="0"/>
                                   </p:stCondLst>
-                                  <p:iterate type="el" backwards="0">
+                                  <p:iterate>
                                     <p:tmAbs val="0"/>
                                   </p:iterate>
                                   <p:childTnLst>
@@ -5202,11 +5593,11 @@
                             </p:stCondLst>
                             <p:childTnLst>
                               <p:par>
-                                <p:cTn id="12" presetClass="entr" nodeType="clickEffect" presetSubtype="4" presetID="2" grpId="3" fill="hold">
+                                <p:cTn id="12" presetID="2" presetClass="entr" presetSubtype="4" fill="hold" grpId="3" nodeType="clickEffect">
                                   <p:stCondLst>
                                     <p:cond delay="0"/>
                                   </p:stCondLst>
-                                  <p:iterate type="el" backwards="0">
+                                  <p:iterate>
                                     <p:tmAbs val="0"/>
                                   </p:iterate>
                                   <p:childTnLst>
@@ -5282,14 +5673,14 @@
                 </p:childTnLst>
               </p:cTn>
               <p:prevCondLst>
-                <p:cond evt="onPrev">
+                <p:cond evt="onPrev" delay="0">
                   <p:tgtEl>
                     <p:sldTgt/>
                   </p:tgtEl>
                 </p:cond>
               </p:prevCondLst>
               <p:nextCondLst>
-                <p:cond evt="onNext">
+                <p:cond evt="onNext" delay="0">
                   <p:tgtEl>
                     <p:sldTgt/>
                   </p:tgtEl>
@@ -5301,16 +5692,16 @@
       </p:par>
     </p:tnLst>
     <p:bldLst>
-      <p:bldP build="whole" bldLvl="1" animBg="1" rev="0" advAuto="0" spid="138" grpId="2"/>
-      <p:bldP build="whole" bldLvl="1" animBg="1" rev="0" advAuto="0" spid="136" grpId="3"/>
-      <p:bldP build="whole" bldLvl="1" animBg="1" rev="0" advAuto="0" spid="137" grpId="1"/>
+      <p:bldP spid="136" grpId="3" animBg="1" advAuto="0"/>
+      <p:bldP spid="137" grpId="1" animBg="1" advAuto="0"/>
+      <p:bldP spid="138" grpId="2" animBg="1" advAuto="0"/>
     </p:bldLst>
   </p:timing>
 </p:sld>
 </file>
 
 <file path=ppt/slides/slide3.xml><?xml version="1.0" encoding="utf-8"?>
-<p:sld xmlns:a="http://schemas.openxmlformats.org/drawingml/2006/main" xmlns:r="http://schemas.openxmlformats.org/officeDocument/2006/relationships" xmlns:p="http://schemas.openxmlformats.org/presentationml/2006/main" xmlns:m="http://schemas.openxmlformats.org/officeDocument/2006/math" xmlns:a14="http://schemas.microsoft.com/office/drawing/2010/main" showMasterSp="1" showMasterPhAnim="1">
+<p:sld xmlns:a="http://schemas.openxmlformats.org/drawingml/2006/main" xmlns:r="http://schemas.openxmlformats.org/officeDocument/2006/relationships" xmlns:p="http://schemas.openxmlformats.org/presentationml/2006/main">
   <p:cSld>
     <p:spTree>
       <p:nvGrpSpPr>
@@ -5345,7 +5736,7 @@
           </a:ln>
           <a:extLst>
             <a:ext uri="{C572A759-6A51-4108-AA02-DFA0A04FC94B}">
-              <ma14:wrappingTextBoxFlag xmlns:ma14="http://schemas.microsoft.com/office/mac/drawingml/2011/main" val="1"/>
+              <ma14:wrappingTextBoxFlag xmlns:ma14="http://schemas.microsoft.com/office/mac/drawingml/2011/main" xmlns:a14="http://schemas.microsoft.com/office/drawing/2010/main" xmlns:m="http://schemas.openxmlformats.org/officeDocument/2006/math" xmlns="" val="1"/>
             </a:ext>
           </a:extLst>
         </p:spPr>
@@ -5358,7 +5749,7 @@
               <a:lnSpc>
                 <a:spcPct val="90000"/>
               </a:lnSpc>
-              <a:defRPr cap="all" sz="3200">
+              <a:defRPr sz="3200" cap="all">
                 <a:solidFill>
                   <a:schemeClr val="accent1"/>
                 </a:solidFill>
@@ -5366,7 +5757,6 @@
             </a:lvl1pPr>
           </a:lstStyle>
           <a:p>
-            <a:pPr/>
             <a:r>
               <a:t>“démarche habituelle de fabrication”</a:t>
             </a:r>
@@ -5432,7 +5822,7 @@
                 </a:cxnLst>
                 <a:rect l="0" t="0" r="r" b="b"/>
                 <a:pathLst>
-                  <a:path w="21600" h="21600" fill="norm" stroke="1" extrusionOk="0">
+                  <a:path w="21600" h="21600" extrusionOk="0">
                     <a:moveTo>
                       <a:pt x="0" y="5400"/>
                     </a:moveTo>
@@ -5476,7 +5866,7 @@
               </a:bodyPr>
               <a:lstStyle/>
               <a:p>
-                <a:pPr/>
+                <a:endParaRPr/>
               </a:p>
             </p:txBody>
           </p:sp>
@@ -5502,7 +5892,7 @@
               <a:effectLst/>
               <a:extLst>
                 <a:ext uri="{C572A759-6A51-4108-AA02-DFA0A04FC94B}">
-                  <ma14:wrappingTextBoxFlag xmlns:ma14="http://schemas.microsoft.com/office/mac/drawingml/2011/main" val="1"/>
+                  <ma14:wrappingTextBoxFlag xmlns:ma14="http://schemas.microsoft.com/office/mac/drawingml/2011/main" xmlns:a14="http://schemas.microsoft.com/office/drawing/2010/main" xmlns:m="http://schemas.openxmlformats.org/officeDocument/2006/math" xmlns="" val="1"/>
                 </a:ext>
               </a:extLst>
             </p:spPr>
@@ -5522,7 +5912,6 @@
                 </a:lvl1pPr>
               </a:lstStyle>
               <a:p>
-                <a:pPr/>
                 <a:r>
                   <a:t>2016</a:t>
                 </a:r>
@@ -5568,6 +5957,7 @@
                     </a:solidFill>
                   </a:defRPr>
                 </a:pPr>
+                <a:endParaRPr/>
               </a:p>
             </p:txBody>
           </p:sp>
@@ -5610,6 +6000,7 @@
                     </a:solidFill>
                   </a:defRPr>
                 </a:pPr>
+                <a:endParaRPr/>
               </a:p>
             </p:txBody>
           </p:sp>
@@ -5636,7 +6027,7 @@
             <a:effectLst/>
             <a:extLst>
               <a:ext uri="{C572A759-6A51-4108-AA02-DFA0A04FC94B}">
-                <ma14:wrappingTextBoxFlag xmlns:ma14="http://schemas.microsoft.com/office/mac/drawingml/2011/main" val="1"/>
+                <ma14:wrappingTextBoxFlag xmlns:ma14="http://schemas.microsoft.com/office/mac/drawingml/2011/main" xmlns:a14="http://schemas.microsoft.com/office/drawing/2010/main" xmlns:m="http://schemas.openxmlformats.org/officeDocument/2006/math" xmlns="" val="1"/>
               </a:ext>
             </a:extLst>
           </p:spPr>
@@ -5656,7 +6047,6 @@
               </a:lvl1pPr>
             </a:lstStyle>
             <a:p>
-              <a:pPr/>
               <a:r>
                 <a:t>2017</a:t>
               </a:r>
@@ -5709,7 +6099,7 @@
               </a:cxnLst>
               <a:rect l="0" t="0" r="r" b="b"/>
               <a:pathLst>
-                <a:path w="21600" h="21600" fill="norm" stroke="1" extrusionOk="0">
+                <a:path w="21600" h="21600" extrusionOk="0">
                   <a:moveTo>
                     <a:pt x="0" y="1330"/>
                   </a:moveTo>
@@ -5773,7 +6163,7 @@
             </a:bodyPr>
             <a:lstStyle/>
             <a:p>
-              <a:pPr/>
+              <a:endParaRPr/>
             </a:p>
           </p:txBody>
         </p:sp>
@@ -5786,10 +6176,8 @@
             <p:nvPr/>
           </p:nvPicPr>
           <p:blipFill>
-            <a:blip r:embed="rId3">
-              <a:extLst/>
-            </a:blip>
-            <a:srcRect l="0" t="0" r="0" b="4"/>
+            <a:blip r:embed="rId3"/>
+            <a:srcRect b="4"/>
             <a:stretch>
               <a:fillRect/>
             </a:stretch>
@@ -5819,7 +6207,7 @@
               </a:cxnLst>
               <a:rect l="0" t="0" r="r" b="b"/>
               <a:pathLst>
-                <a:path w="21600" h="21600" fill="norm" stroke="1" extrusionOk="0">
+                <a:path w="21600" h="21600" extrusionOk="0">
                   <a:moveTo>
                     <a:pt x="1856" y="0"/>
                   </a:moveTo>
@@ -5864,7 +6252,7 @@
               <a:miter lim="400000"/>
             </a:ln>
             <a:effectLst>
-              <a:reflection blurRad="0" stA="38000" stPos="0" endA="0" endPos="40000" dist="0" dir="5400000" fadeDir="5400000" sx="100000" sy="-100000" kx="0" ky="0" algn="bl" rotWithShape="0"/>
+              <a:reflection stA="38000" endPos="40000" dir="5400000" sy="-100000" algn="bl" rotWithShape="0"/>
             </a:effectLst>
           </p:spPr>
         </p:pic>
@@ -5914,7 +6302,7 @@
               </a:cxnLst>
               <a:rect l="0" t="0" r="r" b="b"/>
               <a:pathLst>
-                <a:path w="21600" h="21600" fill="norm" stroke="1" extrusionOk="0">
+                <a:path w="21600" h="21600" extrusionOk="0">
                   <a:moveTo>
                     <a:pt x="0" y="1332"/>
                   </a:moveTo>
@@ -5978,7 +6366,7 @@
             </a:bodyPr>
             <a:lstStyle/>
             <a:p>
-              <a:pPr/>
+              <a:endParaRPr/>
             </a:p>
           </p:txBody>
         </p:sp>
@@ -5991,10 +6379,8 @@
             <p:nvPr/>
           </p:nvPicPr>
           <p:blipFill>
-            <a:blip r:embed="rId4">
-              <a:extLst/>
-            </a:blip>
-            <a:srcRect l="0" t="0" r="7" b="5"/>
+            <a:blip r:embed="rId4"/>
+            <a:srcRect r="7" b="5"/>
             <a:stretch>
               <a:fillRect/>
             </a:stretch>
@@ -6024,7 +6410,7 @@
               </a:cxnLst>
               <a:rect l="0" t="0" r="r" b="b"/>
               <a:pathLst>
-                <a:path w="21600" h="21600" fill="norm" stroke="1" extrusionOk="0">
+                <a:path w="21600" h="21600" extrusionOk="0">
                   <a:moveTo>
                     <a:pt x="1856" y="0"/>
                   </a:moveTo>
@@ -6069,7 +6455,7 @@
               <a:miter lim="400000"/>
             </a:ln>
             <a:effectLst>
-              <a:reflection blurRad="0" stA="38000" stPos="0" endA="0" endPos="40000" dist="0" dir="5400000" fadeDir="5400000" sx="100000" sy="-100000" kx="0" ky="0" algn="bl" rotWithShape="0"/>
+              <a:reflection stA="38000" endPos="40000" dir="5400000" sy="-100000" algn="bl" rotWithShape="0"/>
             </a:effectLst>
           </p:spPr>
         </p:pic>
@@ -6119,7 +6505,7 @@
               </a:cxnLst>
               <a:rect l="0" t="0" r="r" b="b"/>
               <a:pathLst>
-                <a:path w="21600" h="21600" fill="norm" stroke="1" extrusionOk="0">
+                <a:path w="21600" h="21600" extrusionOk="0">
                   <a:moveTo>
                     <a:pt x="0" y="1856"/>
                   </a:moveTo>
@@ -6183,7 +6569,7 @@
             </a:bodyPr>
             <a:lstStyle/>
             <a:p>
-              <a:pPr/>
+              <a:endParaRPr/>
             </a:p>
           </p:txBody>
         </p:sp>
@@ -6196,10 +6582,8 @@
             <p:nvPr/>
           </p:nvPicPr>
           <p:blipFill>
-            <a:blip r:embed="rId5">
-              <a:extLst/>
-            </a:blip>
-            <a:srcRect l="0" t="0" r="0" b="5"/>
+            <a:blip r:embed="rId5"/>
+            <a:srcRect b="5"/>
             <a:stretch>
               <a:fillRect/>
             </a:stretch>
@@ -6229,7 +6613,7 @@
               </a:cxnLst>
               <a:rect l="0" t="0" r="r" b="b"/>
               <a:pathLst>
-                <a:path w="21600" h="21600" fill="norm" stroke="1" extrusionOk="0">
+                <a:path w="21600" h="21600" extrusionOk="0">
                   <a:moveTo>
                     <a:pt x="1044" y="0"/>
                   </a:moveTo>
@@ -6274,7 +6658,7 @@
               <a:miter lim="400000"/>
             </a:ln>
             <a:effectLst>
-              <a:reflection blurRad="0" stA="38000" stPos="0" endA="0" endPos="40000" dist="0" dir="5400000" fadeDir="5400000" sx="100000" sy="-100000" kx="0" ky="0" algn="bl" rotWithShape="0"/>
+              <a:reflection stA="38000" endPos="40000" dir="5400000" sy="-100000" algn="bl" rotWithShape="0"/>
             </a:effectLst>
           </p:spPr>
         </p:pic>
@@ -6324,7 +6708,7 @@
               </a:cxnLst>
               <a:rect l="0" t="0" r="r" b="b"/>
               <a:pathLst>
-                <a:path w="21600" h="21600" fill="norm" stroke="1" extrusionOk="0">
+                <a:path w="21600" h="21600" extrusionOk="0">
                   <a:moveTo>
                     <a:pt x="0" y="1856"/>
                   </a:moveTo>
@@ -6388,7 +6772,7 @@
             </a:bodyPr>
             <a:lstStyle/>
             <a:p>
-              <a:pPr/>
+              <a:endParaRPr/>
             </a:p>
           </p:txBody>
         </p:sp>
@@ -6401,10 +6785,8 @@
             <p:nvPr/>
           </p:nvPicPr>
           <p:blipFill>
-            <a:blip r:embed="rId6">
-              <a:extLst/>
-            </a:blip>
-            <a:srcRect l="0" t="0" r="0" b="0"/>
+            <a:blip r:embed="rId6"/>
+            <a:srcRect/>
             <a:stretch>
               <a:fillRect/>
             </a:stretch>
@@ -6434,7 +6816,7 @@
               </a:cxnLst>
               <a:rect l="0" t="0" r="r" b="b"/>
               <a:pathLst>
-                <a:path w="21600" h="21600" fill="norm" stroke="1" extrusionOk="0">
+                <a:path w="21600" h="21600" extrusionOk="0">
                   <a:moveTo>
                     <a:pt x="1857" y="0"/>
                   </a:moveTo>
@@ -6479,7 +6861,7 @@
               <a:miter lim="400000"/>
             </a:ln>
             <a:effectLst>
-              <a:reflection blurRad="0" stA="38000" stPos="0" endA="0" endPos="40000" dist="0" dir="5400000" fadeDir="5400000" sx="100000" sy="-100000" kx="0" ky="0" algn="bl" rotWithShape="0"/>
+              <a:reflection stA="38000" endPos="40000" dir="5400000" sy="-100000" algn="bl" rotWithShape="0"/>
             </a:effectLst>
           </p:spPr>
         </p:pic>
@@ -6529,7 +6911,7 @@
               </a:cxnLst>
               <a:rect l="0" t="0" r="r" b="b"/>
               <a:pathLst>
-                <a:path w="21600" h="21600" fill="norm" stroke="1" extrusionOk="0">
+                <a:path w="21600" h="21600" extrusionOk="0">
                   <a:moveTo>
                     <a:pt x="0" y="1856"/>
                   </a:moveTo>
@@ -6593,7 +6975,7 @@
             </a:bodyPr>
             <a:lstStyle/>
             <a:p>
-              <a:pPr/>
+              <a:endParaRPr/>
             </a:p>
           </p:txBody>
         </p:sp>
@@ -6606,10 +6988,8 @@
             <p:nvPr/>
           </p:nvPicPr>
           <p:blipFill>
-            <a:blip r:embed="rId7">
-              <a:extLst/>
-            </a:blip>
-            <a:srcRect l="0" t="0" r="0" b="3"/>
+            <a:blip r:embed="rId7"/>
+            <a:srcRect b="3"/>
             <a:stretch>
               <a:fillRect/>
             </a:stretch>
@@ -6639,7 +7019,7 @@
               </a:cxnLst>
               <a:rect l="0" t="0" r="r" b="b"/>
               <a:pathLst>
-                <a:path w="21600" h="21600" fill="norm" stroke="1" extrusionOk="0">
+                <a:path w="21600" h="21600" extrusionOk="0">
                   <a:moveTo>
                     <a:pt x="1045" y="0"/>
                   </a:moveTo>
@@ -6684,7 +7064,7 @@
               <a:miter lim="400000"/>
             </a:ln>
             <a:effectLst>
-              <a:reflection blurRad="0" stA="38000" stPos="0" endA="0" endPos="40000" dist="0" dir="5400000" fadeDir="5400000" sx="100000" sy="-100000" kx="0" ky="0" algn="bl" rotWithShape="0"/>
+              <a:reflection stA="38000" endPos="40000" dir="5400000" sy="-100000" algn="bl" rotWithShape="0"/>
             </a:effectLst>
           </p:spPr>
         </p:pic>
@@ -6734,7 +7114,7 @@
               </a:cxnLst>
               <a:rect l="0" t="0" r="r" b="b"/>
               <a:pathLst>
-                <a:path w="21600" h="21600" fill="norm" stroke="1" extrusionOk="0">
+                <a:path w="21600" h="21600" extrusionOk="0">
                   <a:moveTo>
                     <a:pt x="0" y="1427"/>
                   </a:moveTo>
@@ -6798,7 +7178,7 @@
             </a:bodyPr>
             <a:lstStyle/>
             <a:p>
-              <a:pPr/>
+              <a:endParaRPr/>
             </a:p>
           </p:txBody>
         </p:sp>
@@ -6811,10 +7191,8 @@
             <p:nvPr/>
           </p:nvPicPr>
           <p:blipFill>
-            <a:blip r:embed="rId8">
-              <a:extLst/>
-            </a:blip>
-            <a:srcRect l="0" t="0" r="1" b="0"/>
+            <a:blip r:embed="rId8"/>
+            <a:srcRect r="1"/>
             <a:stretch>
               <a:fillRect/>
             </a:stretch>
@@ -6844,7 +7222,7 @@
               </a:cxnLst>
               <a:rect l="0" t="0" r="r" b="b"/>
               <a:pathLst>
-                <a:path w="21600" h="21600" fill="norm" stroke="1" extrusionOk="0">
+                <a:path w="21600" h="21600" extrusionOk="0">
                   <a:moveTo>
                     <a:pt x="1857" y="0"/>
                   </a:moveTo>
@@ -6889,7 +7267,7 @@
               <a:miter lim="400000"/>
             </a:ln>
             <a:effectLst>
-              <a:reflection blurRad="0" stA="38000" stPos="0" endA="0" endPos="40000" dist="0" dir="5400000" fadeDir="5400000" sx="100000" sy="-100000" kx="0" ky="0" algn="bl" rotWithShape="0"/>
+              <a:reflection stA="38000" endPos="40000" dir="5400000" sy="-100000" algn="bl" rotWithShape="0"/>
             </a:effectLst>
           </p:spPr>
         </p:pic>
@@ -6928,6 +7306,7 @@
                 </a:solidFill>
               </a:defRPr>
             </a:pPr>
+            <a:endParaRPr/>
           </a:p>
         </p:txBody>
       </p:sp>
@@ -6965,6 +7344,7 @@
                 </a:solidFill>
               </a:defRPr>
             </a:pPr>
+            <a:endParaRPr/>
           </a:p>
         </p:txBody>
       </p:sp>
@@ -6987,7 +7367,7 @@
           </a:ln>
           <a:extLst>
             <a:ext uri="{C572A759-6A51-4108-AA02-DFA0A04FC94B}">
-              <ma14:wrappingTextBoxFlag xmlns:ma14="http://schemas.microsoft.com/office/mac/drawingml/2011/main" val="1"/>
+              <ma14:wrappingTextBoxFlag xmlns:ma14="http://schemas.microsoft.com/office/mac/drawingml/2011/main" xmlns:a14="http://schemas.microsoft.com/office/drawing/2010/main" xmlns:m="http://schemas.openxmlformats.org/officeDocument/2006/math" xmlns="" val="1"/>
             </a:ext>
           </a:extLst>
         </p:spPr>
@@ -7000,7 +7380,7 @@
               <a:lnSpc>
                 <a:spcPct val="90000"/>
               </a:lnSpc>
-              <a:defRPr cap="all" sz="3200">
+              <a:defRPr sz="3200" cap="all">
                 <a:solidFill>
                   <a:schemeClr val="accent1"/>
                 </a:solidFill>
@@ -7008,7 +7388,6 @@
             </a:lvl1pPr>
           </a:lstStyle>
           <a:p>
-            <a:pPr/>
             <a:r>
               <a:t>UNE ANNée </a:t>
             </a:r>
@@ -7052,6 +7431,7 @@
                 </a:solidFill>
               </a:defRPr>
             </a:pPr>
+            <a:endParaRPr/>
           </a:p>
         </p:txBody>
       </p:sp>
@@ -7060,14 +7440,14 @@
   <p:clrMapOvr>
     <a:masterClrMapping/>
   </p:clrMapOvr>
-  <p:transition xmlns:p14="http://schemas.microsoft.com/office/powerpoint/2010/main" spd="med" advClick="1"/>
+  <p:transition spd="med"/>
   <p:timing>
     <p:tnLst>
       <p:par>
-        <p:cTn id="1" nodeType="tmRoot" restart="never" dur="indefinite" fill="hold">
+        <p:cTn id="1" dur="indefinite" restart="never" fill="hold" nodeType="tmRoot">
           <p:childTnLst>
             <p:seq concurrent="1" prevAc="none" nextAc="seek">
-              <p:cTn id="2" nodeType="mainSeq" dur="indefinite" fill="hold">
+              <p:cTn id="2" dur="indefinite" fill="hold" nodeType="mainSeq">
                 <p:childTnLst>
                   <p:par>
                     <p:cTn id="3" fill="hold">
@@ -7082,11 +7462,11 @@
                             </p:stCondLst>
                             <p:childTnLst>
                               <p:par>
-                                <p:cTn id="5" presetClass="entr" nodeType="clickEffect" presetSubtype="4" presetID="2" grpId="1" fill="hold">
+                                <p:cTn id="5" presetID="2" presetClass="entr" presetSubtype="4" fill="hold" grpId="1" nodeType="clickEffect">
                                   <p:stCondLst>
                                     <p:cond delay="0"/>
                                   </p:stCondLst>
-                                  <p:iterate type="el" backwards="0">
+                                  <p:iterate>
                                     <p:tmAbs val="0"/>
                                   </p:iterate>
                                   <p:childTnLst>
@@ -7172,11 +7552,11 @@
                             </p:stCondLst>
                             <p:childTnLst>
                               <p:par>
-                                <p:cTn id="11" presetClass="entr" nodeType="clickEffect" presetSubtype="4" presetID="2" grpId="2" fill="hold">
+                                <p:cTn id="11" presetID="2" presetClass="entr" presetSubtype="4" fill="hold" grpId="2" nodeType="clickEffect">
                                   <p:stCondLst>
                                     <p:cond delay="0"/>
                                   </p:stCondLst>
-                                  <p:iterate type="el" backwards="0">
+                                  <p:iterate>
                                     <p:tmAbs val="0"/>
                                   </p:iterate>
                                   <p:childTnLst>
@@ -7262,11 +7642,11 @@
                             </p:stCondLst>
                             <p:childTnLst>
                               <p:par>
-                                <p:cTn id="17" presetClass="entr" nodeType="clickEffect" presetSubtype="4" presetID="2" grpId="3" fill="hold">
+                                <p:cTn id="17" presetID="2" presetClass="entr" presetSubtype="4" fill="hold" grpId="3" nodeType="clickEffect">
                                   <p:stCondLst>
                                     <p:cond delay="0"/>
                                   </p:stCondLst>
-                                  <p:iterate type="el" backwards="0">
+                                  <p:iterate>
                                     <p:tmAbs val="0"/>
                                   </p:iterate>
                                   <p:childTnLst>
@@ -7352,11 +7732,11 @@
                             </p:stCondLst>
                             <p:childTnLst>
                               <p:par>
-                                <p:cTn id="23" presetClass="entr" nodeType="clickEffect" presetSubtype="4" presetID="2" grpId="4" fill="hold">
+                                <p:cTn id="23" presetID="2" presetClass="entr" presetSubtype="4" fill="hold" grpId="4" nodeType="clickEffect">
                                   <p:stCondLst>
                                     <p:cond delay="0"/>
                                   </p:stCondLst>
-                                  <p:iterate type="el" backwards="0">
+                                  <p:iterate>
                                     <p:tmAbs val="0"/>
                                   </p:iterate>
                                   <p:childTnLst>
@@ -7442,11 +7822,11 @@
                             </p:stCondLst>
                             <p:childTnLst>
                               <p:par>
-                                <p:cTn id="29" presetClass="entr" nodeType="clickEffect" presetSubtype="4" presetID="2" grpId="5" fill="hold">
+                                <p:cTn id="29" presetID="2" presetClass="entr" presetSubtype="4" fill="hold" grpId="5" nodeType="clickEffect">
                                   <p:stCondLst>
                                     <p:cond delay="0"/>
                                   </p:stCondLst>
-                                  <p:iterate type="el" backwards="0">
+                                  <p:iterate>
                                     <p:tmAbs val="0"/>
                                   </p:iterate>
                                   <p:childTnLst>
@@ -7532,11 +7912,11 @@
                             </p:stCondLst>
                             <p:childTnLst>
                               <p:par>
-                                <p:cTn id="35" presetClass="entr" nodeType="clickEffect" presetSubtype="4" presetID="2" grpId="6" fill="hold">
+                                <p:cTn id="35" presetID="2" presetClass="entr" presetSubtype="4" fill="hold" grpId="6" nodeType="clickEffect">
                                   <p:stCondLst>
                                     <p:cond delay="0"/>
                                   </p:stCondLst>
-                                  <p:iterate type="el" backwards="0">
+                                  <p:iterate>
                                     <p:tmAbs val="0"/>
                                   </p:iterate>
                                   <p:childTnLst>
@@ -7622,11 +8002,11 @@
                             </p:stCondLst>
                             <p:childTnLst>
                               <p:par>
-                                <p:cTn id="41" presetClass="entr" nodeType="clickEffect" presetSubtype="0" presetID="1" grpId="7" fill="hold">
+                                <p:cTn id="41" presetID="1" presetClass="entr" presetSubtype="0" fill="hold" grpId="7" nodeType="clickEffect">
                                   <p:stCondLst>
                                     <p:cond delay="0"/>
                                   </p:stCondLst>
-                                  <p:iterate type="el" backwards="0">
+                                  <p:iterate>
                                     <p:tmAbs val="0"/>
                                   </p:iterate>
                                   <p:childTnLst>
@@ -7657,11 +8037,11 @@
                             </p:stCondLst>
                             <p:childTnLst>
                               <p:par>
-                                <p:cTn id="44" presetClass="entr" nodeType="afterEffect" presetSubtype="0" presetID="1" grpId="8" fill="hold">
+                                <p:cTn id="44" presetID="1" presetClass="entr" presetSubtype="0" fill="hold" grpId="8" nodeType="afterEffect">
                                   <p:stCondLst>
                                     <p:cond delay="0"/>
                                   </p:stCondLst>
-                                  <p:iterate type="el" backwards="0">
+                                  <p:iterate>
                                     <p:tmAbs val="0"/>
                                   </p:iterate>
                                   <p:childTnLst>
@@ -7691,14 +8071,14 @@
                 </p:childTnLst>
               </p:cTn>
               <p:prevCondLst>
-                <p:cond evt="onPrev">
+                <p:cond evt="onPrev" delay="0">
                   <p:tgtEl>
                     <p:sldTgt/>
                   </p:tgtEl>
                 </p:cond>
               </p:prevCondLst>
               <p:nextCondLst>
-                <p:cond evt="onNext">
+                <p:cond evt="onNext" delay="0">
                   <p:tgtEl>
                     <p:sldTgt/>
                   </p:tgtEl>
@@ -7710,21 +8090,21 @@
       </p:par>
     </p:tnLst>
     <p:bldLst>
-      <p:bldP build="whole" bldLvl="1" animBg="1" rev="0" advAuto="0" spid="156" grpId="3"/>
-      <p:bldP build="whole" bldLvl="1" animBg="1" rev="0" advAuto="0" spid="150" grpId="1"/>
-      <p:bldP build="whole" bldLvl="1" animBg="1" rev="0" advAuto="0" spid="153" grpId="2"/>
-      <p:bldP build="whole" bldLvl="1" animBg="1" rev="0" advAuto="0" spid="159" grpId="4"/>
-      <p:bldP build="whole" bldLvl="1" animBg="1" rev="0" advAuto="0" spid="165" grpId="6"/>
-      <p:bldP build="whole" bldLvl="1" animBg="1" rev="0" advAuto="0" spid="162" grpId="5"/>
-      <p:bldP build="whole" bldLvl="1" animBg="1" rev="0" advAuto="0" spid="168" grpId="8"/>
-      <p:bldP build="whole" bldLvl="1" animBg="1" rev="0" advAuto="0" spid="169" grpId="7"/>
+      <p:bldP spid="150" grpId="1" animBg="1" advAuto="0"/>
+      <p:bldP spid="153" grpId="2" animBg="1" advAuto="0"/>
+      <p:bldP spid="156" grpId="3" animBg="1" advAuto="0"/>
+      <p:bldP spid="159" grpId="4" animBg="1" advAuto="0"/>
+      <p:bldP spid="162" grpId="5" animBg="1" advAuto="0"/>
+      <p:bldP spid="165" grpId="6" animBg="1" advAuto="0"/>
+      <p:bldP spid="168" grpId="8" animBg="1" advAuto="0"/>
+      <p:bldP spid="169" grpId="7" animBg="1" advAuto="0"/>
     </p:bldLst>
   </p:timing>
 </p:sld>
 </file>
 
 <file path=ppt/slides/slide4.xml><?xml version="1.0" encoding="utf-8"?>
-<p:sld xmlns:a="http://schemas.openxmlformats.org/drawingml/2006/main" xmlns:r="http://schemas.openxmlformats.org/officeDocument/2006/relationships" xmlns:p="http://schemas.openxmlformats.org/presentationml/2006/main" xmlns:m="http://schemas.openxmlformats.org/officeDocument/2006/math" xmlns:a14="http://schemas.microsoft.com/office/drawing/2010/main" showMasterSp="1" showMasterPhAnim="1">
+<p:sld xmlns:a="http://schemas.openxmlformats.org/drawingml/2006/main" xmlns:r="http://schemas.openxmlformats.org/officeDocument/2006/relationships" xmlns:p="http://schemas.openxmlformats.org/presentationml/2006/main">
   <p:cSld>
     <p:spTree>
       <p:nvGrpSpPr>
@@ -7759,7 +8139,7 @@
           </a:ln>
           <a:extLst>
             <a:ext uri="{C572A759-6A51-4108-AA02-DFA0A04FC94B}">
-              <ma14:wrappingTextBoxFlag xmlns:ma14="http://schemas.microsoft.com/office/mac/drawingml/2011/main" val="1"/>
+              <ma14:wrappingTextBoxFlag xmlns:ma14="http://schemas.microsoft.com/office/mac/drawingml/2011/main" xmlns:a14="http://schemas.microsoft.com/office/drawing/2010/main" xmlns:m="http://schemas.openxmlformats.org/officeDocument/2006/math" xmlns="" val="1"/>
             </a:ext>
           </a:extLst>
         </p:spPr>
@@ -7772,7 +8152,7 @@
               <a:lnSpc>
                 <a:spcPct val="90000"/>
               </a:lnSpc>
-              <a:defRPr cap="all" sz="3200">
+              <a:defRPr sz="3200" cap="all">
                 <a:solidFill>
                   <a:schemeClr val="accent1"/>
                 </a:solidFill>
@@ -7780,7 +8160,6 @@
             </a:lvl1pPr>
           </a:lstStyle>
           <a:p>
-            <a:pPr/>
             <a:r>
               <a:t>“LES CONFLITS S’ETENDENT…”</a:t>
             </a:r>
@@ -7796,9 +8175,7 @@
           <p:nvPr/>
         </p:nvPicPr>
         <p:blipFill>
-          <a:blip r:embed="rId2">
-            <a:extLst/>
-          </a:blip>
+          <a:blip r:embed="rId2"/>
           <a:stretch>
             <a:fillRect/>
           </a:stretch>
@@ -7847,7 +8224,7 @@
             </a:cxnLst>
             <a:rect l="0" t="0" r="r" b="b"/>
             <a:pathLst>
-              <a:path w="21600" h="21600" fill="norm" stroke="1" extrusionOk="0">
+              <a:path w="21600" h="21600" extrusionOk="0">
                 <a:moveTo>
                   <a:pt x="10800" y="5800"/>
                 </a:moveTo>
@@ -7947,6 +8324,7 @@
                 </a:solidFill>
               </a:defRPr>
             </a:pPr>
+            <a:endParaRPr/>
           </a:p>
         </p:txBody>
       </p:sp>
@@ -7981,7 +8359,7 @@
             </a:cxnLst>
             <a:rect l="0" t="0" r="r" b="b"/>
             <a:pathLst>
-              <a:path w="21600" h="21600" fill="norm" stroke="1" extrusionOk="0">
+              <a:path w="21600" h="21600" extrusionOk="0">
                 <a:moveTo>
                   <a:pt x="10800" y="5800"/>
                 </a:moveTo>
@@ -8081,6 +8459,7 @@
                 </a:solidFill>
               </a:defRPr>
             </a:pPr>
+            <a:endParaRPr/>
           </a:p>
         </p:txBody>
       </p:sp>
@@ -8103,7 +8482,7 @@
           </a:ln>
           <a:extLst>
             <a:ext uri="{C572A759-6A51-4108-AA02-DFA0A04FC94B}">
-              <ma14:wrappingTextBoxFlag xmlns:ma14="http://schemas.microsoft.com/office/mac/drawingml/2011/main" val="1"/>
+              <ma14:wrappingTextBoxFlag xmlns:ma14="http://schemas.microsoft.com/office/mac/drawingml/2011/main" xmlns:a14="http://schemas.microsoft.com/office/drawing/2010/main" xmlns:m="http://schemas.openxmlformats.org/officeDocument/2006/math" xmlns="" val="1"/>
             </a:ext>
           </a:extLst>
         </p:spPr>
@@ -8117,7 +8496,7 @@
               <a:lnSpc>
                 <a:spcPct val="90000"/>
               </a:lnSpc>
-              <a:defRPr cap="all" sz="2000">
+              <a:defRPr sz="2000" cap="all">
                 <a:solidFill>
                   <a:schemeClr val="accent1"/>
                 </a:solidFill>
@@ -8132,7 +8511,7 @@
               <a:lnSpc>
                 <a:spcPct val="90000"/>
               </a:lnSpc>
-              <a:defRPr cap="all" sz="2000">
+              <a:defRPr sz="2000" cap="all">
                 <a:solidFill>
                   <a:schemeClr val="accent1"/>
                 </a:solidFill>
@@ -8175,7 +8554,7 @@
             </a:cxnLst>
             <a:rect l="0" t="0" r="r" b="b"/>
             <a:pathLst>
-              <a:path w="21600" h="21600" fill="norm" stroke="1" extrusionOk="0">
+              <a:path w="21600" h="21600" extrusionOk="0">
                 <a:moveTo>
                   <a:pt x="10800" y="5800"/>
                 </a:moveTo>
@@ -8275,6 +8654,7 @@
                 </a:solidFill>
               </a:defRPr>
             </a:pPr>
+            <a:endParaRPr/>
           </a:p>
         </p:txBody>
       </p:sp>
@@ -8283,20 +8663,20 @@
   <p:clrMapOvr>
     <a:masterClrMapping/>
   </p:clrMapOvr>
-  <p:transition xmlns:p14="http://schemas.microsoft.com/office/powerpoint/2010/main" spd="med" advClick="1"/>
+  <p:transition spd="med"/>
   <p:timing>
     <p:tnLst>
       <p:par>
-        <p:cTn id="1" nodeType="tmRoot" restart="never" dur="indefinite" fill="hold">
+        <p:cTn id="1" dur="indefinite" restart="never" fill="hold" nodeType="tmRoot">
           <p:childTnLst>
             <p:seq concurrent="1" prevAc="none" nextAc="seek">
-              <p:cTn id="2" nodeType="mainSeq" dur="indefinite" fill="hold">
+              <p:cTn id="2" dur="indefinite" fill="hold" nodeType="mainSeq">
                 <p:childTnLst>
                   <p:par>
                     <p:cTn id="3" fill="hold">
                       <p:stCondLst>
                         <p:cond delay="indefinite"/>
-                        <p:cond evt="onBegin">
+                        <p:cond evt="onBegin" delay="0">
                           <p:tn val="2"/>
                         </p:cond>
                       </p:stCondLst>
@@ -8308,11 +8688,11 @@
                             </p:stCondLst>
                             <p:childTnLst>
                               <p:par>
-                                <p:cTn id="5" presetClass="entr" nodeType="afterEffect" presetSubtype="4" presetID="2" grpId="1" fill="hold">
+                                <p:cTn id="5" presetID="2" presetClass="entr" presetSubtype="4" fill="hold" grpId="1" nodeType="afterEffect">
                                   <p:stCondLst>
                                     <p:cond delay="0"/>
                                   </p:stCondLst>
-                                  <p:iterate type="el" backwards="0">
+                                  <p:iterate>
                                     <p:tmAbs val="0"/>
                                   </p:iterate>
                                   <p:childTnLst>
@@ -8389,11 +8769,11 @@
                             </p:stCondLst>
                             <p:childTnLst>
                               <p:par>
-                                <p:cTn id="10" presetClass="entr" nodeType="afterEffect" presetSubtype="4" presetID="2" grpId="2" fill="hold">
+                                <p:cTn id="10" presetID="2" presetClass="entr" presetSubtype="4" fill="hold" grpId="2" nodeType="afterEffect">
                                   <p:stCondLst>
                                     <p:cond delay="0"/>
                                   </p:stCondLst>
-                                  <p:iterate type="el" backwards="0">
+                                  <p:iterate>
                                     <p:tmAbs val="0"/>
                                   </p:iterate>
                                   <p:childTnLst>
@@ -8470,11 +8850,11 @@
                             </p:stCondLst>
                             <p:childTnLst>
                               <p:par>
-                                <p:cTn id="15" presetClass="entr" nodeType="afterEffect" presetSubtype="4" presetID="2" grpId="3" fill="hold">
+                                <p:cTn id="15" presetID="2" presetClass="entr" presetSubtype="4" fill="hold" grpId="3" nodeType="afterEffect">
                                   <p:stCondLst>
                                     <p:cond delay="0"/>
                                   </p:stCondLst>
-                                  <p:iterate type="el" backwards="0">
+                                  <p:iterate>
                                     <p:tmAbs val="0"/>
                                   </p:iterate>
                                   <p:childTnLst>
@@ -8550,14 +8930,14 @@
                 </p:childTnLst>
               </p:cTn>
               <p:prevCondLst>
-                <p:cond evt="onPrev">
+                <p:cond evt="onPrev" delay="0">
                   <p:tgtEl>
                     <p:sldTgt/>
                   </p:tgtEl>
                 </p:cond>
               </p:prevCondLst>
               <p:nextCondLst>
-                <p:cond evt="onNext">
+                <p:cond evt="onNext" delay="0">
                   <p:tgtEl>
                     <p:sldTgt/>
                   </p:tgtEl>
@@ -8569,16 +8949,16 @@
       </p:par>
     </p:tnLst>
     <p:bldLst>
-      <p:bldP build="whole" bldLvl="1" animBg="1" rev="0" advAuto="0" spid="176" grpId="1"/>
-      <p:bldP build="whole" bldLvl="1" animBg="1" rev="0" advAuto="0" spid="177" grpId="2"/>
-      <p:bldP build="whole" bldLvl="1" animBg="1" rev="0" advAuto="0" spid="178" grpId="3"/>
+      <p:bldP spid="176" grpId="1" animBg="1" advAuto="0"/>
+      <p:bldP spid="177" grpId="2" animBg="1" advAuto="0"/>
+      <p:bldP spid="178" grpId="3" animBg="1" advAuto="0"/>
     </p:bldLst>
   </p:timing>
 </p:sld>
 </file>
 
 <file path=ppt/slides/slide5.xml><?xml version="1.0" encoding="utf-8"?>
-<p:sld xmlns:a="http://schemas.openxmlformats.org/drawingml/2006/main" xmlns:r="http://schemas.openxmlformats.org/officeDocument/2006/relationships" xmlns:p="http://schemas.openxmlformats.org/presentationml/2006/main" xmlns:m="http://schemas.openxmlformats.org/officeDocument/2006/math" xmlns:a14="http://schemas.microsoft.com/office/drawing/2010/main" showMasterSp="1" showMasterPhAnim="1">
+<p:sld xmlns:a="http://schemas.openxmlformats.org/drawingml/2006/main" xmlns:r="http://schemas.openxmlformats.org/officeDocument/2006/relationships" xmlns:p="http://schemas.openxmlformats.org/presentationml/2006/main">
   <p:cSld>
     <p:spTree>
       <p:nvGrpSpPr>
@@ -8603,7 +8983,7 @@
         <p:spPr>
           <a:xfrm>
             <a:off x="1451577" y="2753149"/>
-            <a:ext cx="9603277" cy="1861821"/>
+            <a:ext cx="9603277" cy="1643527"/>
           </a:xfrm>
           <a:prstGeom prst="rect">
             <a:avLst/>
@@ -8613,7 +8993,7 @@
           </a:ln>
           <a:extLst>
             <a:ext uri="{C572A759-6A51-4108-AA02-DFA0A04FC94B}">
-              <ma14:wrappingTextBoxFlag xmlns:ma14="http://schemas.microsoft.com/office/mac/drawingml/2011/main" val="1"/>
+              <ma14:wrappingTextBoxFlag xmlns:ma14="http://schemas.microsoft.com/office/mac/drawingml/2011/main" xmlns:a14="http://schemas.microsoft.com/office/drawing/2010/main" xmlns:m="http://schemas.openxmlformats.org/officeDocument/2006/math" xmlns="" val="1"/>
             </a:ext>
           </a:extLst>
         </p:spPr>
@@ -8629,14 +9009,95 @@
               </a:lnSpc>
               <a:buSzPct val="100000"/>
               <a:buChar char="-"/>
-              <a:defRPr cap="all" sz="2800">
+              <a:defRPr sz="2800" cap="all">
                 <a:solidFill>
                   <a:schemeClr val="accent1"/>
                 </a:solidFill>
               </a:defRPr>
             </a:pPr>
             <a:r>
-              <a:t>DEFINIR UNE VALEUR DE PROTECTION DES ELEMENTS DE 1 à 10. Plusieurs éléments peuvent avoir la même valeur.</a:t>
+              <a:rPr dirty="0"/>
+              <a:t>DEFINIR UNE VALEUR DE PROTECTION DES </a:t>
+            </a:r>
+            <a:r>
+              <a:rPr lang="fr-FR" dirty="0" err="1"/>
+              <a:t>É</a:t>
+            </a:r>
+            <a:r>
+              <a:rPr dirty="0"/>
+              <a:t>L</a:t>
+            </a:r>
+            <a:r>
+              <a:rPr lang="fr-FR" dirty="0" err="1"/>
+              <a:t>É</a:t>
+            </a:r>
+            <a:r>
+              <a:rPr dirty="0"/>
+              <a:t>MENTS DE </a:t>
+            </a:r>
+            <a:r>
+              <a:rPr lang="fr-FR" dirty="0"/>
+              <a:t>1</a:t>
+            </a:r>
+            <a:r>
+              <a:rPr dirty="0"/>
+              <a:t> </a:t>
+            </a:r>
+            <a:r>
+              <a:rPr dirty="0" err="1"/>
+              <a:t>à</a:t>
+            </a:r>
+            <a:r>
+              <a:rPr dirty="0"/>
+              <a:t> 10. </a:t>
+            </a:r>
+            <a:r>
+              <a:rPr dirty="0" err="1"/>
+              <a:t>Plusieurs</a:t>
+            </a:r>
+            <a:r>
+              <a:rPr dirty="0"/>
+              <a:t> </a:t>
+            </a:r>
+            <a:r>
+              <a:rPr dirty="0" err="1"/>
+              <a:t>éléments</a:t>
+            </a:r>
+            <a:r>
+              <a:rPr dirty="0"/>
+              <a:t> </a:t>
+            </a:r>
+            <a:r>
+              <a:rPr dirty="0" err="1"/>
+              <a:t>peuvent</a:t>
+            </a:r>
+            <a:r>
+              <a:rPr dirty="0"/>
+              <a:t> </a:t>
+            </a:r>
+            <a:r>
+              <a:rPr dirty="0" err="1"/>
+              <a:t>avoir</a:t>
+            </a:r>
+            <a:r>
+              <a:rPr dirty="0"/>
+              <a:t> la </a:t>
+            </a:r>
+            <a:r>
+              <a:rPr dirty="0" err="1"/>
+              <a:t>même</a:t>
+            </a:r>
+            <a:r>
+              <a:rPr dirty="0"/>
+              <a:t> </a:t>
+            </a:r>
+            <a:r>
+              <a:rPr dirty="0" err="1"/>
+              <a:t>valeur</a:t>
+            </a:r>
+            <a:r>
+              <a:rPr dirty="0"/>
+              <a:t>.</a:t>
             </a:r>
           </a:p>
           <a:p>
@@ -8646,12 +9107,13 @@
               </a:lnSpc>
               <a:buSzPct val="100000"/>
               <a:buChar char="-"/>
-              <a:defRPr cap="all" sz="2800">
+              <a:defRPr sz="2800" cap="all">
                 <a:solidFill>
                   <a:schemeClr val="accent1"/>
                 </a:solidFill>
               </a:defRPr>
             </a:pPr>
+            <a:endParaRPr dirty="0"/>
           </a:p>
         </p:txBody>
       </p:sp>
@@ -8674,7 +9136,7 @@
           </a:ln>
           <a:extLst>
             <a:ext uri="{C572A759-6A51-4108-AA02-DFA0A04FC94B}">
-              <ma14:wrappingTextBoxFlag xmlns:ma14="http://schemas.microsoft.com/office/mac/drawingml/2011/main" val="1"/>
+              <ma14:wrappingTextBoxFlag xmlns:ma14="http://schemas.microsoft.com/office/mac/drawingml/2011/main" xmlns:a14="http://schemas.microsoft.com/office/drawing/2010/main" xmlns:m="http://schemas.openxmlformats.org/officeDocument/2006/math" xmlns="" val="1"/>
             </a:ext>
           </a:extLst>
         </p:spPr>
@@ -8687,7 +9149,7 @@
               <a:lnSpc>
                 <a:spcPct val="90000"/>
               </a:lnSpc>
-              <a:defRPr cap="all" sz="3200">
+              <a:defRPr sz="3200" cap="all">
                 <a:solidFill>
                   <a:schemeClr val="accent1"/>
                 </a:solidFill>
@@ -8695,7 +9157,6 @@
             </a:lvl1pPr>
           </a:lstStyle>
           <a:p>
-            <a:pPr/>
             <a:r>
               <a:t>“C’est a vous de JOUER …”</a:t>
             </a:r>
@@ -8707,14 +9168,14 @@
   <p:clrMapOvr>
     <a:masterClrMapping/>
   </p:clrMapOvr>
-  <p:transition xmlns:p14="http://schemas.microsoft.com/office/powerpoint/2010/main" spd="med" advClick="1"/>
+  <p:transition spd="med"/>
   <p:timing>
     <p:tnLst>
       <p:par>
-        <p:cTn id="1" nodeType="tmRoot" restart="never" dur="indefinite" fill="hold">
+        <p:cTn id="1" dur="indefinite" restart="never" fill="hold" nodeType="tmRoot">
           <p:childTnLst>
             <p:seq concurrent="1" prevAc="none" nextAc="seek">
-              <p:cTn id="2" nodeType="mainSeq" dur="indefinite" fill="hold">
+              <p:cTn id="2" dur="indefinite" fill="hold" nodeType="mainSeq">
                 <p:childTnLst>
                   <p:par>
                     <p:cTn id="3" fill="hold">
@@ -8729,11 +9190,11 @@
                             </p:stCondLst>
                             <p:childTnLst>
                               <p:par>
-                                <p:cTn id="5" presetClass="entr" nodeType="clickEffect" presetSubtype="4" presetID="2" grpId="1" fill="hold">
+                                <p:cTn id="5" presetID="2" presetClass="entr" presetSubtype="4" fill="hold" grpId="1" nodeType="clickEffect">
                                   <p:stCondLst>
                                     <p:cond delay="0"/>
                                   </p:stCondLst>
-                                  <p:iterate type="el" backwards="0">
+                                  <p:iterate>
                                     <p:tmAbs val="0"/>
                                   </p:iterate>
                                   <p:childTnLst>
@@ -8809,14 +9270,14 @@
                 </p:childTnLst>
               </p:cTn>
               <p:prevCondLst>
-                <p:cond evt="onPrev">
+                <p:cond evt="onPrev" delay="0">
                   <p:tgtEl>
                     <p:sldTgt/>
                   </p:tgtEl>
                 </p:cond>
               </p:prevCondLst>
               <p:nextCondLst>
-                <p:cond evt="onNext">
+                <p:cond evt="onNext" delay="0">
                   <p:tgtEl>
                     <p:sldTgt/>
                   </p:tgtEl>
@@ -8828,14 +9289,14 @@
       </p:par>
     </p:tnLst>
     <p:bldLst>
-      <p:bldP build="whole" bldLvl="1" animBg="1" rev="0" advAuto="0" spid="180" grpId="1"/>
+      <p:bldP spid="180" grpId="1" animBg="1" advAuto="0"/>
     </p:bldLst>
   </p:timing>
 </p:sld>
 </file>
 
 <file path=ppt/slides/slide6.xml><?xml version="1.0" encoding="utf-8"?>
-<p:sld xmlns:a="http://schemas.openxmlformats.org/drawingml/2006/main" xmlns:r="http://schemas.openxmlformats.org/officeDocument/2006/relationships" xmlns:p="http://schemas.openxmlformats.org/presentationml/2006/main" xmlns:m="http://schemas.openxmlformats.org/officeDocument/2006/math" xmlns:a14="http://schemas.microsoft.com/office/drawing/2010/main" showMasterSp="1" showMasterPhAnim="1">
+<p:sld xmlns:a="http://schemas.openxmlformats.org/drawingml/2006/main" xmlns:r="http://schemas.openxmlformats.org/officeDocument/2006/relationships" xmlns:p="http://schemas.openxmlformats.org/presentationml/2006/main">
   <p:cSld>
     <p:spTree>
       <p:nvGrpSpPr>
@@ -8870,7 +9331,7 @@
           </a:ln>
           <a:extLst>
             <a:ext uri="{C572A759-6A51-4108-AA02-DFA0A04FC94B}">
-              <ma14:wrappingTextBoxFlag xmlns:ma14="http://schemas.microsoft.com/office/mac/drawingml/2011/main" val="1"/>
+              <ma14:wrappingTextBoxFlag xmlns:ma14="http://schemas.microsoft.com/office/mac/drawingml/2011/main" xmlns:a14="http://schemas.microsoft.com/office/drawing/2010/main" xmlns:m="http://schemas.openxmlformats.org/officeDocument/2006/math" xmlns="" val="1"/>
             </a:ext>
           </a:extLst>
         </p:spPr>
@@ -8884,29 +9345,31 @@
               <a:lnSpc>
                 <a:spcPct val="90000"/>
               </a:lnSpc>
-              <a:defRPr cap="all" sz="2800">
+              <a:defRPr sz="2800" cap="all">
                 <a:solidFill>
                   <a:schemeClr val="accent1"/>
                 </a:solidFill>
               </a:defRPr>
             </a:pPr>
             <a:r>
+              <a:rPr dirty="0"/>
               <a:t>LE JEU SE DEROULE SUR 12 EPISODES. </a:t>
             </a:r>
-            <a:endParaRPr sz="3200"/>
+            <a:endParaRPr sz="3200" dirty="0"/>
           </a:p>
           <a:p>
             <a:pPr defTabSz="914400">
               <a:lnSpc>
                 <a:spcPct val="90000"/>
               </a:lnSpc>
-              <a:defRPr cap="all" sz="2800">
+              <a:defRPr sz="2800" cap="all">
                 <a:solidFill>
                   <a:schemeClr val="accent1"/>
                 </a:solidFill>
               </a:defRPr>
             </a:pPr>
             <a:r>
+              <a:rPr dirty="0"/>
               <a:t>1 EPISODE DURE 4 SEMAINES.</a:t>
             </a:r>
           </a:p>
@@ -8931,7 +9394,7 @@
           </a:ln>
           <a:extLst>
             <a:ext uri="{C572A759-6A51-4108-AA02-DFA0A04FC94B}">
-              <ma14:wrappingTextBoxFlag xmlns:ma14="http://schemas.microsoft.com/office/mac/drawingml/2011/main" val="1"/>
+              <ma14:wrappingTextBoxFlag xmlns:ma14="http://schemas.microsoft.com/office/mac/drawingml/2011/main" xmlns:a14="http://schemas.microsoft.com/office/drawing/2010/main" xmlns:m="http://schemas.openxmlformats.org/officeDocument/2006/math" xmlns="" val="1"/>
             </a:ext>
           </a:extLst>
         </p:spPr>
@@ -8947,7 +9410,7 @@
               </a:lnSpc>
               <a:buSzPct val="100000"/>
               <a:buChar char="-"/>
-              <a:defRPr cap="all" sz="2800">
+              <a:defRPr sz="2800" cap="all">
                 <a:solidFill>
                   <a:schemeClr val="accent1"/>
                 </a:solidFill>
@@ -8962,12 +9425,13 @@
               <a:lnSpc>
                 <a:spcPct val="90000"/>
               </a:lnSpc>
-              <a:defRPr cap="all" sz="2800">
+              <a:defRPr sz="2800" cap="all">
                 <a:solidFill>
                   <a:schemeClr val="accent1"/>
                 </a:solidFill>
               </a:defRPr>
             </a:pPr>
+            <a:endParaRPr/>
           </a:p>
           <a:p>
             <a:pPr marL="457200" indent="-457200" defTabSz="914400">
@@ -8976,7 +9440,7 @@
               </a:lnSpc>
               <a:buSzPct val="100000"/>
               <a:buChar char="-"/>
-              <a:defRPr cap="all" sz="2800">
+              <a:defRPr sz="2800" cap="all">
                 <a:solidFill>
                   <a:schemeClr val="accent1"/>
                 </a:solidFill>
@@ -9007,7 +9471,7 @@
           </a:ln>
           <a:extLst>
             <a:ext uri="{C572A759-6A51-4108-AA02-DFA0A04FC94B}">
-              <ma14:wrappingTextBoxFlag xmlns:ma14="http://schemas.microsoft.com/office/mac/drawingml/2011/main" val="1"/>
+              <ma14:wrappingTextBoxFlag xmlns:ma14="http://schemas.microsoft.com/office/mac/drawingml/2011/main" xmlns:a14="http://schemas.microsoft.com/office/drawing/2010/main" xmlns:m="http://schemas.openxmlformats.org/officeDocument/2006/math" xmlns="" val="1"/>
             </a:ext>
           </a:extLst>
         </p:spPr>
@@ -9020,7 +9484,7 @@
               <a:lnSpc>
                 <a:spcPct val="90000"/>
               </a:lnSpc>
-              <a:defRPr cap="all" sz="3200">
+              <a:defRPr sz="3200" cap="all">
                 <a:solidFill>
                   <a:schemeClr val="accent1"/>
                 </a:solidFill>
@@ -9028,9 +9492,25 @@
             </a:lvl1pPr>
           </a:lstStyle>
           <a:p>
-            <a:pPr/>
             <a:r>
-              <a:t>“C’est a vous de JOUER …”</a:t>
+              <a:rPr dirty="0"/>
+              <a:t>“</a:t>
+            </a:r>
+            <a:r>
+              <a:rPr dirty="0" err="1"/>
+              <a:t>C’est</a:t>
+            </a:r>
+            <a:r>
+              <a:rPr dirty="0"/>
+              <a:t> a </a:t>
+            </a:r>
+            <a:r>
+              <a:rPr dirty="0" err="1"/>
+              <a:t>vous</a:t>
+            </a:r>
+            <a:r>
+              <a:rPr dirty="0"/>
+              <a:t> de JOUER …”</a:t>
             </a:r>
           </a:p>
         </p:txBody>
@@ -9040,14 +9520,14 @@
   <p:clrMapOvr>
     <a:masterClrMapping/>
   </p:clrMapOvr>
-  <p:transition xmlns:p14="http://schemas.microsoft.com/office/powerpoint/2010/main" spd="med" advClick="1"/>
+  <p:transition spd="med"/>
   <p:timing>
     <p:tnLst>
       <p:par>
-        <p:cTn id="1" nodeType="tmRoot" restart="never" dur="indefinite" fill="hold">
+        <p:cTn id="1" dur="indefinite" restart="never" fill="hold" nodeType="tmRoot">
           <p:childTnLst>
             <p:seq concurrent="1" prevAc="none" nextAc="seek">
-              <p:cTn id="2" nodeType="mainSeq" dur="indefinite" fill="hold">
+              <p:cTn id="2" dur="indefinite" fill="hold" nodeType="mainSeq">
                 <p:childTnLst>
                   <p:par>
                     <p:cTn id="3" fill="hold">
@@ -9062,11 +9542,11 @@
                             </p:stCondLst>
                             <p:childTnLst>
                               <p:par>
-                                <p:cTn id="5" presetClass="entr" nodeType="clickEffect" presetSubtype="4" presetID="2" grpId="1" fill="hold">
+                                <p:cTn id="5" presetID="2" presetClass="entr" presetSubtype="4" fill="hold" grpId="1" nodeType="clickEffect">
                                   <p:stCondLst>
                                     <p:cond delay="0"/>
                                   </p:stCondLst>
-                                  <p:iterate type="el" backwards="0">
+                                  <p:iterate>
                                     <p:tmAbs val="0"/>
                                   </p:iterate>
                                   <p:childTnLst>
@@ -9152,11 +9632,11 @@
                             </p:stCondLst>
                             <p:childTnLst>
                               <p:par>
-                                <p:cTn id="11" presetClass="entr" nodeType="clickEffect" presetSubtype="4" presetID="2" grpId="2" fill="hold">
+                                <p:cTn id="11" presetID="2" presetClass="entr" presetSubtype="4" fill="hold" grpId="2" nodeType="clickEffect">
                                   <p:stCondLst>
                                     <p:cond delay="0"/>
                                   </p:stCondLst>
-                                  <p:iterate type="el" backwards="0">
+                                  <p:iterate>
                                     <p:tmAbs val="0"/>
                                   </p:iterate>
                                   <p:childTnLst>
@@ -9232,14 +9712,14 @@
                 </p:childTnLst>
               </p:cTn>
               <p:prevCondLst>
-                <p:cond evt="onPrev">
+                <p:cond evt="onPrev" delay="0">
                   <p:tgtEl>
                     <p:sldTgt/>
                   </p:tgtEl>
                 </p:cond>
               </p:prevCondLst>
               <p:nextCondLst>
-                <p:cond evt="onNext">
+                <p:cond evt="onNext" delay="0">
                   <p:tgtEl>
                     <p:sldTgt/>
                   </p:tgtEl>
@@ -9251,15 +9731,100 @@
       </p:par>
     </p:tnLst>
     <p:bldLst>
-      <p:bldP build="whole" bldLvl="1" animBg="1" rev="0" advAuto="0" spid="186" grpId="2"/>
-      <p:bldP build="whole" bldLvl="1" animBg="1" rev="0" advAuto="0" spid="185" grpId="1"/>
+      <p:bldP spid="185" grpId="1" animBg="1" advAuto="0"/>
+      <p:bldP spid="186" grpId="2" animBg="1" advAuto="0"/>
     </p:bldLst>
   </p:timing>
 </p:sld>
 </file>
 
 <file path=ppt/slides/slide7.xml><?xml version="1.0" encoding="utf-8"?>
-<p:sld xmlns:a="http://schemas.openxmlformats.org/drawingml/2006/main" xmlns:r="http://schemas.openxmlformats.org/officeDocument/2006/relationships" xmlns:p="http://schemas.openxmlformats.org/presentationml/2006/main" xmlns:m="http://schemas.openxmlformats.org/officeDocument/2006/math" xmlns:a14="http://schemas.microsoft.com/office/drawing/2010/main" showMasterSp="1" showMasterPhAnim="1">
+<p:sld xmlns:a="http://schemas.openxmlformats.org/drawingml/2006/main" xmlns:r="http://schemas.openxmlformats.org/officeDocument/2006/relationships" xmlns:p="http://schemas.openxmlformats.org/presentationml/2006/main">
+  <p:cSld>
+    <p:spTree>
+      <p:nvGrpSpPr>
+        <p:cNvPr id="1" name=""/>
+        <p:cNvGrpSpPr/>
+        <p:nvPr/>
+      </p:nvGrpSpPr>
+      <p:grpSpPr>
+        <a:xfrm>
+          <a:off x="0" y="0"/>
+          <a:ext cx="0" cy="0"/>
+          <a:chOff x="0" y="0"/>
+          <a:chExt cx="0" cy="0"/>
+        </a:xfrm>
+      </p:grpSpPr>
+      <p:sp>
+        <p:nvSpPr>
+          <p:cNvPr id="2" name="Titre 1">
+            <a:extLst>
+              <a:ext uri="{FF2B5EF4-FFF2-40B4-BE49-F238E27FC236}">
+                <a16:creationId xmlns:a16="http://schemas.microsoft.com/office/drawing/2014/main" id="{EE05B530-0A9C-194A-9C56-955A9CB579FF}"/>
+              </a:ext>
+            </a:extLst>
+          </p:cNvPr>
+          <p:cNvSpPr txBox="1"/>
+          <p:nvPr/>
+        </p:nvSpPr>
+        <p:spPr>
+          <a:xfrm>
+            <a:off x="1564595" y="2561591"/>
+            <a:ext cx="9603276" cy="535531"/>
+          </a:xfrm>
+          <a:prstGeom prst="rect">
+            <a:avLst/>
+          </a:prstGeom>
+          <a:ln w="12700">
+            <a:miter lim="400000"/>
+          </a:ln>
+          <a:extLst>
+            <a:ext uri="{C572A759-6A51-4108-AA02-DFA0A04FC94B}">
+              <ma14:wrappingTextBoxFlag xmlns:ma14="http://schemas.microsoft.com/office/mac/drawingml/2011/main" xmlns:a14="http://schemas.microsoft.com/office/drawing/2010/main" xmlns:m="http://schemas.openxmlformats.org/officeDocument/2006/math" xmlns="" val="1"/>
+            </a:ext>
+          </a:extLst>
+        </p:spPr>
+        <p:txBody>
+          <a:bodyPr lIns="45719" rIns="45719">
+            <a:spAutoFit/>
+          </a:bodyPr>
+          <a:lstStyle>
+            <a:lvl1pPr defTabSz="914400">
+              <a:lnSpc>
+                <a:spcPct val="90000"/>
+              </a:lnSpc>
+              <a:defRPr sz="3200" cap="all">
+                <a:solidFill>
+                  <a:schemeClr val="accent1"/>
+                </a:solidFill>
+              </a:defRPr>
+            </a:lvl1pPr>
+          </a:lstStyle>
+          <a:p>
+            <a:r>
+              <a:rPr lang="fr-FR" dirty="0"/>
+              <a:t>Épisodes…</a:t>
+            </a:r>
+            <a:endParaRPr dirty="0"/>
+          </a:p>
+        </p:txBody>
+      </p:sp>
+    </p:spTree>
+    <p:extLst>
+      <p:ext uri="{BB962C8B-B14F-4D97-AF65-F5344CB8AC3E}">
+        <p14:creationId xmlns:p14="http://schemas.microsoft.com/office/powerpoint/2010/main" val="69617434"/>
+      </p:ext>
+    </p:extLst>
+  </p:cSld>
+  <p:clrMapOvr>
+    <a:masterClrMapping/>
+  </p:clrMapOvr>
+  <p:transition spd="med"/>
+</p:sld>
+</file>
+
+<file path=ppt/slides/slide8.xml><?xml version="1.0" encoding="utf-8"?>
+<p:sld xmlns:a="http://schemas.openxmlformats.org/drawingml/2006/main" xmlns:r="http://schemas.openxmlformats.org/officeDocument/2006/relationships" xmlns:p="http://schemas.openxmlformats.org/presentationml/2006/main">
   <p:cSld>
     <p:spTree>
       <p:nvGrpSpPr>
@@ -9294,7 +9859,7 @@
           </a:ln>
           <a:extLst>
             <a:ext uri="{C572A759-6A51-4108-AA02-DFA0A04FC94B}">
-              <ma14:wrappingTextBoxFlag xmlns:ma14="http://schemas.microsoft.com/office/mac/drawingml/2011/main" val="1"/>
+              <ma14:wrappingTextBoxFlag xmlns:ma14="http://schemas.microsoft.com/office/mac/drawingml/2011/main" xmlns:a14="http://schemas.microsoft.com/office/drawing/2010/main" xmlns:m="http://schemas.openxmlformats.org/officeDocument/2006/math" xmlns="" val="1"/>
             </a:ext>
           </a:extLst>
         </p:spPr>
@@ -9307,7 +9872,7 @@
               <a:lnSpc>
                 <a:spcPct val="90000"/>
               </a:lnSpc>
-              <a:defRPr cap="all" sz="3200">
+              <a:defRPr sz="3200" cap="all">
                 <a:solidFill>
                   <a:schemeClr val="accent1"/>
                 </a:solidFill>
@@ -9315,7 +9880,6 @@
             </a:lvl1pPr>
           </a:lstStyle>
           <a:p>
-            <a:pPr/>
             <a:r>
               <a:t>“WINTER IS COMING … WINTER IS HERE!”</a:t>
             </a:r>
@@ -9330,8 +9894,8 @@
         </p:nvSpPr>
         <p:spPr>
           <a:xfrm>
-            <a:off x="1451579" y="1165576"/>
-            <a:ext cx="7846967" cy="1219201"/>
+            <a:off x="1595417" y="2336830"/>
+            <a:ext cx="7846967" cy="1366528"/>
           </a:xfrm>
           <a:prstGeom prst="rect">
             <a:avLst/>
@@ -9341,7 +9905,7 @@
           </a:ln>
           <a:extLst>
             <a:ext uri="{C572A759-6A51-4108-AA02-DFA0A04FC94B}">
-              <ma14:wrappingTextBoxFlag xmlns:ma14="http://schemas.microsoft.com/office/mac/drawingml/2011/main" val="1"/>
+              <ma14:wrappingTextBoxFlag xmlns:ma14="http://schemas.microsoft.com/office/mac/drawingml/2011/main" xmlns:a14="http://schemas.microsoft.com/office/drawing/2010/main" xmlns:m="http://schemas.openxmlformats.org/officeDocument/2006/math" xmlns="" val="1"/>
             </a:ext>
           </a:extLst>
         </p:spPr>
@@ -9355,28 +9919,30 @@
               <a:lnSpc>
                 <a:spcPct val="90000"/>
               </a:lnSpc>
-              <a:defRPr cap="all" sz="2000">
+              <a:defRPr sz="2000" cap="all">
                 <a:solidFill>
                   <a:schemeClr val="accent1"/>
                 </a:solidFill>
               </a:defRPr>
             </a:pPr>
             <a:r>
+              <a:rPr dirty="0"/>
               <a:t>CONSEQUENCES: </a:t>
             </a:r>
-            <a:endParaRPr sz="3200"/>
+            <a:endParaRPr sz="3200" dirty="0"/>
           </a:p>
           <a:p>
             <a:pPr defTabSz="914400">
               <a:lnSpc>
                 <a:spcPct val="90000"/>
               </a:lnSpc>
-              <a:defRPr cap="all" sz="2000">
+              <a:defRPr sz="2000" cap="all">
                 <a:solidFill>
                   <a:schemeClr val="accent1"/>
                 </a:solidFill>
               </a:defRPr>
             </a:pPr>
+            <a:endParaRPr sz="3200" dirty="0"/>
           </a:p>
           <a:p>
             <a:pPr marL="342900" indent="-342900" defTabSz="914400">
@@ -9386,16 +9952,21 @@
               <a:buSzPct val="100000"/>
               <a:buFont typeface="Arial"/>
               <a:buChar char="•"/>
-              <a:defRPr cap="all" sz="2000">
+              <a:defRPr sz="2000" cap="all">
                 <a:solidFill>
                   <a:schemeClr val="accent1"/>
                 </a:solidFill>
               </a:defRPr>
             </a:pPr>
             <a:r>
-              <a:t>PROTECTIOn DES bras: +3 SEM DE FABRICATION</a:t>
+              <a:rPr dirty="0" err="1"/>
+              <a:t>PROTECTIOn</a:t>
             </a:r>
-            <a:endParaRPr sz="3200"/>
+            <a:r>
+              <a:rPr dirty="0"/>
+              <a:t> DES bras: +3 SEM DE FABRICATION</a:t>
+            </a:r>
+            <a:endParaRPr sz="3200" dirty="0"/>
           </a:p>
           <a:p>
             <a:pPr marL="342900" indent="-342900" defTabSz="914400">
@@ -9405,15 +9976,25 @@
               <a:buSzPct val="100000"/>
               <a:buFont typeface="Arial"/>
               <a:buChar char="•"/>
-              <a:defRPr cap="all" sz="2000">
+              <a:defRPr sz="2000" cap="all">
                 <a:solidFill>
                   <a:schemeClr val="accent1"/>
                 </a:solidFill>
               </a:defRPr>
             </a:pPr>
             <a:r>
-              <a:t>Fourrure :  PROTECTION x4 (LIMITE A 10)</a:t>
+              <a:rPr dirty="0" err="1"/>
+              <a:t>Fourrure</a:t>
             </a:r>
+            <a:r>
+              <a:rPr dirty="0"/>
+              <a:t> :  </a:t>
+            </a:r>
+            <a:r>
+              <a:rPr lang="fr-FR" dirty="0"/>
+              <a:t>LA VALEUR PASSE A 10</a:t>
+            </a:r>
+            <a:endParaRPr dirty="0"/>
           </a:p>
         </p:txBody>
       </p:sp>
@@ -9422,20 +10003,20 @@
   <p:clrMapOvr>
     <a:masterClrMapping/>
   </p:clrMapOvr>
-  <p:transition xmlns:p14="http://schemas.microsoft.com/office/powerpoint/2010/main" spd="med" advClick="1"/>
+  <p:transition spd="med"/>
   <p:timing>
     <p:tnLst>
       <p:par>
-        <p:cTn id="1" nodeType="tmRoot" restart="never" dur="indefinite" fill="hold">
+        <p:cTn id="1" dur="indefinite" restart="never" fill="hold" nodeType="tmRoot">
           <p:childTnLst>
             <p:seq concurrent="1" prevAc="none" nextAc="seek">
-              <p:cTn id="2" nodeType="mainSeq" dur="indefinite" fill="hold">
+              <p:cTn id="2" dur="indefinite" fill="hold" nodeType="mainSeq">
                 <p:childTnLst>
                   <p:par>
                     <p:cTn id="3" fill="hold">
                       <p:stCondLst>
                         <p:cond delay="indefinite"/>
-                        <p:cond evt="onBegin">
+                        <p:cond evt="onBegin" delay="0">
                           <p:tn val="2"/>
                         </p:cond>
                       </p:stCondLst>
@@ -9447,11 +10028,11 @@
                             </p:stCondLst>
                             <p:childTnLst>
                               <p:par>
-                                <p:cTn id="5" presetClass="entr" nodeType="afterEffect" presetSubtype="4" presetID="2" grpId="1" fill="hold">
+                                <p:cTn id="5" presetID="2" presetClass="entr" presetSubtype="4" fill="hold" grpId="1" nodeType="afterEffect">
                                   <p:stCondLst>
                                     <p:cond delay="0"/>
                                   </p:stCondLst>
-                                  <p:iterate type="el" backwards="0">
+                                  <p:iterate>
                                     <p:tmAbs val="0"/>
                                   </p:iterate>
                                   <p:childTnLst>
@@ -9527,14 +10108,14 @@
                 </p:childTnLst>
               </p:cTn>
               <p:prevCondLst>
-                <p:cond evt="onPrev">
+                <p:cond evt="onPrev" delay="0">
                   <p:tgtEl>
                     <p:sldTgt/>
                   </p:tgtEl>
                 </p:cond>
               </p:prevCondLst>
               <p:nextCondLst>
-                <p:cond evt="onNext">
+                <p:cond evt="onNext" delay="0">
                   <p:tgtEl>
                     <p:sldTgt/>
                   </p:tgtEl>
@@ -9546,14 +10127,14 @@
       </p:par>
     </p:tnLst>
     <p:bldLst>
-      <p:bldP build="whole" bldLvl="1" animBg="1" rev="0" advAuto="0" spid="192" grpId="1"/>
+      <p:bldP spid="192" grpId="1" animBg="1" advAuto="0"/>
     </p:bldLst>
   </p:timing>
 </p:sld>
 </file>
 
-<file path=ppt/slides/slide8.xml><?xml version="1.0" encoding="utf-8"?>
-<p:sld xmlns:a="http://schemas.openxmlformats.org/drawingml/2006/main" xmlns:r="http://schemas.openxmlformats.org/officeDocument/2006/relationships" xmlns:p="http://schemas.openxmlformats.org/presentationml/2006/main" xmlns:m="http://schemas.openxmlformats.org/officeDocument/2006/math" xmlns:a14="http://schemas.microsoft.com/office/drawing/2010/main" showMasterSp="1" showMasterPhAnim="1">
+<file path=ppt/slides/slide9.xml><?xml version="1.0" encoding="utf-8"?>
+<p:sld xmlns:a="http://schemas.openxmlformats.org/drawingml/2006/main" xmlns:r="http://schemas.openxmlformats.org/officeDocument/2006/relationships" xmlns:p="http://schemas.openxmlformats.org/presentationml/2006/main">
   <p:cSld>
     <p:spTree>
       <p:nvGrpSpPr>
@@ -9588,7 +10169,7 @@
           </a:ln>
           <a:extLst>
             <a:ext uri="{C572A759-6A51-4108-AA02-DFA0A04FC94B}">
-              <ma14:wrappingTextBoxFlag xmlns:ma14="http://schemas.microsoft.com/office/mac/drawingml/2011/main" val="1"/>
+              <ma14:wrappingTextBoxFlag xmlns:ma14="http://schemas.microsoft.com/office/mac/drawingml/2011/main" xmlns:a14="http://schemas.microsoft.com/office/drawing/2010/main" xmlns:m="http://schemas.openxmlformats.org/officeDocument/2006/math" xmlns="" val="1"/>
             </a:ext>
           </a:extLst>
         </p:spPr>
@@ -9601,7 +10182,7 @@
               <a:lnSpc>
                 <a:spcPct val="90000"/>
               </a:lnSpc>
-              <a:defRPr cap="all" sz="3200">
+              <a:defRPr sz="3200" cap="all">
                 <a:solidFill>
                   <a:schemeClr val="accent1"/>
                 </a:solidFill>
@@ -9609,7 +10190,6 @@
             </a:lvl1pPr>
           </a:lstStyle>
           <a:p>
-            <a:pPr/>
             <a:r>
               <a:t>“UNE NOUVELLE MENACE”</a:t>
             </a:r>
@@ -9625,9 +10205,7 @@
           <p:nvPr/>
         </p:nvPicPr>
         <p:blipFill>
-          <a:blip r:embed="rId3">
-            <a:extLst/>
-          </a:blip>
+          <a:blip r:embed="rId3"/>
           <a:stretch>
             <a:fillRect/>
           </a:stretch>
@@ -9676,7 +10254,7 @@
             </a:cxnLst>
             <a:rect l="0" t="0" r="r" b="b"/>
             <a:pathLst>
-              <a:path w="21600" h="21600" fill="norm" stroke="1" extrusionOk="0">
+              <a:path w="21600" h="21600" extrusionOk="0">
                 <a:moveTo>
                   <a:pt x="10800" y="5800"/>
                 </a:moveTo>
@@ -9776,6 +10354,7 @@
                 </a:solidFill>
               </a:defRPr>
             </a:pPr>
+            <a:endParaRPr/>
           </a:p>
         </p:txBody>
       </p:sp>
@@ -9788,9 +10367,7 @@
           <p:nvPr/>
         </p:nvPicPr>
         <p:blipFill>
-          <a:blip r:embed="rId4">
-            <a:extLst/>
-          </a:blip>
+          <a:blip r:embed="rId4"/>
           <a:stretch>
             <a:fillRect/>
           </a:stretch>
@@ -9827,7 +10404,7 @@
           </a:ln>
           <a:extLst>
             <a:ext uri="{C572A759-6A51-4108-AA02-DFA0A04FC94B}">
-              <ma14:wrappingTextBoxFlag xmlns:ma14="http://schemas.microsoft.com/office/mac/drawingml/2011/main" val="1"/>
+              <ma14:wrappingTextBoxFlag xmlns:ma14="http://schemas.microsoft.com/office/mac/drawingml/2011/main" xmlns:a14="http://schemas.microsoft.com/office/drawing/2010/main" xmlns:m="http://schemas.openxmlformats.org/officeDocument/2006/math" xmlns="" val="1"/>
             </a:ext>
           </a:extLst>
         </p:spPr>
@@ -9840,7 +10417,7 @@
               <a:lnSpc>
                 <a:spcPct val="90000"/>
               </a:lnSpc>
-              <a:defRPr cap="all" sz="2000">
+              <a:defRPr sz="2000" cap="all">
                 <a:solidFill>
                   <a:schemeClr val="accent1"/>
                 </a:solidFill>
@@ -9848,7 +10425,6 @@
             </a:lvl1pPr>
           </a:lstStyle>
           <a:p>
-            <a:pPr/>
             <a:r>
               <a:t>“LES marcheurs BLANCS ARRIVENT”</a:t>
             </a:r>
@@ -9886,7 +10462,7 @@
             </a:cxnLst>
             <a:rect l="0" t="0" r="r" b="b"/>
             <a:pathLst>
-              <a:path w="21600" h="21600" fill="norm" stroke="1" extrusionOk="0">
+              <a:path w="21600" h="21600" extrusionOk="0">
                 <a:moveTo>
                   <a:pt x="10800" y="5800"/>
                 </a:moveTo>
@@ -9986,6 +10562,7 @@
                 </a:solidFill>
               </a:defRPr>
             </a:pPr>
+            <a:endParaRPr/>
           </a:p>
         </p:txBody>
       </p:sp>
@@ -10020,7 +10597,7 @@
             </a:cxnLst>
             <a:rect l="0" t="0" r="r" b="b"/>
             <a:pathLst>
-              <a:path w="21600" h="21600" fill="norm" stroke="1" extrusionOk="0">
+              <a:path w="21600" h="21600" extrusionOk="0">
                 <a:moveTo>
                   <a:pt x="10800" y="5800"/>
                 </a:moveTo>
@@ -10120,6 +10697,7 @@
                 </a:solidFill>
               </a:defRPr>
             </a:pPr>
+            <a:endParaRPr/>
           </a:p>
         </p:txBody>
       </p:sp>
@@ -10128,14 +10706,14 @@
   <p:clrMapOvr>
     <a:masterClrMapping/>
   </p:clrMapOvr>
-  <p:transition xmlns:p14="http://schemas.microsoft.com/office/powerpoint/2010/main" spd="med" advClick="1"/>
+  <p:transition spd="med"/>
   <p:timing>
     <p:tnLst>
       <p:par>
-        <p:cTn id="1" nodeType="tmRoot" restart="never" dur="indefinite" fill="hold">
+        <p:cTn id="1" dur="indefinite" restart="never" fill="hold" nodeType="tmRoot">
           <p:childTnLst>
             <p:seq concurrent="1" prevAc="none" nextAc="seek">
-              <p:cTn id="2" nodeType="mainSeq" dur="indefinite" fill="hold">
+              <p:cTn id="2" dur="indefinite" fill="hold" nodeType="mainSeq">
                 <p:childTnLst>
                   <p:par>
                     <p:cTn id="3" fill="hold">
@@ -10150,11 +10728,11 @@
                             </p:stCondLst>
                             <p:childTnLst>
                               <p:par>
-                                <p:cTn id="5" presetClass="entr" nodeType="clickEffect" presetSubtype="0" presetID="1" grpId="1" fill="hold">
+                                <p:cTn id="5" presetID="1" presetClass="entr" presetSubtype="0" fill="hold" grpId="1" nodeType="clickEffect">
                                   <p:stCondLst>
                                     <p:cond delay="0"/>
                                   </p:stCondLst>
-                                  <p:iterate type="el" backwards="0">
+                                  <p:iterate>
                                     <p:tmAbs val="0"/>
                                   </p:iterate>
                                   <p:childTnLst>
@@ -10185,11 +10763,11 @@
                             </p:stCondLst>
                             <p:childTnLst>
                               <p:par>
-                                <p:cTn id="8" presetClass="entr" nodeType="afterEffect" presetSubtype="0" presetID="1" grpId="2" fill="hold">
+                                <p:cTn id="8" presetID="1" presetClass="entr" presetSubtype="0" fill="hold" grpId="2" nodeType="afterEffect">
                                   <p:stCondLst>
                                     <p:cond delay="0"/>
                                   </p:stCondLst>
-                                  <p:iterate type="el" backwards="0">
+                                  <p:iterate>
                                     <p:tmAbs val="0"/>
                                   </p:iterate>
                                   <p:childTnLst>
@@ -10220,11 +10798,11 @@
                             </p:stCondLst>
                             <p:childTnLst>
                               <p:par>
-                                <p:cTn id="11" presetClass="entr" nodeType="afterEffect" presetSubtype="0" presetID="1" grpId="3" fill="hold">
+                                <p:cTn id="11" presetID="1" presetClass="entr" presetSubtype="0" fill="hold" grpId="3" nodeType="afterEffect">
                                   <p:stCondLst>
                                     <p:cond delay="0"/>
                                   </p:stCondLst>
-                                  <p:iterate type="el" backwards="0">
+                                  <p:iterate>
                                     <p:tmAbs val="0"/>
                                   </p:iterate>
                                   <p:childTnLst>
@@ -10255,11 +10833,11 @@
                             </p:stCondLst>
                             <p:childTnLst>
                               <p:par>
-                                <p:cTn id="14" presetClass="entr" nodeType="afterEffect" presetSubtype="0" presetID="1" grpId="4" fill="hold">
+                                <p:cTn id="14" presetID="1" presetClass="entr" presetSubtype="0" fill="hold" grpId="4" nodeType="afterEffect">
                                   <p:stCondLst>
                                     <p:cond delay="0"/>
                                   </p:stCondLst>
-                                  <p:iterate type="el" backwards="0">
+                                  <p:iterate>
                                     <p:tmAbs val="0"/>
                                   </p:iterate>
                                   <p:childTnLst>
@@ -10290,11 +10868,11 @@
                             </p:stCondLst>
                             <p:childTnLst>
                               <p:par>
-                                <p:cTn id="17" presetClass="entr" nodeType="afterEffect" presetSubtype="0" presetID="1" grpId="5" fill="hold">
+                                <p:cTn id="17" presetID="1" presetClass="entr" presetSubtype="0" fill="hold" grpId="5" nodeType="afterEffect">
                                   <p:stCondLst>
                                     <p:cond delay="0"/>
                                   </p:stCondLst>
-                                  <p:iterate type="el" backwards="0">
+                                  <p:iterate>
                                     <p:tmAbs val="0"/>
                                   </p:iterate>
                                   <p:childTnLst>
@@ -10324,14 +10902,14 @@
                 </p:childTnLst>
               </p:cTn>
               <p:prevCondLst>
-                <p:cond evt="onPrev">
+                <p:cond evt="onPrev" delay="0">
                   <p:tgtEl>
                     <p:sldTgt/>
                   </p:tgtEl>
                 </p:cond>
               </p:prevCondLst>
               <p:nextCondLst>
-                <p:cond evt="onNext">
+                <p:cond evt="onNext" delay="0">
                   <p:tgtEl>
                     <p:sldTgt/>
                   </p:tgtEl>
@@ -10343,296 +10921,18 @@
       </p:par>
     </p:tnLst>
     <p:bldLst>
-      <p:bldP build="whole" bldLvl="1" animBg="1" rev="0" advAuto="0" spid="199" grpId="1"/>
-      <p:bldP build="whole" bldLvl="1" animBg="1" rev="0" advAuto="0" spid="200" grpId="2"/>
-      <p:bldP build="whole" bldLvl="1" animBg="1" rev="0" advAuto="0" spid="198" grpId="3"/>
-      <p:bldP build="whole" bldLvl="1" animBg="1" rev="0" advAuto="0" spid="202" grpId="5"/>
-      <p:bldP build="whole" bldLvl="1" animBg="1" rev="0" advAuto="0" spid="201" grpId="4"/>
+      <p:bldP spid="198" grpId="3" animBg="1" advAuto="0"/>
+      <p:bldP spid="199" grpId="1" animBg="1" advAuto="0"/>
+      <p:bldP spid="200" grpId="2" animBg="1" advAuto="0"/>
+      <p:bldP spid="201" grpId="4" animBg="1" advAuto="0"/>
+      <p:bldP spid="202" grpId="5" animBg="1" advAuto="0"/>
     </p:bldLst>
   </p:timing>
 </p:sld>
 </file>
 
-<file path=ppt/slides/slide9.xml><?xml version="1.0" encoding="utf-8"?>
-<p:sld xmlns:a="http://schemas.openxmlformats.org/drawingml/2006/main" xmlns:r="http://schemas.openxmlformats.org/officeDocument/2006/relationships" xmlns:p="http://schemas.openxmlformats.org/presentationml/2006/main" xmlns:m="http://schemas.openxmlformats.org/officeDocument/2006/math" xmlns:a14="http://schemas.microsoft.com/office/drawing/2010/main" showMasterSp="1" showMasterPhAnim="1">
-  <p:cSld>
-    <p:spTree>
-      <p:nvGrpSpPr>
-        <p:cNvPr id="1" name=""/>
-        <p:cNvGrpSpPr/>
-        <p:nvPr/>
-      </p:nvGrpSpPr>
-      <p:grpSpPr>
-        <a:xfrm>
-          <a:off x="0" y="0"/>
-          <a:ext cx="0" cy="0"/>
-          <a:chOff x="0" y="0"/>
-          <a:chExt cx="0" cy="0"/>
-        </a:xfrm>
-      </p:grpSpPr>
-      <p:sp>
-        <p:nvSpPr>
-          <p:cNvPr id="206" name="Titre 1"/>
-          <p:cNvSpPr txBox="1"/>
-          <p:nvPr/>
-        </p:nvSpPr>
-        <p:spPr>
-          <a:xfrm>
-            <a:off x="1451578" y="116341"/>
-            <a:ext cx="9603277" cy="574041"/>
-          </a:xfrm>
-          <a:prstGeom prst="rect">
-            <a:avLst/>
-          </a:prstGeom>
-          <a:ln w="12700">
-            <a:miter lim="400000"/>
-          </a:ln>
-          <a:extLst>
-            <a:ext uri="{C572A759-6A51-4108-AA02-DFA0A04FC94B}">
-              <ma14:wrappingTextBoxFlag xmlns:ma14="http://schemas.microsoft.com/office/mac/drawingml/2011/main" val="1"/>
-            </a:ext>
-          </a:extLst>
-        </p:spPr>
-        <p:txBody>
-          <a:bodyPr lIns="45719" rIns="45719">
-            <a:spAutoFit/>
-          </a:bodyPr>
-          <a:lstStyle>
-            <a:lvl1pPr defTabSz="914400">
-              <a:lnSpc>
-                <a:spcPct val="90000"/>
-              </a:lnSpc>
-              <a:defRPr cap="all" sz="3200">
-                <a:solidFill>
-                  <a:schemeClr val="accent1"/>
-                </a:solidFill>
-              </a:defRPr>
-            </a:lvl1pPr>
-          </a:lstStyle>
-          <a:p>
-            <a:pPr/>
-            <a:r>
-              <a:t>Un projet itératif priorisé</a:t>
-            </a:r>
-          </a:p>
-        </p:txBody>
-      </p:sp>
-      <p:grpSp>
-        <p:nvGrpSpPr>
-          <p:cNvPr id="209" name="Image 32"/>
-          <p:cNvGrpSpPr/>
-          <p:nvPr/>
-        </p:nvGrpSpPr>
-        <p:grpSpPr>
-          <a:xfrm>
-            <a:off x="2165036" y="806987"/>
-            <a:ext cx="7684449" cy="5303686"/>
-            <a:chOff x="0" y="0"/>
-            <a:chExt cx="7684448" cy="5303684"/>
-          </a:xfrm>
-        </p:grpSpPr>
-        <p:sp>
-          <p:nvSpPr>
-            <p:cNvPr id="207" name="Figure"/>
-            <p:cNvSpPr/>
-            <p:nvPr/>
-          </p:nvSpPr>
-          <p:spPr>
-            <a:xfrm>
-              <a:off x="-1" y="-1"/>
-              <a:ext cx="7684450" cy="5303686"/>
-            </a:xfrm>
-            <a:custGeom>
-              <a:avLst/>
-              <a:gdLst/>
-              <a:ahLst/>
-              <a:cxnLst>
-                <a:cxn ang="0">
-                  <a:pos x="wd2" y="hd2"/>
-                </a:cxn>
-                <a:cxn ang="5400000">
-                  <a:pos x="wd2" y="hd2"/>
-                </a:cxn>
-                <a:cxn ang="10800000">
-                  <a:pos x="wd2" y="hd2"/>
-                </a:cxn>
-                <a:cxn ang="16200000">
-                  <a:pos x="wd2" y="hd2"/>
-                </a:cxn>
-              </a:cxnLst>
-              <a:rect l="0" t="0" r="r" b="b"/>
-              <a:pathLst>
-                <a:path w="21600" h="21600" fill="norm" stroke="1" extrusionOk="0">
-                  <a:moveTo>
-                    <a:pt x="0" y="1856"/>
-                  </a:moveTo>
-                  <a:lnTo>
-                    <a:pt x="0" y="1856"/>
-                  </a:lnTo>
-                  <a:cubicBezTo>
-                    <a:pt x="0" y="831"/>
-                    <a:pt x="574" y="0"/>
-                    <a:pt x="1281" y="0"/>
-                  </a:cubicBezTo>
-                  <a:lnTo>
-                    <a:pt x="20319" y="0"/>
-                  </a:lnTo>
-                  <a:lnTo>
-                    <a:pt x="20319" y="0"/>
-                  </a:lnTo>
-                  <a:cubicBezTo>
-                    <a:pt x="21026" y="0"/>
-                    <a:pt x="21600" y="831"/>
-                    <a:pt x="21600" y="1856"/>
-                  </a:cubicBezTo>
-                  <a:lnTo>
-                    <a:pt x="21600" y="19744"/>
-                  </a:lnTo>
-                  <a:lnTo>
-                    <a:pt x="21600" y="19744"/>
-                  </a:lnTo>
-                  <a:cubicBezTo>
-                    <a:pt x="21600" y="20769"/>
-                    <a:pt x="21026" y="21600"/>
-                    <a:pt x="20319" y="21600"/>
-                  </a:cubicBezTo>
-                  <a:lnTo>
-                    <a:pt x="1281" y="21600"/>
-                  </a:lnTo>
-                  <a:lnTo>
-                    <a:pt x="1281" y="21600"/>
-                  </a:lnTo>
-                  <a:cubicBezTo>
-                    <a:pt x="574" y="21600"/>
-                    <a:pt x="0" y="20769"/>
-                    <a:pt x="0" y="19744"/>
-                  </a:cubicBezTo>
-                  <a:close/>
-                </a:path>
-              </a:pathLst>
-            </a:custGeom>
-            <a:solidFill>
-              <a:srgbClr val="EDEDED"/>
-            </a:solidFill>
-            <a:ln w="12700" cap="flat">
-              <a:noFill/>
-              <a:miter lim="400000"/>
-            </a:ln>
-            <a:effectLst/>
-          </p:spPr>
-          <p:txBody>
-            <a:bodyPr wrap="square" lIns="45719" tIns="45719" rIns="45719" bIns="45719" numCol="1" anchor="ctr">
-              <a:noAutofit/>
-            </a:bodyPr>
-            <a:lstStyle/>
-            <a:p>
-              <a:pPr/>
-            </a:p>
-          </p:txBody>
-        </p:sp>
-        <p:pic>
-          <p:nvPicPr>
-            <p:cNvPr id="208" name="image12.png" descr="image12.png"/>
-            <p:cNvPicPr>
-              <a:picLocks noChangeAspect="1"/>
-            </p:cNvPicPr>
-            <p:nvPr/>
-          </p:nvPicPr>
-          <p:blipFill>
-            <a:blip r:embed="rId3">
-              <a:extLst/>
-            </a:blip>
-            <a:srcRect l="0" t="0" r="2" b="0"/>
-            <a:stretch>
-              <a:fillRect/>
-            </a:stretch>
-          </p:blipFill>
-          <p:spPr>
-            <a:xfrm>
-              <a:off x="0" y="0"/>
-              <a:ext cx="7684294" cy="5303685"/>
-            </a:xfrm>
-            <a:custGeom>
-              <a:avLst/>
-              <a:gdLst/>
-              <a:ahLst/>
-              <a:cxnLst>
-                <a:cxn ang="0">
-                  <a:pos x="wd2" y="hd2"/>
-                </a:cxn>
-                <a:cxn ang="5400000">
-                  <a:pos x="wd2" y="hd2"/>
-                </a:cxn>
-                <a:cxn ang="10800000">
-                  <a:pos x="wd2" y="hd2"/>
-                </a:cxn>
-                <a:cxn ang="16200000">
-                  <a:pos x="wd2" y="hd2"/>
-                </a:cxn>
-              </a:cxnLst>
-              <a:rect l="0" t="0" r="r" b="b"/>
-              <a:pathLst>
-                <a:path w="21600" h="21600" fill="norm" stroke="1" extrusionOk="0">
-                  <a:moveTo>
-                    <a:pt x="1281" y="0"/>
-                  </a:moveTo>
-                  <a:cubicBezTo>
-                    <a:pt x="573" y="0"/>
-                    <a:pt x="0" y="830"/>
-                    <a:pt x="0" y="1855"/>
-                  </a:cubicBezTo>
-                  <a:lnTo>
-                    <a:pt x="0" y="19743"/>
-                  </a:lnTo>
-                  <a:cubicBezTo>
-                    <a:pt x="0" y="20768"/>
-                    <a:pt x="573" y="21600"/>
-                    <a:pt x="1281" y="21600"/>
-                  </a:cubicBezTo>
-                  <a:lnTo>
-                    <a:pt x="20319" y="21600"/>
-                  </a:lnTo>
-                  <a:cubicBezTo>
-                    <a:pt x="21027" y="21600"/>
-                    <a:pt x="21600" y="20768"/>
-                    <a:pt x="21600" y="19743"/>
-                  </a:cubicBezTo>
-                  <a:lnTo>
-                    <a:pt x="21600" y="1855"/>
-                  </a:lnTo>
-                  <a:cubicBezTo>
-                    <a:pt x="21600" y="830"/>
-                    <a:pt x="21027" y="0"/>
-                    <a:pt x="20319" y="0"/>
-                  </a:cubicBezTo>
-                  <a:lnTo>
-                    <a:pt x="1281" y="0"/>
-                  </a:lnTo>
-                  <a:close/>
-                </a:path>
-              </a:pathLst>
-            </a:custGeom>
-            <a:ln w="12700" cap="flat">
-              <a:noFill/>
-              <a:miter lim="400000"/>
-            </a:ln>
-            <a:effectLst>
-              <a:reflection blurRad="0" stA="38000" stPos="0" endA="0" endPos="40000" dist="0" dir="5400000" fadeDir="5400000" sx="100000" sy="-100000" kx="0" ky="0" algn="bl" rotWithShape="0"/>
-            </a:effectLst>
-          </p:spPr>
-        </p:pic>
-      </p:grpSp>
-    </p:spTree>
-  </p:cSld>
-  <p:clrMapOvr>
-    <a:masterClrMapping/>
-  </p:clrMapOvr>
-  <p:transition xmlns:p14="http://schemas.microsoft.com/office/powerpoint/2010/main" spd="med" advClick="1"/>
-</p:sld>
-</file>
-
 <file path=ppt/theme/theme1.xml><?xml version="1.0" encoding="utf-8"?>
-<a:theme xmlns:a="http://schemas.openxmlformats.org/drawingml/2006/main" xmlns:r="http://schemas.openxmlformats.org/officeDocument/2006/relationships" name="Galerie">
+<a:theme xmlns:a="http://schemas.openxmlformats.org/drawingml/2006/main" name="Galerie">
   <a:themeElements>
     <a:clrScheme name="Galerie">
       <a:dk1>
@@ -10834,7 +11134,7 @@
         <a:effectLst/>
         <a:sp3d/>
       </a:spPr>
-      <a:bodyPr rot="0" spcFirstLastPara="1" vertOverflow="overflow" horzOverflow="overflow" vert="horz" wrap="square" lIns="45719" tIns="45719" rIns="45719" bIns="45719" numCol="1" spcCol="38100" rtlCol="0" anchor="ctr" upright="0">
+      <a:bodyPr rot="0" spcFirstLastPara="1" vertOverflow="overflow" horzOverflow="overflow" vert="horz" wrap="square" lIns="45719" tIns="45719" rIns="45719" bIns="45719" numCol="1" spcCol="38100" rtlCol="0" anchor="ctr">
         <a:spAutoFit/>
       </a:bodyPr>
       <a:lstStyle>
@@ -10853,7 +11153,7 @@
           <a:buFontTx/>
           <a:buNone/>
           <a:tabLst/>
-          <a:defRPr b="0" baseline="0" cap="none" i="0" spc="0" strike="noStrike" sz="1800" u="none" kumimoji="0" normalizeH="0">
+          <a:defRPr kumimoji="0" sz="1800" b="0" i="0" u="none" strike="noStrike" cap="none" spc="0" normalizeH="0" baseline="0">
             <a:ln>
               <a:noFill/>
             </a:ln>
@@ -10883,7 +11183,7 @@
           <a:buFontTx/>
           <a:buNone/>
           <a:tabLst/>
-          <a:defRPr b="0" baseline="0" cap="none" i="0" spc="0" strike="noStrike" sz="1800" u="none" kumimoji="0" normalizeH="0">
+          <a:defRPr kumimoji="0" sz="1800" b="0" i="0" u="none" strike="noStrike" cap="none" spc="0" normalizeH="0" baseline="0">
             <a:ln>
               <a:noFill/>
             </a:ln>
@@ -10909,7 +11209,7 @@
           <a:buFontTx/>
           <a:buNone/>
           <a:tabLst/>
-          <a:defRPr b="0" baseline="0" cap="none" i="0" spc="0" strike="noStrike" sz="1800" u="none" kumimoji="0" normalizeH="0">
+          <a:defRPr kumimoji="0" sz="1800" b="0" i="0" u="none" strike="noStrike" cap="none" spc="0" normalizeH="0" baseline="0">
             <a:ln>
               <a:noFill/>
             </a:ln>
@@ -10935,7 +11235,7 @@
           <a:buFontTx/>
           <a:buNone/>
           <a:tabLst/>
-          <a:defRPr b="0" baseline="0" cap="none" i="0" spc="0" strike="noStrike" sz="1800" u="none" kumimoji="0" normalizeH="0">
+          <a:defRPr kumimoji="0" sz="1800" b="0" i="0" u="none" strike="noStrike" cap="none" spc="0" normalizeH="0" baseline="0">
             <a:ln>
               <a:noFill/>
             </a:ln>
@@ -10961,7 +11261,7 @@
           <a:buFontTx/>
           <a:buNone/>
           <a:tabLst/>
-          <a:defRPr b="0" baseline="0" cap="none" i="0" spc="0" strike="noStrike" sz="1800" u="none" kumimoji="0" normalizeH="0">
+          <a:defRPr kumimoji="0" sz="1800" b="0" i="0" u="none" strike="noStrike" cap="none" spc="0" normalizeH="0" baseline="0">
             <a:ln>
               <a:noFill/>
             </a:ln>
@@ -10987,7 +11287,7 @@
           <a:buFontTx/>
           <a:buNone/>
           <a:tabLst/>
-          <a:defRPr b="0" baseline="0" cap="none" i="0" spc="0" strike="noStrike" sz="1800" u="none" kumimoji="0" normalizeH="0">
+          <a:defRPr kumimoji="0" sz="1800" b="0" i="0" u="none" strike="noStrike" cap="none" spc="0" normalizeH="0" baseline="0">
             <a:ln>
               <a:noFill/>
             </a:ln>
@@ -11013,7 +11313,7 @@
           <a:buFontTx/>
           <a:buNone/>
           <a:tabLst/>
-          <a:defRPr b="0" baseline="0" cap="none" i="0" spc="0" strike="noStrike" sz="1800" u="none" kumimoji="0" normalizeH="0">
+          <a:defRPr kumimoji="0" sz="1800" b="0" i="0" u="none" strike="noStrike" cap="none" spc="0" normalizeH="0" baseline="0">
             <a:ln>
               <a:noFill/>
             </a:ln>
@@ -11039,7 +11339,7 @@
           <a:buFontTx/>
           <a:buNone/>
           <a:tabLst/>
-          <a:defRPr b="0" baseline="0" cap="none" i="0" spc="0" strike="noStrike" sz="1800" u="none" kumimoji="0" normalizeH="0">
+          <a:defRPr kumimoji="0" sz="1800" b="0" i="0" u="none" strike="noStrike" cap="none" spc="0" normalizeH="0" baseline="0">
             <a:ln>
               <a:noFill/>
             </a:ln>
@@ -11065,7 +11365,7 @@
           <a:buFontTx/>
           <a:buNone/>
           <a:tabLst/>
-          <a:defRPr b="0" baseline="0" cap="none" i="0" spc="0" strike="noStrike" sz="1800" u="none" kumimoji="0" normalizeH="0">
+          <a:defRPr kumimoji="0" sz="1800" b="0" i="0" u="none" strike="noStrike" cap="none" spc="0" normalizeH="0" baseline="0">
             <a:ln>
               <a:noFill/>
             </a:ln>
@@ -11091,7 +11391,7 @@
           <a:buFontTx/>
           <a:buNone/>
           <a:tabLst/>
-          <a:defRPr b="0" baseline="0" cap="none" i="0" spc="0" strike="noStrike" sz="1800" u="none" kumimoji="0" normalizeH="0">
+          <a:defRPr kumimoji="0" sz="1800" b="0" i="0" u="none" strike="noStrike" cap="none" spc="0" normalizeH="0" baseline="0">
             <a:ln>
               <a:noFill/>
             </a:ln>
@@ -11104,9 +11404,15 @@
         </a:lvl9pPr>
       </a:lstStyle>
       <a:style>
-        <a:lnRef idx="0"/>
-        <a:fillRef idx="0"/>
-        <a:effectRef idx="0"/>
+        <a:lnRef idx="0">
+          <a:scrgbClr r="0" g="0" b="0"/>
+        </a:lnRef>
+        <a:fillRef idx="0">
+          <a:scrgbClr r="0" g="0" b="0"/>
+        </a:fillRef>
+        <a:effectRef idx="0">
+          <a:scrgbClr r="0" g="0" b="0"/>
+        </a:effectRef>
         <a:fontRef idx="none"/>
       </a:style>
     </a:spDef>
@@ -11123,7 +11429,7 @@
         <a:effectLst/>
         <a:sp3d/>
       </a:spPr>
-      <a:bodyPr rot="0" spcFirstLastPara="1" vertOverflow="overflow" horzOverflow="overflow" vert="horz" wrap="square" lIns="91439" tIns="45719" rIns="91439" bIns="45719" numCol="1" spcCol="38100" rtlCol="0" anchor="t" upright="0">
+      <a:bodyPr rot="0" spcFirstLastPara="1" vertOverflow="overflow" horzOverflow="overflow" vert="horz" wrap="square" lIns="91439" tIns="45719" rIns="91439" bIns="45719" numCol="1" spcCol="38100" rtlCol="0" anchor="t">
         <a:noAutofit/>
       </a:bodyPr>
       <a:lstStyle>
@@ -11142,7 +11448,7 @@
           <a:buFontTx/>
           <a:buNone/>
           <a:tabLst/>
-          <a:defRPr b="0" baseline="0" cap="none" i="0" spc="0" strike="noStrike" sz="1800" u="none" kumimoji="0" normalizeH="0">
+          <a:defRPr kumimoji="0" sz="1800" b="0" i="0" u="none" strike="noStrike" cap="none" spc="0" normalizeH="0" baseline="0">
             <a:ln>
               <a:noFill/>
             </a:ln>
@@ -11168,7 +11474,7 @@
           <a:buFontTx/>
           <a:buNone/>
           <a:tabLst/>
-          <a:defRPr b="0" baseline="0" cap="none" i="0" spc="0" strike="noStrike" sz="1800" u="none" kumimoji="0" normalizeH="0">
+          <a:defRPr kumimoji="0" sz="1800" b="0" i="0" u="none" strike="noStrike" cap="none" spc="0" normalizeH="0" baseline="0">
             <a:ln>
               <a:noFill/>
             </a:ln>
@@ -11194,7 +11500,7 @@
           <a:buFontTx/>
           <a:buNone/>
           <a:tabLst/>
-          <a:defRPr b="0" baseline="0" cap="none" i="0" spc="0" strike="noStrike" sz="1800" u="none" kumimoji="0" normalizeH="0">
+          <a:defRPr kumimoji="0" sz="1800" b="0" i="0" u="none" strike="noStrike" cap="none" spc="0" normalizeH="0" baseline="0">
             <a:ln>
               <a:noFill/>
             </a:ln>
@@ -11220,7 +11526,7 @@
           <a:buFontTx/>
           <a:buNone/>
           <a:tabLst/>
-          <a:defRPr b="0" baseline="0" cap="none" i="0" spc="0" strike="noStrike" sz="1800" u="none" kumimoji="0" normalizeH="0">
+          <a:defRPr kumimoji="0" sz="1800" b="0" i="0" u="none" strike="noStrike" cap="none" spc="0" normalizeH="0" baseline="0">
             <a:ln>
               <a:noFill/>
             </a:ln>
@@ -11246,7 +11552,7 @@
           <a:buFontTx/>
           <a:buNone/>
           <a:tabLst/>
-          <a:defRPr b="0" baseline="0" cap="none" i="0" spc="0" strike="noStrike" sz="1800" u="none" kumimoji="0" normalizeH="0">
+          <a:defRPr kumimoji="0" sz="1800" b="0" i="0" u="none" strike="noStrike" cap="none" spc="0" normalizeH="0" baseline="0">
             <a:ln>
               <a:noFill/>
             </a:ln>
@@ -11272,7 +11578,7 @@
           <a:buFontTx/>
           <a:buNone/>
           <a:tabLst/>
-          <a:defRPr b="0" baseline="0" cap="none" i="0" spc="0" strike="noStrike" sz="1800" u="none" kumimoji="0" normalizeH="0">
+          <a:defRPr kumimoji="0" sz="1800" b="0" i="0" u="none" strike="noStrike" cap="none" spc="0" normalizeH="0" baseline="0">
             <a:ln>
               <a:noFill/>
             </a:ln>
@@ -11298,7 +11604,7 @@
           <a:buFontTx/>
           <a:buNone/>
           <a:tabLst/>
-          <a:defRPr b="0" baseline="0" cap="none" i="0" spc="0" strike="noStrike" sz="1800" u="none" kumimoji="0" normalizeH="0">
+          <a:defRPr kumimoji="0" sz="1800" b="0" i="0" u="none" strike="noStrike" cap="none" spc="0" normalizeH="0" baseline="0">
             <a:ln>
               <a:noFill/>
             </a:ln>
@@ -11324,7 +11630,7 @@
           <a:buFontTx/>
           <a:buNone/>
           <a:tabLst/>
-          <a:defRPr b="0" baseline="0" cap="none" i="0" spc="0" strike="noStrike" sz="1800" u="none" kumimoji="0" normalizeH="0">
+          <a:defRPr kumimoji="0" sz="1800" b="0" i="0" u="none" strike="noStrike" cap="none" spc="0" normalizeH="0" baseline="0">
             <a:ln>
               <a:noFill/>
             </a:ln>
@@ -11350,7 +11656,7 @@
           <a:buFontTx/>
           <a:buNone/>
           <a:tabLst/>
-          <a:defRPr b="0" baseline="0" cap="none" i="0" spc="0" strike="noStrike" sz="1800" u="none" kumimoji="0" normalizeH="0">
+          <a:defRPr kumimoji="0" sz="1800" b="0" i="0" u="none" strike="noStrike" cap="none" spc="0" normalizeH="0" baseline="0">
             <a:ln>
               <a:noFill/>
             </a:ln>
@@ -11376,7 +11682,7 @@
           <a:buFontTx/>
           <a:buNone/>
           <a:tabLst/>
-          <a:defRPr b="0" baseline="0" cap="none" i="0" spc="0" strike="noStrike" sz="1800" u="none" kumimoji="0" normalizeH="0">
+          <a:defRPr kumimoji="0" sz="1800" b="0" i="0" u="none" strike="noStrike" cap="none" spc="0" normalizeH="0" baseline="0">
             <a:ln>
               <a:noFill/>
             </a:ln>
@@ -11389,9 +11695,15 @@
         </a:lvl9pPr>
       </a:lstStyle>
       <a:style>
-        <a:lnRef idx="0"/>
-        <a:fillRef idx="0"/>
-        <a:effectRef idx="0"/>
+        <a:lnRef idx="0">
+          <a:scrgbClr r="0" g="0" b="0"/>
+        </a:lnRef>
+        <a:fillRef idx="0">
+          <a:scrgbClr r="0" g="0" b="0"/>
+        </a:fillRef>
+        <a:effectRef idx="0">
+          <a:scrgbClr r="0" g="0" b="0"/>
+        </a:effectRef>
         <a:fontRef idx="none"/>
       </a:style>
     </a:lnDef>
@@ -11405,7 +11717,7 @@
         <a:effectLst/>
         <a:sp3d/>
       </a:spPr>
-      <a:bodyPr rot="0" spcFirstLastPara="1" vertOverflow="overflow" horzOverflow="overflow" vert="horz" wrap="square" lIns="45719" tIns="45719" rIns="45719" bIns="45719" numCol="1" spcCol="38100" rtlCol="0" anchor="t" upright="0">
+      <a:bodyPr rot="0" spcFirstLastPara="1" vertOverflow="overflow" horzOverflow="overflow" vert="horz" wrap="square" lIns="45719" tIns="45719" rIns="45719" bIns="45719" numCol="1" spcCol="38100" rtlCol="0" anchor="t">
         <a:spAutoFit/>
       </a:bodyPr>
       <a:lstStyle>
@@ -11424,7 +11736,7 @@
           <a:buFontTx/>
           <a:buNone/>
           <a:tabLst/>
-          <a:defRPr b="0" baseline="0" cap="none" i="0" spc="0" strike="noStrike" sz="1800" u="none" kumimoji="0" normalizeH="0">
+          <a:defRPr kumimoji="0" sz="1800" b="0" i="0" u="none" strike="noStrike" cap="none" spc="0" normalizeH="0" baseline="0">
             <a:ln>
               <a:noFill/>
             </a:ln>
@@ -11454,7 +11766,7 @@
           <a:buFontTx/>
           <a:buNone/>
           <a:tabLst/>
-          <a:defRPr b="0" baseline="0" cap="none" i="0" spc="0" strike="noStrike" sz="1800" u="none" kumimoji="0" normalizeH="0">
+          <a:defRPr kumimoji="0" sz="1800" b="0" i="0" u="none" strike="noStrike" cap="none" spc="0" normalizeH="0" baseline="0">
             <a:ln>
               <a:noFill/>
             </a:ln>
@@ -11480,7 +11792,7 @@
           <a:buFontTx/>
           <a:buNone/>
           <a:tabLst/>
-          <a:defRPr b="0" baseline="0" cap="none" i="0" spc="0" strike="noStrike" sz="1800" u="none" kumimoji="0" normalizeH="0">
+          <a:defRPr kumimoji="0" sz="1800" b="0" i="0" u="none" strike="noStrike" cap="none" spc="0" normalizeH="0" baseline="0">
             <a:ln>
               <a:noFill/>
             </a:ln>
@@ -11506,7 +11818,7 @@
           <a:buFontTx/>
           <a:buNone/>
           <a:tabLst/>
-          <a:defRPr b="0" baseline="0" cap="none" i="0" spc="0" strike="noStrike" sz="1800" u="none" kumimoji="0" normalizeH="0">
+          <a:defRPr kumimoji="0" sz="1800" b="0" i="0" u="none" strike="noStrike" cap="none" spc="0" normalizeH="0" baseline="0">
             <a:ln>
               <a:noFill/>
             </a:ln>
@@ -11532,7 +11844,7 @@
           <a:buFontTx/>
           <a:buNone/>
           <a:tabLst/>
-          <a:defRPr b="0" baseline="0" cap="none" i="0" spc="0" strike="noStrike" sz="1800" u="none" kumimoji="0" normalizeH="0">
+          <a:defRPr kumimoji="0" sz="1800" b="0" i="0" u="none" strike="noStrike" cap="none" spc="0" normalizeH="0" baseline="0">
             <a:ln>
               <a:noFill/>
             </a:ln>
@@ -11558,7 +11870,7 @@
           <a:buFontTx/>
           <a:buNone/>
           <a:tabLst/>
-          <a:defRPr b="0" baseline="0" cap="none" i="0" spc="0" strike="noStrike" sz="1800" u="none" kumimoji="0" normalizeH="0">
+          <a:defRPr kumimoji="0" sz="1800" b="0" i="0" u="none" strike="noStrike" cap="none" spc="0" normalizeH="0" baseline="0">
             <a:ln>
               <a:noFill/>
             </a:ln>
@@ -11584,7 +11896,7 @@
           <a:buFontTx/>
           <a:buNone/>
           <a:tabLst/>
-          <a:defRPr b="0" baseline="0" cap="none" i="0" spc="0" strike="noStrike" sz="1800" u="none" kumimoji="0" normalizeH="0">
+          <a:defRPr kumimoji="0" sz="1800" b="0" i="0" u="none" strike="noStrike" cap="none" spc="0" normalizeH="0" baseline="0">
             <a:ln>
               <a:noFill/>
             </a:ln>
@@ -11610,7 +11922,7 @@
           <a:buFontTx/>
           <a:buNone/>
           <a:tabLst/>
-          <a:defRPr b="0" baseline="0" cap="none" i="0" spc="0" strike="noStrike" sz="1800" u="none" kumimoji="0" normalizeH="0">
+          <a:defRPr kumimoji="0" sz="1800" b="0" i="0" u="none" strike="noStrike" cap="none" spc="0" normalizeH="0" baseline="0">
             <a:ln>
               <a:noFill/>
             </a:ln>
@@ -11636,7 +11948,7 @@
           <a:buFontTx/>
           <a:buNone/>
           <a:tabLst/>
-          <a:defRPr b="0" baseline="0" cap="none" i="0" spc="0" strike="noStrike" sz="1800" u="none" kumimoji="0" normalizeH="0">
+          <a:defRPr kumimoji="0" sz="1800" b="0" i="0" u="none" strike="noStrike" cap="none" spc="0" normalizeH="0" baseline="0">
             <a:ln>
               <a:noFill/>
             </a:ln>
@@ -11662,7 +11974,7 @@
           <a:buFontTx/>
           <a:buNone/>
           <a:tabLst/>
-          <a:defRPr b="0" baseline="0" cap="none" i="0" spc="0" strike="noStrike" sz="1800" u="none" kumimoji="0" normalizeH="0">
+          <a:defRPr kumimoji="0" sz="1800" b="0" i="0" u="none" strike="noStrike" cap="none" spc="0" normalizeH="0" baseline="0">
             <a:ln>
               <a:noFill/>
             </a:ln>
@@ -11675,18 +11987,25 @@
         </a:lvl9pPr>
       </a:lstStyle>
       <a:style>
-        <a:lnRef idx="0"/>
-        <a:fillRef idx="0"/>
-        <a:effectRef idx="0"/>
+        <a:lnRef idx="0">
+          <a:scrgbClr r="0" g="0" b="0"/>
+        </a:lnRef>
+        <a:fillRef idx="0">
+          <a:scrgbClr r="0" g="0" b="0"/>
+        </a:fillRef>
+        <a:effectRef idx="0">
+          <a:scrgbClr r="0" g="0" b="0"/>
+        </a:effectRef>
         <a:fontRef idx="none"/>
       </a:style>
     </a:txDef>
   </a:objectDefaults>
+  <a:extraClrSchemeLst/>
 </a:theme>
 </file>
 
 <file path=ppt/theme/theme2.xml><?xml version="1.0" encoding="utf-8"?>
-<a:theme xmlns:a="http://schemas.openxmlformats.org/drawingml/2006/main" xmlns:r="http://schemas.openxmlformats.org/officeDocument/2006/relationships" name="Galerie">
+<a:theme xmlns:a="http://schemas.openxmlformats.org/drawingml/2006/main" name="Galerie">
   <a:themeElements>
     <a:clrScheme name="Galerie">
       <a:dk1>
@@ -11888,7 +12207,7 @@
         <a:effectLst/>
         <a:sp3d/>
       </a:spPr>
-      <a:bodyPr rot="0" spcFirstLastPara="1" vertOverflow="overflow" horzOverflow="overflow" vert="horz" wrap="square" lIns="45719" tIns="45719" rIns="45719" bIns="45719" numCol="1" spcCol="38100" rtlCol="0" anchor="ctr" upright="0">
+      <a:bodyPr rot="0" spcFirstLastPara="1" vertOverflow="overflow" horzOverflow="overflow" vert="horz" wrap="square" lIns="45719" tIns="45719" rIns="45719" bIns="45719" numCol="1" spcCol="38100" rtlCol="0" anchor="ctr">
         <a:spAutoFit/>
       </a:bodyPr>
       <a:lstStyle>
@@ -11907,7 +12226,7 @@
           <a:buFontTx/>
           <a:buNone/>
           <a:tabLst/>
-          <a:defRPr b="0" baseline="0" cap="none" i="0" spc="0" strike="noStrike" sz="1800" u="none" kumimoji="0" normalizeH="0">
+          <a:defRPr kumimoji="0" sz="1800" b="0" i="0" u="none" strike="noStrike" cap="none" spc="0" normalizeH="0" baseline="0">
             <a:ln>
               <a:noFill/>
             </a:ln>
@@ -11937,7 +12256,7 @@
           <a:buFontTx/>
           <a:buNone/>
           <a:tabLst/>
-          <a:defRPr b="0" baseline="0" cap="none" i="0" spc="0" strike="noStrike" sz="1800" u="none" kumimoji="0" normalizeH="0">
+          <a:defRPr kumimoji="0" sz="1800" b="0" i="0" u="none" strike="noStrike" cap="none" spc="0" normalizeH="0" baseline="0">
             <a:ln>
               <a:noFill/>
             </a:ln>
@@ -11963,7 +12282,7 @@
           <a:buFontTx/>
           <a:buNone/>
           <a:tabLst/>
-          <a:defRPr b="0" baseline="0" cap="none" i="0" spc="0" strike="noStrike" sz="1800" u="none" kumimoji="0" normalizeH="0">
+          <a:defRPr kumimoji="0" sz="1800" b="0" i="0" u="none" strike="noStrike" cap="none" spc="0" normalizeH="0" baseline="0">
             <a:ln>
               <a:noFill/>
             </a:ln>
@@ -11989,7 +12308,7 @@
           <a:buFontTx/>
           <a:buNone/>
           <a:tabLst/>
-          <a:defRPr b="0" baseline="0" cap="none" i="0" spc="0" strike="noStrike" sz="1800" u="none" kumimoji="0" normalizeH="0">
+          <a:defRPr kumimoji="0" sz="1800" b="0" i="0" u="none" strike="noStrike" cap="none" spc="0" normalizeH="0" baseline="0">
             <a:ln>
               <a:noFill/>
             </a:ln>
@@ -12015,7 +12334,7 @@
           <a:buFontTx/>
           <a:buNone/>
           <a:tabLst/>
-          <a:defRPr b="0" baseline="0" cap="none" i="0" spc="0" strike="noStrike" sz="1800" u="none" kumimoji="0" normalizeH="0">
+          <a:defRPr kumimoji="0" sz="1800" b="0" i="0" u="none" strike="noStrike" cap="none" spc="0" normalizeH="0" baseline="0">
             <a:ln>
               <a:noFill/>
             </a:ln>
@@ -12041,7 +12360,7 @@
           <a:buFontTx/>
           <a:buNone/>
           <a:tabLst/>
-          <a:defRPr b="0" baseline="0" cap="none" i="0" spc="0" strike="noStrike" sz="1800" u="none" kumimoji="0" normalizeH="0">
+          <a:defRPr kumimoji="0" sz="1800" b="0" i="0" u="none" strike="noStrike" cap="none" spc="0" normalizeH="0" baseline="0">
             <a:ln>
               <a:noFill/>
             </a:ln>
@@ -12067,7 +12386,7 @@
           <a:buFontTx/>
           <a:buNone/>
           <a:tabLst/>
-          <a:defRPr b="0" baseline="0" cap="none" i="0" spc="0" strike="noStrike" sz="1800" u="none" kumimoji="0" normalizeH="0">
+          <a:defRPr kumimoji="0" sz="1800" b="0" i="0" u="none" strike="noStrike" cap="none" spc="0" normalizeH="0" baseline="0">
             <a:ln>
               <a:noFill/>
             </a:ln>
@@ -12093,7 +12412,7 @@
           <a:buFontTx/>
           <a:buNone/>
           <a:tabLst/>
-          <a:defRPr b="0" baseline="0" cap="none" i="0" spc="0" strike="noStrike" sz="1800" u="none" kumimoji="0" normalizeH="0">
+          <a:defRPr kumimoji="0" sz="1800" b="0" i="0" u="none" strike="noStrike" cap="none" spc="0" normalizeH="0" baseline="0">
             <a:ln>
               <a:noFill/>
             </a:ln>
@@ -12119,7 +12438,7 @@
           <a:buFontTx/>
           <a:buNone/>
           <a:tabLst/>
-          <a:defRPr b="0" baseline="0" cap="none" i="0" spc="0" strike="noStrike" sz="1800" u="none" kumimoji="0" normalizeH="0">
+          <a:defRPr kumimoji="0" sz="1800" b="0" i="0" u="none" strike="noStrike" cap="none" spc="0" normalizeH="0" baseline="0">
             <a:ln>
               <a:noFill/>
             </a:ln>
@@ -12145,7 +12464,7 @@
           <a:buFontTx/>
           <a:buNone/>
           <a:tabLst/>
-          <a:defRPr b="0" baseline="0" cap="none" i="0" spc="0" strike="noStrike" sz="1800" u="none" kumimoji="0" normalizeH="0">
+          <a:defRPr kumimoji="0" sz="1800" b="0" i="0" u="none" strike="noStrike" cap="none" spc="0" normalizeH="0" baseline="0">
             <a:ln>
               <a:noFill/>
             </a:ln>
@@ -12158,9 +12477,15 @@
         </a:lvl9pPr>
       </a:lstStyle>
       <a:style>
-        <a:lnRef idx="0"/>
-        <a:fillRef idx="0"/>
-        <a:effectRef idx="0"/>
+        <a:lnRef idx="0">
+          <a:scrgbClr r="0" g="0" b="0"/>
+        </a:lnRef>
+        <a:fillRef idx="0">
+          <a:scrgbClr r="0" g="0" b="0"/>
+        </a:fillRef>
+        <a:effectRef idx="0">
+          <a:scrgbClr r="0" g="0" b="0"/>
+        </a:effectRef>
         <a:fontRef idx="none"/>
       </a:style>
     </a:spDef>
@@ -12177,7 +12502,7 @@
         <a:effectLst/>
         <a:sp3d/>
       </a:spPr>
-      <a:bodyPr rot="0" spcFirstLastPara="1" vertOverflow="overflow" horzOverflow="overflow" vert="horz" wrap="square" lIns="91439" tIns="45719" rIns="91439" bIns="45719" numCol="1" spcCol="38100" rtlCol="0" anchor="t" upright="0">
+      <a:bodyPr rot="0" spcFirstLastPara="1" vertOverflow="overflow" horzOverflow="overflow" vert="horz" wrap="square" lIns="91439" tIns="45719" rIns="91439" bIns="45719" numCol="1" spcCol="38100" rtlCol="0" anchor="t">
         <a:noAutofit/>
       </a:bodyPr>
       <a:lstStyle>
@@ -12196,7 +12521,7 @@
           <a:buFontTx/>
           <a:buNone/>
           <a:tabLst/>
-          <a:defRPr b="0" baseline="0" cap="none" i="0" spc="0" strike="noStrike" sz="1800" u="none" kumimoji="0" normalizeH="0">
+          <a:defRPr kumimoji="0" sz="1800" b="0" i="0" u="none" strike="noStrike" cap="none" spc="0" normalizeH="0" baseline="0">
             <a:ln>
               <a:noFill/>
             </a:ln>
@@ -12222,7 +12547,7 @@
           <a:buFontTx/>
           <a:buNone/>
           <a:tabLst/>
-          <a:defRPr b="0" baseline="0" cap="none" i="0" spc="0" strike="noStrike" sz="1800" u="none" kumimoji="0" normalizeH="0">
+          <a:defRPr kumimoji="0" sz="1800" b="0" i="0" u="none" strike="noStrike" cap="none" spc="0" normalizeH="0" baseline="0">
             <a:ln>
               <a:noFill/>
             </a:ln>
@@ -12248,7 +12573,7 @@
           <a:buFontTx/>
           <a:buNone/>
           <a:tabLst/>
-          <a:defRPr b="0" baseline="0" cap="none" i="0" spc="0" strike="noStrike" sz="1800" u="none" kumimoji="0" normalizeH="0">
+          <a:defRPr kumimoji="0" sz="1800" b="0" i="0" u="none" strike="noStrike" cap="none" spc="0" normalizeH="0" baseline="0">
             <a:ln>
               <a:noFill/>
             </a:ln>
@@ -12274,7 +12599,7 @@
           <a:buFontTx/>
           <a:buNone/>
           <a:tabLst/>
-          <a:defRPr b="0" baseline="0" cap="none" i="0" spc="0" strike="noStrike" sz="1800" u="none" kumimoji="0" normalizeH="0">
+          <a:defRPr kumimoji="0" sz="1800" b="0" i="0" u="none" strike="noStrike" cap="none" spc="0" normalizeH="0" baseline="0">
             <a:ln>
               <a:noFill/>
             </a:ln>
@@ -12300,7 +12625,7 @@
           <a:buFontTx/>
           <a:buNone/>
           <a:tabLst/>
-          <a:defRPr b="0" baseline="0" cap="none" i="0" spc="0" strike="noStrike" sz="1800" u="none" kumimoji="0" normalizeH="0">
+          <a:defRPr kumimoji="0" sz="1800" b="0" i="0" u="none" strike="noStrike" cap="none" spc="0" normalizeH="0" baseline="0">
             <a:ln>
               <a:noFill/>
             </a:ln>
@@ -12326,7 +12651,7 @@
           <a:buFontTx/>
           <a:buNone/>
           <a:tabLst/>
-          <a:defRPr b="0" baseline="0" cap="none" i="0" spc="0" strike="noStrike" sz="1800" u="none" kumimoji="0" normalizeH="0">
+          <a:defRPr kumimoji="0" sz="1800" b="0" i="0" u="none" strike="noStrike" cap="none" spc="0" normalizeH="0" baseline="0">
             <a:ln>
               <a:noFill/>
             </a:ln>
@@ -12352,7 +12677,7 @@
           <a:buFontTx/>
           <a:buNone/>
           <a:tabLst/>
-          <a:defRPr b="0" baseline="0" cap="none" i="0" spc="0" strike="noStrike" sz="1800" u="none" kumimoji="0" normalizeH="0">
+          <a:defRPr kumimoji="0" sz="1800" b="0" i="0" u="none" strike="noStrike" cap="none" spc="0" normalizeH="0" baseline="0">
             <a:ln>
               <a:noFill/>
             </a:ln>
@@ -12378,7 +12703,7 @@
           <a:buFontTx/>
           <a:buNone/>
           <a:tabLst/>
-          <a:defRPr b="0" baseline="0" cap="none" i="0" spc="0" strike="noStrike" sz="1800" u="none" kumimoji="0" normalizeH="0">
+          <a:defRPr kumimoji="0" sz="1800" b="0" i="0" u="none" strike="noStrike" cap="none" spc="0" normalizeH="0" baseline="0">
             <a:ln>
               <a:noFill/>
             </a:ln>
@@ -12404,7 +12729,7 @@
           <a:buFontTx/>
           <a:buNone/>
           <a:tabLst/>
-          <a:defRPr b="0" baseline="0" cap="none" i="0" spc="0" strike="noStrike" sz="1800" u="none" kumimoji="0" normalizeH="0">
+          <a:defRPr kumimoji="0" sz="1800" b="0" i="0" u="none" strike="noStrike" cap="none" spc="0" normalizeH="0" baseline="0">
             <a:ln>
               <a:noFill/>
             </a:ln>
@@ -12430,7 +12755,7 @@
           <a:buFontTx/>
           <a:buNone/>
           <a:tabLst/>
-          <a:defRPr b="0" baseline="0" cap="none" i="0" spc="0" strike="noStrike" sz="1800" u="none" kumimoji="0" normalizeH="0">
+          <a:defRPr kumimoji="0" sz="1800" b="0" i="0" u="none" strike="noStrike" cap="none" spc="0" normalizeH="0" baseline="0">
             <a:ln>
               <a:noFill/>
             </a:ln>
@@ -12443,9 +12768,15 @@
         </a:lvl9pPr>
       </a:lstStyle>
       <a:style>
-        <a:lnRef idx="0"/>
-        <a:fillRef idx="0"/>
-        <a:effectRef idx="0"/>
+        <a:lnRef idx="0">
+          <a:scrgbClr r="0" g="0" b="0"/>
+        </a:lnRef>
+        <a:fillRef idx="0">
+          <a:scrgbClr r="0" g="0" b="0"/>
+        </a:fillRef>
+        <a:effectRef idx="0">
+          <a:scrgbClr r="0" g="0" b="0"/>
+        </a:effectRef>
         <a:fontRef idx="none"/>
       </a:style>
     </a:lnDef>
@@ -12459,7 +12790,7 @@
         <a:effectLst/>
         <a:sp3d/>
       </a:spPr>
-      <a:bodyPr rot="0" spcFirstLastPara="1" vertOverflow="overflow" horzOverflow="overflow" vert="horz" wrap="square" lIns="45719" tIns="45719" rIns="45719" bIns="45719" numCol="1" spcCol="38100" rtlCol="0" anchor="t" upright="0">
+      <a:bodyPr rot="0" spcFirstLastPara="1" vertOverflow="overflow" horzOverflow="overflow" vert="horz" wrap="square" lIns="45719" tIns="45719" rIns="45719" bIns="45719" numCol="1" spcCol="38100" rtlCol="0" anchor="t">
         <a:spAutoFit/>
       </a:bodyPr>
       <a:lstStyle>
@@ -12478,7 +12809,7 @@
           <a:buFontTx/>
           <a:buNone/>
           <a:tabLst/>
-          <a:defRPr b="0" baseline="0" cap="none" i="0" spc="0" strike="noStrike" sz="1800" u="none" kumimoji="0" normalizeH="0">
+          <a:defRPr kumimoji="0" sz="1800" b="0" i="0" u="none" strike="noStrike" cap="none" spc="0" normalizeH="0" baseline="0">
             <a:ln>
               <a:noFill/>
             </a:ln>
@@ -12508,7 +12839,7 @@
           <a:buFontTx/>
           <a:buNone/>
           <a:tabLst/>
-          <a:defRPr b="0" baseline="0" cap="none" i="0" spc="0" strike="noStrike" sz="1800" u="none" kumimoji="0" normalizeH="0">
+          <a:defRPr kumimoji="0" sz="1800" b="0" i="0" u="none" strike="noStrike" cap="none" spc="0" normalizeH="0" baseline="0">
             <a:ln>
               <a:noFill/>
             </a:ln>
@@ -12534,7 +12865,7 @@
           <a:buFontTx/>
           <a:buNone/>
           <a:tabLst/>
-          <a:defRPr b="0" baseline="0" cap="none" i="0" spc="0" strike="noStrike" sz="1800" u="none" kumimoji="0" normalizeH="0">
+          <a:defRPr kumimoji="0" sz="1800" b="0" i="0" u="none" strike="noStrike" cap="none" spc="0" normalizeH="0" baseline="0">
             <a:ln>
               <a:noFill/>
             </a:ln>
@@ -12560,7 +12891,7 @@
           <a:buFontTx/>
           <a:buNone/>
           <a:tabLst/>
-          <a:defRPr b="0" baseline="0" cap="none" i="0" spc="0" strike="noStrike" sz="1800" u="none" kumimoji="0" normalizeH="0">
+          <a:defRPr kumimoji="0" sz="1800" b="0" i="0" u="none" strike="noStrike" cap="none" spc="0" normalizeH="0" baseline="0">
             <a:ln>
               <a:noFill/>
             </a:ln>
@@ -12586,7 +12917,7 @@
           <a:buFontTx/>
           <a:buNone/>
           <a:tabLst/>
-          <a:defRPr b="0" baseline="0" cap="none" i="0" spc="0" strike="noStrike" sz="1800" u="none" kumimoji="0" normalizeH="0">
+          <a:defRPr kumimoji="0" sz="1800" b="0" i="0" u="none" strike="noStrike" cap="none" spc="0" normalizeH="0" baseline="0">
             <a:ln>
               <a:noFill/>
             </a:ln>
@@ -12612,7 +12943,7 @@
           <a:buFontTx/>
           <a:buNone/>
           <a:tabLst/>
-          <a:defRPr b="0" baseline="0" cap="none" i="0" spc="0" strike="noStrike" sz="1800" u="none" kumimoji="0" normalizeH="0">
+          <a:defRPr kumimoji="0" sz="1800" b="0" i="0" u="none" strike="noStrike" cap="none" spc="0" normalizeH="0" baseline="0">
             <a:ln>
               <a:noFill/>
             </a:ln>
@@ -12638,7 +12969,7 @@
           <a:buFontTx/>
           <a:buNone/>
           <a:tabLst/>
-          <a:defRPr b="0" baseline="0" cap="none" i="0" spc="0" strike="noStrike" sz="1800" u="none" kumimoji="0" normalizeH="0">
+          <a:defRPr kumimoji="0" sz="1800" b="0" i="0" u="none" strike="noStrike" cap="none" spc="0" normalizeH="0" baseline="0">
             <a:ln>
               <a:noFill/>
             </a:ln>
@@ -12664,7 +12995,7 @@
           <a:buFontTx/>
           <a:buNone/>
           <a:tabLst/>
-          <a:defRPr b="0" baseline="0" cap="none" i="0" spc="0" strike="noStrike" sz="1800" u="none" kumimoji="0" normalizeH="0">
+          <a:defRPr kumimoji="0" sz="1800" b="0" i="0" u="none" strike="noStrike" cap="none" spc="0" normalizeH="0" baseline="0">
             <a:ln>
               <a:noFill/>
             </a:ln>
@@ -12690,7 +13021,7 @@
           <a:buFontTx/>
           <a:buNone/>
           <a:tabLst/>
-          <a:defRPr b="0" baseline="0" cap="none" i="0" spc="0" strike="noStrike" sz="1800" u="none" kumimoji="0" normalizeH="0">
+          <a:defRPr kumimoji="0" sz="1800" b="0" i="0" u="none" strike="noStrike" cap="none" spc="0" normalizeH="0" baseline="0">
             <a:ln>
               <a:noFill/>
             </a:ln>
@@ -12716,7 +13047,7 @@
           <a:buFontTx/>
           <a:buNone/>
           <a:tabLst/>
-          <a:defRPr b="0" baseline="0" cap="none" i="0" spc="0" strike="noStrike" sz="1800" u="none" kumimoji="0" normalizeH="0">
+          <a:defRPr kumimoji="0" sz="1800" b="0" i="0" u="none" strike="noStrike" cap="none" spc="0" normalizeH="0" baseline="0">
             <a:ln>
               <a:noFill/>
             </a:ln>
@@ -12729,12 +13060,19 @@
         </a:lvl9pPr>
       </a:lstStyle>
       <a:style>
-        <a:lnRef idx="0"/>
-        <a:fillRef idx="0"/>
-        <a:effectRef idx="0"/>
+        <a:lnRef idx="0">
+          <a:scrgbClr r="0" g="0" b="0"/>
+        </a:lnRef>
+        <a:fillRef idx="0">
+          <a:scrgbClr r="0" g="0" b="0"/>
+        </a:fillRef>
+        <a:effectRef idx="0">
+          <a:scrgbClr r="0" g="0" b="0"/>
+        </a:effectRef>
         <a:fontRef idx="none"/>
       </a:style>
     </a:txDef>
   </a:objectDefaults>
+  <a:extraClrSchemeLst/>
 </a:theme>
 </file>
--- a/supports/support_presentation_agile_got.pptx
+++ b/supports/support_presentation_agile_got.pptx
@@ -320,6 +320,11 @@
       </a:defRPr>
     </a:lvl9pPr>
   </p:defaultTextStyle>
+  <p:extLst>
+    <p:ext uri="{EFAFB233-063F-42B5-8137-9DF3F51BA10A}">
+      <p15:sldGuideLst xmlns:p15="http://schemas.microsoft.com/office/powerpoint/2012/main"/>
+    </p:ext>
+  </p:extLst>
 </p:presentation>
 </file>
 
@@ -667,6 +672,10 @@
           </p:nvPr>
         </p:nvSpPr>
         <p:spPr>
+          <a:xfrm>
+            <a:off x="381000" y="685800"/>
+            <a:ext cx="6096000" cy="3429000"/>
+          </a:xfrm>
           <a:prstGeom prst="rect">
             <a:avLst/>
           </a:prstGeom>
@@ -822,6 +831,10 @@
           </p:nvPr>
         </p:nvSpPr>
         <p:spPr>
+          <a:xfrm>
+            <a:off x="381000" y="685800"/>
+            <a:ext cx="6096000" cy="3429000"/>
+          </a:xfrm>
           <a:prstGeom prst="rect">
             <a:avLst/>
           </a:prstGeom>
@@ -3581,7 +3594,7 @@
           </a:ln>
           <a:extLst>
             <a:ext uri="{C572A759-6A51-4108-AA02-DFA0A04FC94B}">
-              <ma14:wrappingTextBoxFlag xmlns:ma14="http://schemas.microsoft.com/office/mac/drawingml/2011/main" xmlns:a14="http://schemas.microsoft.com/office/drawing/2010/main" xmlns:m="http://schemas.openxmlformats.org/officeDocument/2006/math" xmlns="" val="1"/>
+              <ma14:wrappingTextBoxFlag xmlns="" xmlns:m="http://schemas.openxmlformats.org/officeDocument/2006/math" xmlns:a14="http://schemas.microsoft.com/office/drawing/2010/main" xmlns:ma14="http://schemas.microsoft.com/office/mac/drawingml/2011/main" val="1"/>
             </a:ext>
           </a:extLst>
         </p:spPr>
@@ -3620,7 +3633,7 @@
           </a:ln>
           <a:extLst>
             <a:ext uri="{C572A759-6A51-4108-AA02-DFA0A04FC94B}">
-              <ma14:wrappingTextBoxFlag xmlns:ma14="http://schemas.microsoft.com/office/mac/drawingml/2011/main" xmlns:a14="http://schemas.microsoft.com/office/drawing/2010/main" xmlns:m="http://schemas.openxmlformats.org/officeDocument/2006/math" xmlns="" val="1"/>
+              <ma14:wrappingTextBoxFlag xmlns="" xmlns:m="http://schemas.openxmlformats.org/officeDocument/2006/math" xmlns:a14="http://schemas.microsoft.com/office/drawing/2010/main" xmlns:ma14="http://schemas.microsoft.com/office/mac/drawingml/2011/main" val="1"/>
             </a:ext>
           </a:extLst>
         </p:spPr>
@@ -4649,7 +4662,7 @@
           </a:ln>
           <a:extLst>
             <a:ext uri="{C572A759-6A51-4108-AA02-DFA0A04FC94B}">
-              <ma14:wrappingTextBoxFlag xmlns:ma14="http://schemas.microsoft.com/office/mac/drawingml/2011/main" xmlns:a14="http://schemas.microsoft.com/office/drawing/2010/main" xmlns:m="http://schemas.openxmlformats.org/officeDocument/2006/math" xmlns="" val="1"/>
+              <ma14:wrappingTextBoxFlag xmlns="" xmlns:m="http://schemas.openxmlformats.org/officeDocument/2006/math" xmlns:a14="http://schemas.microsoft.com/office/drawing/2010/main" xmlns:ma14="http://schemas.microsoft.com/office/mac/drawingml/2011/main" val="1"/>
             </a:ext>
           </a:extLst>
         </p:spPr>
@@ -4924,7 +4937,7 @@
           </a:ln>
           <a:extLst>
             <a:ext uri="{C572A759-6A51-4108-AA02-DFA0A04FC94B}">
-              <ma14:wrappingTextBoxFlag xmlns:ma14="http://schemas.microsoft.com/office/mac/drawingml/2011/main" xmlns:a14="http://schemas.microsoft.com/office/drawing/2010/main" xmlns:m="http://schemas.openxmlformats.org/officeDocument/2006/math" xmlns="" val="1"/>
+              <ma14:wrappingTextBoxFlag xmlns="" xmlns:m="http://schemas.openxmlformats.org/officeDocument/2006/math" xmlns:a14="http://schemas.microsoft.com/office/drawing/2010/main" xmlns:ma14="http://schemas.microsoft.com/office/mac/drawingml/2011/main" val="1"/>
             </a:ext>
           </a:extLst>
         </p:spPr>
@@ -4960,7 +4973,7 @@
         <p:spPr>
           <a:xfrm>
             <a:off x="943392" y="1180099"/>
-            <a:ext cx="10497240" cy="3678423"/>
+            <a:ext cx="10497240" cy="3394263"/>
           </a:xfrm>
           <a:prstGeom prst="rect">
             <a:avLst/>
@@ -4970,7 +4983,7 @@
           </a:ln>
           <a:extLst>
             <a:ext uri="{C572A759-6A51-4108-AA02-DFA0A04FC94B}">
-              <ma14:wrappingTextBoxFlag xmlns:ma14="http://schemas.microsoft.com/office/mac/drawingml/2011/main" xmlns:a14="http://schemas.microsoft.com/office/drawing/2010/main" xmlns:m="http://schemas.openxmlformats.org/officeDocument/2006/math" xmlns="" val="1"/>
+              <ma14:wrappingTextBoxFlag xmlns="" xmlns:m="http://schemas.openxmlformats.org/officeDocument/2006/math" xmlns:a14="http://schemas.microsoft.com/office/drawing/2010/main" xmlns:ma14="http://schemas.microsoft.com/office/mac/drawingml/2011/main" val="1"/>
             </a:ext>
           </a:extLst>
         </p:spPr>
@@ -4990,26 +5003,50 @@
               <a:defRPr sz="2800"/>
             </a:pPr>
             <a:r>
-              <a:t>Un projet </a:t>
-            </a:r>
-            <a:r>
-              <a:rPr b="1"/>
+              <a:rPr dirty="0"/>
+              <a:t>Un </a:t>
+            </a:r>
+            <a:r>
+              <a:rPr dirty="0" err="1"/>
+              <a:t>projet</a:t>
+            </a:r>
+            <a:r>
+              <a:rPr dirty="0"/>
+              <a:t> </a:t>
+            </a:r>
+            <a:r>
+              <a:rPr b="1" dirty="0" err="1"/>
               <a:t>itératif</a:t>
             </a:r>
             <a:r>
+              <a:rPr dirty="0"/>
               <a:t> et </a:t>
             </a:r>
             <a:r>
-              <a:rPr b="1"/>
+              <a:rPr b="1" dirty="0" err="1"/>
               <a:t>priorisé</a:t>
             </a:r>
             <a:r>
-              <a:t> livre de la valeur </a:t>
-            </a:r>
-            <a:r>
-              <a:rPr b="1"/>
+              <a:rPr dirty="0"/>
+              <a:t> livre de la </a:t>
+            </a:r>
+            <a:r>
+              <a:rPr dirty="0" err="1"/>
+              <a:t>valeur</a:t>
+            </a:r>
+            <a:r>
+              <a:rPr dirty="0"/>
+              <a:t> </a:t>
+            </a:r>
+            <a:r>
+              <a:rPr b="1" dirty="0" err="1"/>
               <a:t>régulièrement</a:t>
             </a:r>
+            <a:r>
+              <a:rPr lang="fr-FR" dirty="0"/>
+              <a:t>.</a:t>
+            </a:r>
+            <a:endParaRPr b="1" dirty="0"/>
           </a:p>
           <a:p>
             <a:pPr marL="342900" indent="-342900" defTabSz="914400">
@@ -5021,7 +5058,7 @@
               <a:buChar char="•"/>
               <a:defRPr sz="2800"/>
             </a:pPr>
-            <a:endParaRPr b="1"/>
+            <a:endParaRPr b="1" dirty="0"/>
           </a:p>
           <a:p>
             <a:pPr marL="342900" indent="-342900" defTabSz="914400">
@@ -5033,7 +5070,7 @@
               <a:buChar char="•"/>
               <a:defRPr sz="2800"/>
             </a:pPr>
-            <a:endParaRPr b="1"/>
+            <a:endParaRPr b="1" dirty="0"/>
           </a:p>
           <a:p>
             <a:pPr marL="342900" indent="-342900" defTabSz="914400">
@@ -5046,15 +5083,58 @@
               <a:defRPr sz="2800"/>
             </a:pPr>
             <a:r>
+              <a:rPr dirty="0"/>
               <a:t>Au bout de </a:t>
             </a:r>
             <a:r>
-              <a:rPr b="1"/>
-              <a:t>la moitié du temps, les ¾ de la valeur </a:t>
-            </a:r>
-            <a:r>
-              <a:t>business sont souvent disponibles</a:t>
-            </a:r>
+              <a:rPr b="1" dirty="0"/>
+              <a:t>la </a:t>
+            </a:r>
+            <a:r>
+              <a:rPr b="1" dirty="0" err="1"/>
+              <a:t>moitié</a:t>
+            </a:r>
+            <a:r>
+              <a:rPr b="1" dirty="0"/>
+              <a:t> du temps, les ¾ de la </a:t>
+            </a:r>
+            <a:r>
+              <a:rPr b="1" dirty="0" err="1"/>
+              <a:t>valeur</a:t>
+            </a:r>
+            <a:r>
+              <a:rPr b="1" dirty="0"/>
+              <a:t> </a:t>
+            </a:r>
+            <a:r>
+              <a:rPr dirty="0"/>
+              <a:t>business </a:t>
+            </a:r>
+            <a:r>
+              <a:rPr dirty="0" err="1"/>
+              <a:t>sont</a:t>
+            </a:r>
+            <a:r>
+              <a:rPr dirty="0"/>
+              <a:t> </a:t>
+            </a:r>
+            <a:r>
+              <a:rPr dirty="0" err="1"/>
+              <a:t>souvent</a:t>
+            </a:r>
+            <a:r>
+              <a:rPr dirty="0"/>
+              <a:t> </a:t>
+            </a:r>
+            <a:r>
+              <a:rPr dirty="0" err="1"/>
+              <a:t>disponibles</a:t>
+            </a:r>
+            <a:r>
+              <a:rPr lang="fr-FR" dirty="0"/>
+              <a:t>.</a:t>
+            </a:r>
+            <a:endParaRPr dirty="0"/>
           </a:p>
           <a:p>
             <a:pPr marL="342900" indent="-342900" defTabSz="914400">
@@ -5066,7 +5146,7 @@
               <a:buChar char="•"/>
               <a:defRPr sz="2800"/>
             </a:pPr>
-            <a:endParaRPr/>
+            <a:endParaRPr dirty="0"/>
           </a:p>
           <a:p>
             <a:pPr marL="342900" indent="-342900" defTabSz="914400">
@@ -5078,7 +5158,7 @@
               <a:buChar char="•"/>
               <a:defRPr sz="2800"/>
             </a:pPr>
-            <a:endParaRPr/>
+            <a:endParaRPr dirty="0"/>
           </a:p>
           <a:p>
             <a:pPr marL="342900" indent="-342900" defTabSz="914400">
@@ -5091,12 +5171,138 @@
               <a:defRPr sz="2800" b="1"/>
             </a:pPr>
             <a:r>
-              <a:t>Le choix est proposé</a:t>
-            </a:r>
-            <a:r>
-              <a:rPr b="0"/>
-              <a:t>, à chaque itération, de continuer le reste des fonctionnalités prévues initialement, ou de prendre en compte de nouveaux besoins, jugés plus prioritaires</a:t>
-            </a:r>
+              <a:rPr dirty="0"/>
+              <a:t>Le </a:t>
+            </a:r>
+            <a:r>
+              <a:rPr dirty="0" err="1"/>
+              <a:t>choix</a:t>
+            </a:r>
+            <a:r>
+              <a:rPr dirty="0"/>
+              <a:t> </a:t>
+            </a:r>
+            <a:r>
+              <a:rPr dirty="0" err="1"/>
+              <a:t>est</a:t>
+            </a:r>
+            <a:r>
+              <a:rPr dirty="0"/>
+              <a:t> </a:t>
+            </a:r>
+            <a:r>
+              <a:rPr dirty="0" err="1"/>
+              <a:t>proposé</a:t>
+            </a:r>
+            <a:r>
+              <a:rPr b="0" dirty="0"/>
+              <a:t>, </a:t>
+            </a:r>
+            <a:r>
+              <a:rPr b="0" dirty="0" err="1"/>
+              <a:t>à</a:t>
+            </a:r>
+            <a:r>
+              <a:rPr b="0" dirty="0"/>
+              <a:t> </a:t>
+            </a:r>
+            <a:r>
+              <a:rPr b="0" dirty="0" err="1"/>
+              <a:t>chaque</a:t>
+            </a:r>
+            <a:r>
+              <a:rPr b="0" dirty="0"/>
+              <a:t> </a:t>
+            </a:r>
+            <a:r>
+              <a:rPr b="0" dirty="0" err="1"/>
+              <a:t>itération</a:t>
+            </a:r>
+            <a:r>
+              <a:rPr b="0" dirty="0"/>
+              <a:t>, de continuer le </a:t>
+            </a:r>
+            <a:r>
+              <a:rPr b="0" dirty="0" err="1"/>
+              <a:t>reste</a:t>
+            </a:r>
+            <a:r>
+              <a:rPr b="0" dirty="0"/>
+              <a:t> des </a:t>
+            </a:r>
+            <a:r>
+              <a:rPr b="0" dirty="0" err="1"/>
+              <a:t>fonctionnalités</a:t>
+            </a:r>
+            <a:r>
+              <a:rPr b="0" dirty="0"/>
+              <a:t> </a:t>
+            </a:r>
+            <a:r>
+              <a:rPr b="0" dirty="0" err="1"/>
+              <a:t>prévues</a:t>
+            </a:r>
+            <a:r>
+              <a:rPr b="0" dirty="0"/>
+              <a:t> </a:t>
+            </a:r>
+            <a:r>
+              <a:rPr b="0" dirty="0" err="1"/>
+              <a:t>initialement</a:t>
+            </a:r>
+            <a:r>
+              <a:rPr b="0" dirty="0"/>
+              <a:t>, </a:t>
+            </a:r>
+            <a:r>
+              <a:rPr b="0" dirty="0" err="1"/>
+              <a:t>ou</a:t>
+            </a:r>
+            <a:r>
+              <a:rPr b="0" dirty="0"/>
+              <a:t> de prendre </a:t>
+            </a:r>
+            <a:r>
+              <a:rPr b="0" dirty="0" err="1"/>
+              <a:t>en</a:t>
+            </a:r>
+            <a:r>
+              <a:rPr b="0" dirty="0"/>
+              <a:t> </a:t>
+            </a:r>
+            <a:r>
+              <a:rPr b="0" dirty="0" err="1"/>
+              <a:t>compte</a:t>
+            </a:r>
+            <a:r>
+              <a:rPr b="0" dirty="0"/>
+              <a:t> de nouveaux </a:t>
+            </a:r>
+            <a:r>
+              <a:rPr b="0" dirty="0" err="1"/>
+              <a:t>besoins</a:t>
+            </a:r>
+            <a:r>
+              <a:rPr b="0" dirty="0"/>
+              <a:t>, </a:t>
+            </a:r>
+            <a:r>
+              <a:rPr b="0" dirty="0" err="1"/>
+              <a:t>jugés</a:t>
+            </a:r>
+            <a:r>
+              <a:rPr b="0" dirty="0"/>
+              <a:t> plus </a:t>
+            </a:r>
+            <a:r>
+              <a:rPr b="0" dirty="0" err="1"/>
+              <a:t>prioritaires</a:t>
+            </a:r>
+            <a:r>
+              <a:rPr lang="fr-FR" b="0" dirty="0"/>
+              <a:t>.</a:t>
+            </a:r>
+            <a:endParaRPr b="0" dirty="0"/>
           </a:p>
           <a:p>
             <a:pPr defTabSz="914400">
@@ -5105,7 +5311,7 @@
               </a:lnSpc>
               <a:defRPr sz="2800"/>
             </a:pPr>
-            <a:endParaRPr b="0"/>
+            <a:endParaRPr b="0" dirty="0"/>
           </a:p>
         </p:txBody>
       </p:sp>
@@ -5129,7 +5335,7 @@
           </a:prstGeom>
           <a:extLst>
             <a:ext uri="{C572A759-6A51-4108-AA02-DFA0A04FC94B}">
-              <ma14:wrappingTextBoxFlag xmlns:ma14="http://schemas.microsoft.com/office/mac/drawingml/2011/main" xmlns:a14="http://schemas.microsoft.com/office/drawing/2010/main" xmlns:m="http://schemas.openxmlformats.org/officeDocument/2006/math" xmlns="" val="1"/>
+              <ma14:wrappingTextBoxFlag xmlns="" xmlns:m="http://schemas.openxmlformats.org/officeDocument/2006/math" xmlns:a14="http://schemas.microsoft.com/office/drawing/2010/main" xmlns:ma14="http://schemas.microsoft.com/office/mac/drawingml/2011/main" val="1"/>
             </a:ext>
           </a:extLst>
         </p:spPr>
@@ -5197,7 +5403,7 @@
           </a:ln>
           <a:extLst>
             <a:ext uri="{C572A759-6A51-4108-AA02-DFA0A04FC94B}">
-              <ma14:wrappingTextBoxFlag xmlns:ma14="http://schemas.microsoft.com/office/mac/drawingml/2011/main" xmlns:a14="http://schemas.microsoft.com/office/drawing/2010/main" xmlns:m="http://schemas.openxmlformats.org/officeDocument/2006/math" xmlns="" val="1"/>
+              <ma14:wrappingTextBoxFlag xmlns="" xmlns:m="http://schemas.openxmlformats.org/officeDocument/2006/math" xmlns:a14="http://schemas.microsoft.com/office/drawing/2010/main" xmlns:ma14="http://schemas.microsoft.com/office/mac/drawingml/2011/main" val="1"/>
             </a:ext>
           </a:extLst>
         </p:spPr>
@@ -5432,7 +5638,7 @@
           </a:ln>
           <a:extLst>
             <a:ext uri="{C572A759-6A51-4108-AA02-DFA0A04FC94B}">
-              <ma14:wrappingTextBoxFlag xmlns:ma14="http://schemas.microsoft.com/office/mac/drawingml/2011/main" xmlns:a14="http://schemas.microsoft.com/office/drawing/2010/main" xmlns:m="http://schemas.openxmlformats.org/officeDocument/2006/math" xmlns="" val="1"/>
+              <ma14:wrappingTextBoxFlag xmlns="" xmlns:m="http://schemas.openxmlformats.org/officeDocument/2006/math" xmlns:a14="http://schemas.microsoft.com/office/drawing/2010/main" xmlns:ma14="http://schemas.microsoft.com/office/mac/drawingml/2011/main" val="1"/>
             </a:ext>
           </a:extLst>
         </p:spPr>
@@ -5459,11 +5665,18 @@
             </a:r>
             <a:r>
               <a:rPr dirty="0" err="1"/>
-              <a:t>lannisters</a:t>
+              <a:t>lannister</a:t>
             </a:r>
             <a:r>
               <a:rPr dirty="0"/>
-              <a:t> ET LES STARKS S’AFFRONTENT DEPUIS DES ANN</a:t>
+              <a:t> ET LES STARK</a:t>
+            </a:r>
+            <a:endParaRPr lang="fr-FR" dirty="0"/>
+          </a:p>
+          <a:p>
+            <a:r>
+              <a:rPr dirty="0"/>
+              <a:t>S’AFFRONTENT DEPUIS DES ANN</a:t>
             </a:r>
             <a:r>
               <a:rPr lang="fr-FR" dirty="0" err="1"/>
@@ -5487,7 +5700,7 @@
         <p:wipe/>
       </p:transition>
     </mc:Choice>
-    <mc:Fallback xmlns:a14="http://schemas.microsoft.com/office/drawing/2010/main" xmlns:m="http://schemas.openxmlformats.org/officeDocument/2006/math" xmlns="">
+    <mc:Fallback xmlns="" xmlns:m="http://schemas.openxmlformats.org/officeDocument/2006/math" xmlns:a14="http://schemas.microsoft.com/office/drawing/2010/main">
       <p:transition spd="slow">
         <p:fade/>
       </p:transition>
@@ -5736,7 +5949,7 @@
           </a:ln>
           <a:extLst>
             <a:ext uri="{C572A759-6A51-4108-AA02-DFA0A04FC94B}">
-              <ma14:wrappingTextBoxFlag xmlns:ma14="http://schemas.microsoft.com/office/mac/drawingml/2011/main" xmlns:a14="http://schemas.microsoft.com/office/drawing/2010/main" xmlns:m="http://schemas.openxmlformats.org/officeDocument/2006/math" xmlns="" val="1"/>
+              <ma14:wrappingTextBoxFlag xmlns="" xmlns:m="http://schemas.openxmlformats.org/officeDocument/2006/math" xmlns:a14="http://schemas.microsoft.com/office/drawing/2010/main" xmlns:ma14="http://schemas.microsoft.com/office/mac/drawingml/2011/main" val="1"/>
             </a:ext>
           </a:extLst>
         </p:spPr>
@@ -5892,7 +6105,7 @@
               <a:effectLst/>
               <a:extLst>
                 <a:ext uri="{C572A759-6A51-4108-AA02-DFA0A04FC94B}">
-                  <ma14:wrappingTextBoxFlag xmlns:ma14="http://schemas.microsoft.com/office/mac/drawingml/2011/main" xmlns:a14="http://schemas.microsoft.com/office/drawing/2010/main" xmlns:m="http://schemas.openxmlformats.org/officeDocument/2006/math" xmlns="" val="1"/>
+                  <ma14:wrappingTextBoxFlag xmlns="" xmlns:m="http://schemas.openxmlformats.org/officeDocument/2006/math" xmlns:a14="http://schemas.microsoft.com/office/drawing/2010/main" xmlns:ma14="http://schemas.microsoft.com/office/mac/drawingml/2011/main" val="1"/>
                 </a:ext>
               </a:extLst>
             </p:spPr>
@@ -6027,7 +6240,7 @@
             <a:effectLst/>
             <a:extLst>
               <a:ext uri="{C572A759-6A51-4108-AA02-DFA0A04FC94B}">
-                <ma14:wrappingTextBoxFlag xmlns:ma14="http://schemas.microsoft.com/office/mac/drawingml/2011/main" xmlns:a14="http://schemas.microsoft.com/office/drawing/2010/main" xmlns:m="http://schemas.openxmlformats.org/officeDocument/2006/math" xmlns="" val="1"/>
+                <ma14:wrappingTextBoxFlag xmlns="" xmlns:m="http://schemas.openxmlformats.org/officeDocument/2006/math" xmlns:a14="http://schemas.microsoft.com/office/drawing/2010/main" xmlns:ma14="http://schemas.microsoft.com/office/mac/drawingml/2011/main" val="1"/>
               </a:ext>
             </a:extLst>
           </p:spPr>
@@ -7367,7 +7580,7 @@
           </a:ln>
           <a:extLst>
             <a:ext uri="{C572A759-6A51-4108-AA02-DFA0A04FC94B}">
-              <ma14:wrappingTextBoxFlag xmlns:ma14="http://schemas.microsoft.com/office/mac/drawingml/2011/main" xmlns:a14="http://schemas.microsoft.com/office/drawing/2010/main" xmlns:m="http://schemas.openxmlformats.org/officeDocument/2006/math" xmlns="" val="1"/>
+              <ma14:wrappingTextBoxFlag xmlns="" xmlns:m="http://schemas.openxmlformats.org/officeDocument/2006/math" xmlns:a14="http://schemas.microsoft.com/office/drawing/2010/main" xmlns:ma14="http://schemas.microsoft.com/office/mac/drawingml/2011/main" val="1"/>
             </a:ext>
           </a:extLst>
         </p:spPr>
@@ -8129,7 +8342,7 @@
         <p:spPr>
           <a:xfrm>
             <a:off x="1451578" y="116341"/>
-            <a:ext cx="9603277" cy="574041"/>
+            <a:ext cx="9603277" cy="535531"/>
           </a:xfrm>
           <a:prstGeom prst="rect">
             <a:avLst/>
@@ -8139,7 +8352,7 @@
           </a:ln>
           <a:extLst>
             <a:ext uri="{C572A759-6A51-4108-AA02-DFA0A04FC94B}">
-              <ma14:wrappingTextBoxFlag xmlns:ma14="http://schemas.microsoft.com/office/mac/drawingml/2011/main" xmlns:a14="http://schemas.microsoft.com/office/drawing/2010/main" xmlns:m="http://schemas.openxmlformats.org/officeDocument/2006/math" xmlns="" val="1"/>
+              <ma14:wrappingTextBoxFlag xmlns="" xmlns:m="http://schemas.openxmlformats.org/officeDocument/2006/math" xmlns:a14="http://schemas.microsoft.com/office/drawing/2010/main" xmlns:ma14="http://schemas.microsoft.com/office/mac/drawingml/2011/main" val="1"/>
             </a:ext>
           </a:extLst>
         </p:spPr>
@@ -8161,7 +8374,16 @@
           </a:lstStyle>
           <a:p>
             <a:r>
-              <a:t>“LES CONFLITS S’ETENDENT…”</a:t>
+              <a:rPr dirty="0"/>
+              <a:t>“LES CONFLITS S’</a:t>
+            </a:r>
+            <a:r>
+              <a:rPr lang="fr-FR" dirty="0" err="1"/>
+              <a:t>É</a:t>
+            </a:r>
+            <a:r>
+              <a:rPr dirty="0"/>
+              <a:t>TENDENT…”</a:t>
             </a:r>
           </a:p>
         </p:txBody>
@@ -8482,7 +8704,7 @@
           </a:ln>
           <a:extLst>
             <a:ext uri="{C572A759-6A51-4108-AA02-DFA0A04FC94B}">
-              <ma14:wrappingTextBoxFlag xmlns:ma14="http://schemas.microsoft.com/office/mac/drawingml/2011/main" xmlns:a14="http://schemas.microsoft.com/office/drawing/2010/main" xmlns:m="http://schemas.openxmlformats.org/officeDocument/2006/math" xmlns="" val="1"/>
+              <ma14:wrappingTextBoxFlag xmlns="" xmlns:m="http://schemas.openxmlformats.org/officeDocument/2006/math" xmlns:a14="http://schemas.microsoft.com/office/drawing/2010/main" xmlns:ma14="http://schemas.microsoft.com/office/mac/drawingml/2011/main" val="1"/>
             </a:ext>
           </a:extLst>
         </p:spPr>
@@ -8993,7 +9215,7 @@
           </a:ln>
           <a:extLst>
             <a:ext uri="{C572A759-6A51-4108-AA02-DFA0A04FC94B}">
-              <ma14:wrappingTextBoxFlag xmlns:ma14="http://schemas.microsoft.com/office/mac/drawingml/2011/main" xmlns:a14="http://schemas.microsoft.com/office/drawing/2010/main" xmlns:m="http://schemas.openxmlformats.org/officeDocument/2006/math" xmlns="" val="1"/>
+              <ma14:wrappingTextBoxFlag xmlns="" xmlns:m="http://schemas.openxmlformats.org/officeDocument/2006/math" xmlns:a14="http://schemas.microsoft.com/office/drawing/2010/main" xmlns:ma14="http://schemas.microsoft.com/office/mac/drawingml/2011/main" val="1"/>
             </a:ext>
           </a:extLst>
         </p:spPr>
@@ -9017,7 +9239,15 @@
             </a:pPr>
             <a:r>
               <a:rPr dirty="0"/>
-              <a:t>DEFINIR UNE VALEUR DE PROTECTION DES </a:t>
+              <a:t>D</a:t>
+            </a:r>
+            <a:r>
+              <a:rPr lang="fr-FR" dirty="0" err="1"/>
+              <a:t>É</a:t>
+            </a:r>
+            <a:r>
+              <a:rPr dirty="0"/>
+              <a:t>FINIR UNE VALEUR DE PROTECTION DES </a:t>
             </a:r>
             <a:r>
               <a:rPr lang="fr-FR" dirty="0" err="1"/>
@@ -9126,7 +9356,7 @@
         <p:spPr>
           <a:xfrm>
             <a:off x="1451578" y="116341"/>
-            <a:ext cx="9603277" cy="574041"/>
+            <a:ext cx="9603277" cy="535531"/>
           </a:xfrm>
           <a:prstGeom prst="rect">
             <a:avLst/>
@@ -9136,7 +9366,7 @@
           </a:ln>
           <a:extLst>
             <a:ext uri="{C572A759-6A51-4108-AA02-DFA0A04FC94B}">
-              <ma14:wrappingTextBoxFlag xmlns:ma14="http://schemas.microsoft.com/office/mac/drawingml/2011/main" xmlns:a14="http://schemas.microsoft.com/office/drawing/2010/main" xmlns:m="http://schemas.openxmlformats.org/officeDocument/2006/math" xmlns="" val="1"/>
+              <ma14:wrappingTextBoxFlag xmlns="" xmlns:m="http://schemas.openxmlformats.org/officeDocument/2006/math" xmlns:a14="http://schemas.microsoft.com/office/drawing/2010/main" xmlns:ma14="http://schemas.microsoft.com/office/mac/drawingml/2011/main" val="1"/>
             </a:ext>
           </a:extLst>
         </p:spPr>
@@ -9158,7 +9388,40 @@
           </a:lstStyle>
           <a:p>
             <a:r>
-              <a:t>“C’est a vous de JOUER …”</a:t>
+              <a:rPr dirty="0"/>
+              <a:t>“</a:t>
+            </a:r>
+            <a:r>
+              <a:rPr dirty="0" err="1"/>
+              <a:t>C’est</a:t>
+            </a:r>
+            <a:r>
+              <a:rPr dirty="0"/>
+              <a:t> </a:t>
+            </a:r>
+            <a:r>
+              <a:rPr lang="fr-FR" dirty="0"/>
+              <a:t>À</a:t>
+            </a:r>
+            <a:r>
+              <a:rPr dirty="0"/>
+              <a:t> </a:t>
+            </a:r>
+            <a:r>
+              <a:rPr dirty="0" err="1"/>
+              <a:t>vous</a:t>
+            </a:r>
+            <a:r>
+              <a:rPr dirty="0"/>
+              <a:t> de JOUER</a:t>
+            </a:r>
+            <a:r>
+              <a:rPr lang="fr-FR" dirty="0"/>
+              <a:t> !</a:t>
+            </a:r>
+            <a:r>
+              <a:rPr dirty="0"/>
+              <a:t>”</a:t>
             </a:r>
           </a:p>
         </p:txBody>
@@ -9321,7 +9584,7 @@
         <p:spPr>
           <a:xfrm>
             <a:off x="1762130" y="1358544"/>
-            <a:ext cx="9603276" cy="911861"/>
+            <a:ext cx="9603276" cy="867930"/>
           </a:xfrm>
           <a:prstGeom prst="rect">
             <a:avLst/>
@@ -9331,7 +9594,7 @@
           </a:ln>
           <a:extLst>
             <a:ext uri="{C572A759-6A51-4108-AA02-DFA0A04FC94B}">
-              <ma14:wrappingTextBoxFlag xmlns:ma14="http://schemas.microsoft.com/office/mac/drawingml/2011/main" xmlns:a14="http://schemas.microsoft.com/office/drawing/2010/main" xmlns:m="http://schemas.openxmlformats.org/officeDocument/2006/math" xmlns="" val="1"/>
+              <ma14:wrappingTextBoxFlag xmlns="" xmlns:m="http://schemas.openxmlformats.org/officeDocument/2006/math" xmlns:a14="http://schemas.microsoft.com/office/drawing/2010/main" xmlns:ma14="http://schemas.microsoft.com/office/mac/drawingml/2011/main" val="1"/>
             </a:ext>
           </a:extLst>
         </p:spPr>
@@ -9353,7 +9616,23 @@
             </a:pPr>
             <a:r>
               <a:rPr dirty="0"/>
-              <a:t>LE JEU SE DEROULE SUR 12 EPISODES. </a:t>
+              <a:t>LE JEU SE D</a:t>
+            </a:r>
+            <a:r>
+              <a:rPr lang="fr-FR" dirty="0" err="1"/>
+              <a:t>É</a:t>
+            </a:r>
+            <a:r>
+              <a:rPr dirty="0"/>
+              <a:t>ROULE SUR 12 </a:t>
+            </a:r>
+            <a:r>
+              <a:rPr lang="fr-FR" dirty="0" err="1"/>
+              <a:t>É</a:t>
+            </a:r>
+            <a:r>
+              <a:rPr dirty="0"/>
+              <a:t>PISODES. </a:t>
             </a:r>
             <a:endParaRPr sz="3200" dirty="0"/>
           </a:p>
@@ -9370,7 +9649,15 @@
             </a:pPr>
             <a:r>
               <a:rPr dirty="0"/>
-              <a:t>1 EPISODE DURE 4 SEMAINES.</a:t>
+              <a:t>1 </a:t>
+            </a:r>
+            <a:r>
+              <a:rPr lang="fr-FR" dirty="0" err="1"/>
+              <a:t>É</a:t>
+            </a:r>
+            <a:r>
+              <a:rPr dirty="0"/>
+              <a:t>PISODE DURE 4 SEMAINES.</a:t>
             </a:r>
           </a:p>
         </p:txBody>
@@ -9384,7 +9671,7 @@
         <p:spPr>
           <a:xfrm>
             <a:off x="1451577" y="2753149"/>
-            <a:ext cx="9603277" cy="2077721"/>
+            <a:ext cx="9603277" cy="1643527"/>
           </a:xfrm>
           <a:prstGeom prst="rect">
             <a:avLst/>
@@ -9394,7 +9681,7 @@
           </a:ln>
           <a:extLst>
             <a:ext uri="{C572A759-6A51-4108-AA02-DFA0A04FC94B}">
-              <ma14:wrappingTextBoxFlag xmlns:ma14="http://schemas.microsoft.com/office/mac/drawingml/2011/main" xmlns:a14="http://schemas.microsoft.com/office/drawing/2010/main" xmlns:m="http://schemas.openxmlformats.org/officeDocument/2006/math" xmlns="" val="1"/>
+              <ma14:wrappingTextBoxFlag xmlns="" xmlns:m="http://schemas.openxmlformats.org/officeDocument/2006/math" xmlns:a14="http://schemas.microsoft.com/office/drawing/2010/main" xmlns:ma14="http://schemas.microsoft.com/office/mac/drawingml/2011/main" val="1"/>
             </a:ext>
           </a:extLst>
         </p:spPr>
@@ -9417,8 +9704,26 @@
               </a:defRPr>
             </a:pPr>
             <a:r>
-              <a:t>Utilisez la fiche de jeu fournie</a:t>
-            </a:r>
+              <a:rPr dirty="0" err="1"/>
+              <a:t>Utilisez</a:t>
+            </a:r>
+            <a:r>
+              <a:rPr dirty="0"/>
+              <a:t> la fiche de </a:t>
+            </a:r>
+            <a:r>
+              <a:rPr dirty="0" err="1"/>
+              <a:t>jeu</a:t>
+            </a:r>
+            <a:r>
+              <a:rPr dirty="0"/>
+              <a:t> </a:t>
+            </a:r>
+            <a:r>
+              <a:rPr dirty="0" err="1"/>
+              <a:t>fournie</a:t>
+            </a:r>
+            <a:endParaRPr dirty="0"/>
           </a:p>
           <a:p>
             <a:pPr defTabSz="914400">
@@ -9431,7 +9736,7 @@
                 </a:solidFill>
               </a:defRPr>
             </a:pPr>
-            <a:endParaRPr/>
+            <a:endParaRPr dirty="0"/>
           </a:p>
           <a:p>
             <a:pPr marL="457200" indent="-457200" defTabSz="914400">
@@ -9447,8 +9752,58 @@
               </a:defRPr>
             </a:pPr>
             <a:r>
-              <a:t>Réfléchissez a une stratégie de construction de vos éléments d’armure</a:t>
-            </a:r>
+              <a:rPr dirty="0" err="1"/>
+              <a:t>Réfléchissez</a:t>
+            </a:r>
+            <a:r>
+              <a:rPr dirty="0"/>
+              <a:t> </a:t>
+            </a:r>
+            <a:r>
+              <a:rPr lang="fr-FR" dirty="0"/>
+              <a:t>À</a:t>
+            </a:r>
+            <a:r>
+              <a:rPr dirty="0"/>
+              <a:t> </a:t>
+            </a:r>
+            <a:r>
+              <a:rPr dirty="0" err="1"/>
+              <a:t>une</a:t>
+            </a:r>
+            <a:r>
+              <a:rPr dirty="0"/>
+              <a:t> </a:t>
+            </a:r>
+            <a:r>
+              <a:rPr dirty="0" err="1"/>
+              <a:t>stratégie</a:t>
+            </a:r>
+            <a:r>
+              <a:rPr dirty="0"/>
+              <a:t> de construction de </a:t>
+            </a:r>
+            <a:r>
+              <a:rPr dirty="0" err="1"/>
+              <a:t>vos</a:t>
+            </a:r>
+            <a:r>
+              <a:rPr dirty="0"/>
+              <a:t> </a:t>
+            </a:r>
+            <a:r>
+              <a:rPr dirty="0" err="1"/>
+              <a:t>éléments</a:t>
+            </a:r>
+            <a:r>
+              <a:rPr dirty="0"/>
+              <a:t> </a:t>
+            </a:r>
+            <a:r>
+              <a:rPr dirty="0" err="1"/>
+              <a:t>d’armure</a:t>
+            </a:r>
+            <a:endParaRPr dirty="0"/>
           </a:p>
         </p:txBody>
       </p:sp>
@@ -9461,7 +9816,7 @@
         <p:spPr>
           <a:xfrm>
             <a:off x="1451579" y="116341"/>
-            <a:ext cx="9603276" cy="574041"/>
+            <a:ext cx="9603276" cy="535531"/>
           </a:xfrm>
           <a:prstGeom prst="rect">
             <a:avLst/>
@@ -9471,7 +9826,7 @@
           </a:ln>
           <a:extLst>
             <a:ext uri="{C572A759-6A51-4108-AA02-DFA0A04FC94B}">
-              <ma14:wrappingTextBoxFlag xmlns:ma14="http://schemas.microsoft.com/office/mac/drawingml/2011/main" xmlns:a14="http://schemas.microsoft.com/office/drawing/2010/main" xmlns:m="http://schemas.openxmlformats.org/officeDocument/2006/math" xmlns="" val="1"/>
+              <ma14:wrappingTextBoxFlag xmlns="" xmlns:m="http://schemas.openxmlformats.org/officeDocument/2006/math" xmlns:a14="http://schemas.microsoft.com/office/drawing/2010/main" xmlns:ma14="http://schemas.microsoft.com/office/mac/drawingml/2011/main" val="1"/>
             </a:ext>
           </a:extLst>
         </p:spPr>
@@ -9502,7 +9857,15 @@
             </a:r>
             <a:r>
               <a:rPr dirty="0"/>
-              <a:t> a </a:t>
+              <a:t> </a:t>
+            </a:r>
+            <a:r>
+              <a:rPr lang="fr-FR" dirty="0"/>
+              <a:t>à</a:t>
+            </a:r>
+            <a:r>
+              <a:rPr dirty="0"/>
+              <a:t> </a:t>
             </a:r>
             <a:r>
               <a:rPr dirty="0" err="1"/>
@@ -9510,7 +9873,15 @@
             </a:r>
             <a:r>
               <a:rPr dirty="0"/>
-              <a:t> de JOUER …”</a:t>
+              <a:t> de JOUER </a:t>
+            </a:r>
+            <a:r>
+              <a:rPr lang="fr-FR" dirty="0"/>
+              <a:t>!</a:t>
+            </a:r>
+            <a:r>
+              <a:rPr dirty="0"/>
+              <a:t>”</a:t>
             </a:r>
           </a:p>
         </p:txBody>
@@ -9780,7 +10151,7 @@
           </a:ln>
           <a:extLst>
             <a:ext uri="{C572A759-6A51-4108-AA02-DFA0A04FC94B}">
-              <ma14:wrappingTextBoxFlag xmlns:ma14="http://schemas.microsoft.com/office/mac/drawingml/2011/main" xmlns:a14="http://schemas.microsoft.com/office/drawing/2010/main" xmlns:m="http://schemas.openxmlformats.org/officeDocument/2006/math" xmlns="" val="1"/>
+              <ma14:wrappingTextBoxFlag xmlns="" xmlns:m="http://schemas.openxmlformats.org/officeDocument/2006/math" xmlns:a14="http://schemas.microsoft.com/office/drawing/2010/main" xmlns:ma14="http://schemas.microsoft.com/office/mac/drawingml/2011/main" val="1"/>
             </a:ext>
           </a:extLst>
         </p:spPr>
@@ -9849,7 +10220,7 @@
         <p:spPr>
           <a:xfrm>
             <a:off x="1451578" y="116341"/>
-            <a:ext cx="9603277" cy="574041"/>
+            <a:ext cx="9603277" cy="535531"/>
           </a:xfrm>
           <a:prstGeom prst="rect">
             <a:avLst/>
@@ -9859,7 +10230,7 @@
           </a:ln>
           <a:extLst>
             <a:ext uri="{C572A759-6A51-4108-AA02-DFA0A04FC94B}">
-              <ma14:wrappingTextBoxFlag xmlns:ma14="http://schemas.microsoft.com/office/mac/drawingml/2011/main" xmlns:a14="http://schemas.microsoft.com/office/drawing/2010/main" xmlns:m="http://schemas.openxmlformats.org/officeDocument/2006/math" xmlns="" val="1"/>
+              <ma14:wrappingTextBoxFlag xmlns="" xmlns:m="http://schemas.openxmlformats.org/officeDocument/2006/math" xmlns:a14="http://schemas.microsoft.com/office/drawing/2010/main" xmlns:ma14="http://schemas.microsoft.com/office/mac/drawingml/2011/main" val="1"/>
             </a:ext>
           </a:extLst>
         </p:spPr>
@@ -9881,7 +10252,8 @@
           </a:lstStyle>
           <a:p>
             <a:r>
-              <a:t>“WINTER IS COMING … WINTER IS HERE!”</a:t>
+              <a:rPr dirty="0"/>
+              <a:t>“WINTER IS COMING… WINTER IS HERE!”</a:t>
             </a:r>
           </a:p>
         </p:txBody>
@@ -9905,7 +10277,7 @@
           </a:ln>
           <a:extLst>
             <a:ext uri="{C572A759-6A51-4108-AA02-DFA0A04FC94B}">
-              <ma14:wrappingTextBoxFlag xmlns:ma14="http://schemas.microsoft.com/office/mac/drawingml/2011/main" xmlns:a14="http://schemas.microsoft.com/office/drawing/2010/main" xmlns:m="http://schemas.openxmlformats.org/officeDocument/2006/math" xmlns="" val="1"/>
+              <ma14:wrappingTextBoxFlag xmlns="" xmlns:m="http://schemas.openxmlformats.org/officeDocument/2006/math" xmlns:a14="http://schemas.microsoft.com/office/drawing/2010/main" xmlns:ma14="http://schemas.microsoft.com/office/mac/drawingml/2011/main" val="1"/>
             </a:ext>
           </a:extLst>
         </p:spPr>
@@ -9927,7 +10299,23 @@
             </a:pPr>
             <a:r>
               <a:rPr dirty="0"/>
-              <a:t>CONSEQUENCES: </a:t>
+              <a:t>CONS</a:t>
+            </a:r>
+            <a:r>
+              <a:rPr lang="fr-FR" dirty="0" err="1"/>
+              <a:t>É</a:t>
+            </a:r>
+            <a:r>
+              <a:rPr dirty="0"/>
+              <a:t>QUENCES</a:t>
+            </a:r>
+            <a:r>
+              <a:rPr lang="fr-FR" dirty="0"/>
+              <a:t> </a:t>
+            </a:r>
+            <a:r>
+              <a:rPr dirty="0"/>
+              <a:t>: </a:t>
             </a:r>
             <a:endParaRPr sz="3200" dirty="0"/>
           </a:p>
@@ -9964,7 +10352,23 @@
             </a:r>
             <a:r>
               <a:rPr dirty="0"/>
-              <a:t> DES bras: +3 SEM DE FABRICATION</a:t>
+              <a:t> DES bras</a:t>
+            </a:r>
+            <a:r>
+              <a:rPr lang="fr-FR" dirty="0"/>
+              <a:t> </a:t>
+            </a:r>
+            <a:r>
+              <a:rPr dirty="0"/>
+              <a:t>: +3 SEM</a:t>
+            </a:r>
+            <a:r>
+              <a:rPr lang="fr-FR" dirty="0"/>
+              <a:t>AINES</a:t>
+            </a:r>
+            <a:r>
+              <a:rPr dirty="0"/>
+              <a:t> DE FABRICATION</a:t>
             </a:r>
             <a:endParaRPr sz="3200" dirty="0"/>
           </a:p>
@@ -9992,7 +10396,7 @@
             </a:r>
             <a:r>
               <a:rPr lang="fr-FR" dirty="0"/>
-              <a:t>LA VALEUR PASSE A 10</a:t>
+              <a:t>LA VALEUR PASSE À 10</a:t>
             </a:r>
             <a:endParaRPr dirty="0"/>
           </a:p>
@@ -10169,7 +10573,7 @@
           </a:ln>
           <a:extLst>
             <a:ext uri="{C572A759-6A51-4108-AA02-DFA0A04FC94B}">
-              <ma14:wrappingTextBoxFlag xmlns:ma14="http://schemas.microsoft.com/office/mac/drawingml/2011/main" xmlns:a14="http://schemas.microsoft.com/office/drawing/2010/main" xmlns:m="http://schemas.openxmlformats.org/officeDocument/2006/math" xmlns="" val="1"/>
+              <ma14:wrappingTextBoxFlag xmlns="" xmlns:m="http://schemas.openxmlformats.org/officeDocument/2006/math" xmlns:a14="http://schemas.microsoft.com/office/drawing/2010/main" xmlns:ma14="http://schemas.microsoft.com/office/mac/drawingml/2011/main" val="1"/>
             </a:ext>
           </a:extLst>
         </p:spPr>
@@ -10393,8 +10797,8 @@
         </p:nvSpPr>
         <p:spPr>
           <a:xfrm>
-            <a:off x="7699167" y="2999889"/>
-            <a:ext cx="5337136" cy="396241"/>
+            <a:off x="6801660" y="3073076"/>
+            <a:ext cx="5337136" cy="369332"/>
           </a:xfrm>
           <a:prstGeom prst="rect">
             <a:avLst/>
@@ -10404,7 +10808,7 @@
           </a:ln>
           <a:extLst>
             <a:ext uri="{C572A759-6A51-4108-AA02-DFA0A04FC94B}">
-              <ma14:wrappingTextBoxFlag xmlns:ma14="http://schemas.microsoft.com/office/mac/drawingml/2011/main" xmlns:a14="http://schemas.microsoft.com/office/drawing/2010/main" xmlns:m="http://schemas.openxmlformats.org/officeDocument/2006/math" xmlns="" val="1"/>
+              <ma14:wrappingTextBoxFlag xmlns="" xmlns:m="http://schemas.openxmlformats.org/officeDocument/2006/math" xmlns:a14="http://schemas.microsoft.com/office/drawing/2010/main" xmlns:ma14="http://schemas.microsoft.com/office/mac/drawingml/2011/main" val="1"/>
             </a:ext>
           </a:extLst>
         </p:spPr>
@@ -10425,8 +10829,26 @@
             </a:lvl1pPr>
           </a:lstStyle>
           <a:p>
-            <a:r>
-              <a:t>“LES marcheurs BLANCS ARRIVENT”</a:t>
+            <a:pPr algn="ctr"/>
+            <a:r>
+              <a:rPr dirty="0"/>
+              <a:t>“LES </a:t>
+            </a:r>
+            <a:r>
+              <a:rPr dirty="0" err="1"/>
+              <a:t>marcheurs</a:t>
+            </a:r>
+            <a:r>
+              <a:rPr dirty="0"/>
+              <a:t> BLANCS ARRIVENT</a:t>
+            </a:r>
+            <a:r>
+              <a:rPr lang="fr-FR" dirty="0"/>
+              <a:t> !</a:t>
+            </a:r>
+            <a:r>
+              <a:rPr dirty="0"/>
+              <a:t>”</a:t>
             </a:r>
           </a:p>
         </p:txBody>
